--- a/Presentation/Challenge1.pptx
+++ b/Presentation/Challenge1.pptx
@@ -15,26 +15,26 @@
     <p:sldId id="263" r:id="rId3"/>
     <p:sldId id="264" r:id="rId4"/>
     <p:sldId id="265" r:id="rId5"/>
-    <p:sldId id="266" r:id="rId6"/>
-    <p:sldId id="267" r:id="rId7"/>
-    <p:sldId id="268" r:id="rId8"/>
-    <p:sldId id="269" r:id="rId9"/>
-    <p:sldId id="270" r:id="rId10"/>
-    <p:sldId id="275" r:id="rId11"/>
-    <p:sldId id="276" r:id="rId12"/>
-    <p:sldId id="277" r:id="rId13"/>
-    <p:sldId id="278" r:id="rId14"/>
-    <p:sldId id="279" r:id="rId15"/>
-    <p:sldId id="280" r:id="rId16"/>
-    <p:sldId id="281" r:id="rId17"/>
-    <p:sldId id="282" r:id="rId18"/>
-    <p:sldId id="283" r:id="rId19"/>
-    <p:sldId id="284" r:id="rId20"/>
-    <p:sldId id="285" r:id="rId21"/>
-    <p:sldId id="286" r:id="rId22"/>
-    <p:sldId id="287" r:id="rId23"/>
-    <p:sldId id="288" r:id="rId24"/>
-    <p:sldId id="290" r:id="rId25"/>
+    <p:sldId id="295" r:id="rId6"/>
+    <p:sldId id="294" r:id="rId7"/>
+    <p:sldId id="267" r:id="rId8"/>
+    <p:sldId id="268" r:id="rId9"/>
+    <p:sldId id="269" r:id="rId10"/>
+    <p:sldId id="270" r:id="rId11"/>
+    <p:sldId id="275" r:id="rId12"/>
+    <p:sldId id="276" r:id="rId13"/>
+    <p:sldId id="277" r:id="rId14"/>
+    <p:sldId id="278" r:id="rId15"/>
+    <p:sldId id="279" r:id="rId16"/>
+    <p:sldId id="280" r:id="rId17"/>
+    <p:sldId id="281" r:id="rId18"/>
+    <p:sldId id="282" r:id="rId19"/>
+    <p:sldId id="283" r:id="rId20"/>
+    <p:sldId id="284" r:id="rId21"/>
+    <p:sldId id="285" r:id="rId22"/>
+    <p:sldId id="286" r:id="rId23"/>
+    <p:sldId id="287" r:id="rId24"/>
+    <p:sldId id="288" r:id="rId25"/>
     <p:sldId id="291" r:id="rId26"/>
     <p:sldId id="292" r:id="rId27"/>
   </p:sldIdLst>
@@ -230,7 +230,7 @@
             <a:pPr rtl="0"/>
             <a:fld id="{D541C455-0541-42CB-85F2-EF2EB726E407}" type="datetime1">
               <a:rPr lang="fr-FR" smtClean="0"/>
-              <a:t>28/10/2020</a:t>
+              <a:t>08/01/2026</a:t>
             </a:fld>
             <a:endParaRPr lang="en-US" dirty="0"/>
           </a:p>
@@ -400,7 +400,7 @@
             <a:pPr rtl="0"/>
             <a:fld id="{139F4AB6-716B-4E95-AAD2-DB349D9AC9BA}" type="datetime1">
               <a:rPr lang="fr-FR" smtClean="0"/>
-              <a:t>28/10/2020</a:t>
+              <a:t>08/01/2026</a:t>
             </a:fld>
             <a:endParaRPr lang="en-US"/>
           </a:p>
@@ -813,7 +813,7 @@
             <a:pPr rtl="0"/>
             <a:fld id="{43B6331D-8BD5-4AF5-97EE-8FB3C79FE924}" type="datetime1">
               <a:rPr lang="fr-FR" smtClean="0"/>
-              <a:t>28/10/2020</a:t>
+              <a:t>08/01/2026</a:t>
             </a:fld>
             <a:endParaRPr lang="en-US" dirty="0"/>
           </a:p>
@@ -1027,7 +1027,7 @@
             <a:pPr rtl="0"/>
             <a:fld id="{C09D1B91-EF9C-42FB-BBE2-597FDE1B14D7}" type="datetime1">
               <a:rPr lang="fr-FR" smtClean="0"/>
-              <a:t>28/10/2020</a:t>
+              <a:t>08/01/2026</a:t>
             </a:fld>
             <a:endParaRPr lang="en-US"/>
           </a:p>
@@ -1245,7 +1245,7 @@
             <a:pPr rtl="0"/>
             <a:fld id="{2F733226-97BF-4FE9-8F44-80542C0EB53C}" type="datetime1">
               <a:rPr lang="fr-FR" smtClean="0"/>
-              <a:t>28/10/2020</a:t>
+              <a:t>08/01/2026</a:t>
             </a:fld>
             <a:endParaRPr lang="en-US"/>
           </a:p>
@@ -1449,7 +1449,7 @@
             <a:pPr rtl="0"/>
             <a:fld id="{802FE938-1586-4780-B61A-DD3B60BAB93C}" type="datetime1">
               <a:rPr lang="fr-FR" smtClean="0"/>
-              <a:t>28/10/2020</a:t>
+              <a:t>08/01/2026</a:t>
             </a:fld>
             <a:endParaRPr lang="en-US"/>
           </a:p>
@@ -1731,7 +1731,7 @@
             <a:pPr rtl="0"/>
             <a:fld id="{020D9D58-8984-498B-A4DA-61EAC8A72DD8}" type="datetime1">
               <a:rPr lang="fr-FR" smtClean="0"/>
-              <a:t>28/10/2020</a:t>
+              <a:t>08/01/2026</a:t>
             </a:fld>
             <a:endParaRPr lang="en-US" dirty="0"/>
           </a:p>
@@ -2003,7 +2003,7 @@
             <a:pPr rtl="0"/>
             <a:fld id="{22E52E25-1182-4E86-836C-7D703787597C}" type="datetime1">
               <a:rPr lang="fr-FR" smtClean="0"/>
-              <a:t>28/10/2020</a:t>
+              <a:t>08/01/2026</a:t>
             </a:fld>
             <a:endParaRPr lang="en-US"/>
           </a:p>
@@ -2422,7 +2422,7 @@
             <a:pPr rtl="0"/>
             <a:fld id="{007B49E2-AD49-4B10-A213-CF194D4A25A3}" type="datetime1">
               <a:rPr lang="fr-FR" smtClean="0"/>
-              <a:t>28/10/2020</a:t>
+              <a:t>08/01/2026</a:t>
             </a:fld>
             <a:endParaRPr lang="en-US"/>
           </a:p>
@@ -2574,7 +2574,7 @@
             <a:pPr rtl="0"/>
             <a:fld id="{020D9D58-8984-498B-A4DA-61EAC8A72DD8}" type="datetime1">
               <a:rPr lang="fr-FR" smtClean="0"/>
-              <a:t>28/10/2020</a:t>
+              <a:t>08/01/2026</a:t>
             </a:fld>
             <a:endParaRPr lang="en-US" dirty="0"/>
           </a:p>
@@ -2704,7 +2704,7 @@
             <a:pPr rtl="0"/>
             <a:fld id="{2BD66AC7-6890-4F0E-B000-A39D822B7C00}" type="datetime1">
               <a:rPr lang="fr-FR" smtClean="0"/>
-              <a:t>28/10/2020</a:t>
+              <a:t>08/01/2026</a:t>
             </a:fld>
             <a:endParaRPr lang="en-US"/>
           </a:p>
@@ -2958,7 +2958,7 @@
             <a:pPr rtl="0"/>
             <a:fld id="{F7B0F5FB-B743-44F1-84BA-99C248DB6023}" type="datetime1">
               <a:rPr lang="fr-FR" smtClean="0"/>
-              <a:t>28/10/2020</a:t>
+              <a:t>08/01/2026</a:t>
             </a:fld>
             <a:endParaRPr lang="en-US"/>
           </a:p>
@@ -3406,7 +3406,7 @@
             <a:pPr rtl="0"/>
             <a:fld id="{C80E5F3D-7A62-48B1-A43E-C6091B37429D}" type="datetime1">
               <a:rPr lang="fr-FR" smtClean="0"/>
-              <a:t>28/10/2020</a:t>
+              <a:t>08/01/2026</a:t>
             </a:fld>
             <a:endParaRPr lang="en-US" dirty="0"/>
           </a:p>
@@ -3575,6 +3575,13 @@
             <a:schemeClr val="lt1"/>
           </a:fontRef>
         </p:style>
+        <p:txBody>
+          <a:bodyPr/>
+          <a:lstStyle/>
+          <a:p>
+            <a:endParaRPr lang="fr-FR"/>
+          </a:p>
+        </p:txBody>
       </p:sp>
       <p:pic>
         <p:nvPicPr>
@@ -3736,7 +3743,7 @@
             <a:pPr rtl="0"/>
             <a:fld id="{020D9D58-8984-498B-A4DA-61EAC8A72DD8}" type="datetime1">
               <a:rPr lang="fr-FR" smtClean="0"/>
-              <a:t>28/10/2020</a:t>
+              <a:t>08/01/2026</a:t>
             </a:fld>
             <a:endParaRPr lang="en-US" dirty="0"/>
           </a:p>
@@ -4286,7 +4293,7 @@
             <a:pPr rtl="0"/>
             <a:fld id="{802FE938-1586-4780-B61A-DD3B60BAB93C}" type="datetime1">
               <a:rPr lang="fr-FR" smtClean="0"/>
-              <a:t>28/10/2020</a:t>
+              <a:t>08/01/2026</a:t>
             </a:fld>
             <a:endParaRPr lang="en-US"/>
           </a:p>
@@ -4436,12 +4443,75 @@
           <a:chExt cx="0" cy="0"/>
         </a:xfrm>
       </p:grpSpPr>
+      <p:sp>
+        <p:nvSpPr>
+          <p:cNvPr id="2" name="Titre 1">
+            <a:extLst>
+              <a:ext uri="{FF2B5EF4-FFF2-40B4-BE49-F238E27FC236}">
+                <a16:creationId xmlns:a16="http://schemas.microsoft.com/office/drawing/2014/main" id="{3828A403-6528-4DCF-AF3C-ED7DACF94EA6}"/>
+              </a:ext>
+            </a:extLst>
+          </p:cNvPr>
+          <p:cNvSpPr>
+            <a:spLocks noGrp="1"/>
+          </p:cNvSpPr>
+          <p:nvPr>
+            <p:ph type="title"/>
+          </p:nvPr>
+        </p:nvSpPr>
+        <p:spPr>
+          <a:xfrm>
+            <a:off x="1451577" y="204444"/>
+            <a:ext cx="9603275" cy="1049235"/>
+          </a:xfrm>
+        </p:spPr>
+        <p:txBody>
+          <a:bodyPr/>
+          <a:lstStyle/>
+          <a:p>
+            <a:r>
+              <a:rPr lang="fr-FR" dirty="0"/>
+              <a:t>PATH OF POSSIBILITIES:</a:t>
+            </a:r>
+          </a:p>
+        </p:txBody>
+      </p:sp>
+      <p:sp>
+        <p:nvSpPr>
+          <p:cNvPr id="4" name="Espace réservé de la date 3">
+            <a:extLst>
+              <a:ext uri="{FF2B5EF4-FFF2-40B4-BE49-F238E27FC236}">
+                <a16:creationId xmlns:a16="http://schemas.microsoft.com/office/drawing/2014/main" id="{665FEA36-3891-456D-AF15-9C0E5226D650}"/>
+              </a:ext>
+            </a:extLst>
+          </p:cNvPr>
+          <p:cNvSpPr>
+            <a:spLocks noGrp="1"/>
+          </p:cNvSpPr>
+          <p:nvPr>
+            <p:ph type="dt" sz="half" idx="10"/>
+          </p:nvPr>
+        </p:nvSpPr>
+        <p:spPr/>
+        <p:txBody>
+          <a:bodyPr/>
+          <a:lstStyle/>
+          <a:p>
+            <a:pPr rtl="0"/>
+            <a:fld id="{802FE938-1586-4780-B61A-DD3B60BAB93C}" type="datetime1">
+              <a:rPr lang="fr-FR" smtClean="0"/>
+              <a:t>08/01/2026</a:t>
+            </a:fld>
+            <a:endParaRPr lang="en-US"/>
+          </a:p>
+        </p:txBody>
+      </p:sp>
       <p:pic>
         <p:nvPicPr>
-          <p:cNvPr id="10" name="Image 9">
-            <a:extLst>
-              <a:ext uri="{FF2B5EF4-FFF2-40B4-BE49-F238E27FC236}">
-                <a16:creationId xmlns:a16="http://schemas.microsoft.com/office/drawing/2014/main" id="{609D5346-39B3-4929-8915-53E92B1FC6AD}"/>
+          <p:cNvPr id="6" name="Image 5">
+            <a:extLst>
+              <a:ext uri="{FF2B5EF4-FFF2-40B4-BE49-F238E27FC236}">
+                <a16:creationId xmlns:a16="http://schemas.microsoft.com/office/drawing/2014/main" id="{0E5F30A4-1D92-4259-B737-5735CCC945AF}"/>
               </a:ext>
             </a:extLst>
           </p:cNvPr>
@@ -4458,8 +4528,8 @@
         </p:blipFill>
         <p:spPr>
           <a:xfrm>
-            <a:off x="585926" y="2344462"/>
-            <a:ext cx="1462629" cy="2642168"/>
+            <a:off x="585926" y="2353987"/>
+            <a:ext cx="1462629" cy="2642170"/>
           </a:xfrm>
           <a:prstGeom prst="rect">
             <a:avLst/>
@@ -4468,10 +4538,10 @@
       </p:pic>
       <p:pic>
         <p:nvPicPr>
-          <p:cNvPr id="9" name="Image 8">
-            <a:extLst>
-              <a:ext uri="{FF2B5EF4-FFF2-40B4-BE49-F238E27FC236}">
-                <a16:creationId xmlns:a16="http://schemas.microsoft.com/office/drawing/2014/main" id="{E7BF8329-51D7-4E60-B3F4-E1E7F01E9AA2}"/>
+          <p:cNvPr id="7" name="Image 6">
+            <a:extLst>
+              <a:ext uri="{FF2B5EF4-FFF2-40B4-BE49-F238E27FC236}">
+                <a16:creationId xmlns:a16="http://schemas.microsoft.com/office/drawing/2014/main" id="{B3107A6A-5DE1-421A-9DC9-725A172859E9}"/>
               </a:ext>
             </a:extLst>
           </p:cNvPr>
@@ -4489,76 +4559,13 @@
         <p:spPr>
           <a:xfrm>
             <a:off x="2825660" y="2122316"/>
-            <a:ext cx="6540680" cy="3737532"/>
+            <a:ext cx="6540680" cy="3737531"/>
           </a:xfrm>
           <a:prstGeom prst="rect">
             <a:avLst/>
           </a:prstGeom>
         </p:spPr>
       </p:pic>
-      <p:sp>
-        <p:nvSpPr>
-          <p:cNvPr id="2" name="Titre 1">
-            <a:extLst>
-              <a:ext uri="{FF2B5EF4-FFF2-40B4-BE49-F238E27FC236}">
-                <a16:creationId xmlns:a16="http://schemas.microsoft.com/office/drawing/2014/main" id="{3828A403-6528-4DCF-AF3C-ED7DACF94EA6}"/>
-              </a:ext>
-            </a:extLst>
-          </p:cNvPr>
-          <p:cNvSpPr>
-            <a:spLocks noGrp="1"/>
-          </p:cNvSpPr>
-          <p:nvPr>
-            <p:ph type="title"/>
-          </p:nvPr>
-        </p:nvSpPr>
-        <p:spPr>
-          <a:xfrm>
-            <a:off x="1451577" y="204444"/>
-            <a:ext cx="9603275" cy="1049235"/>
-          </a:xfrm>
-        </p:spPr>
-        <p:txBody>
-          <a:bodyPr/>
-          <a:lstStyle/>
-          <a:p>
-            <a:r>
-              <a:rPr lang="fr-FR" dirty="0"/>
-              <a:t>PARCOURS DES POSSIBILITES :</a:t>
-            </a:r>
-          </a:p>
-        </p:txBody>
-      </p:sp>
-      <p:sp>
-        <p:nvSpPr>
-          <p:cNvPr id="4" name="Espace réservé de la date 3">
-            <a:extLst>
-              <a:ext uri="{FF2B5EF4-FFF2-40B4-BE49-F238E27FC236}">
-                <a16:creationId xmlns:a16="http://schemas.microsoft.com/office/drawing/2014/main" id="{665FEA36-3891-456D-AF15-9C0E5226D650}"/>
-              </a:ext>
-            </a:extLst>
-          </p:cNvPr>
-          <p:cNvSpPr>
-            <a:spLocks noGrp="1"/>
-          </p:cNvSpPr>
-          <p:nvPr>
-            <p:ph type="dt" sz="half" idx="10"/>
-          </p:nvPr>
-        </p:nvSpPr>
-        <p:spPr/>
-        <p:txBody>
-          <a:bodyPr/>
-          <a:lstStyle/>
-          <a:p>
-            <a:pPr rtl="0"/>
-            <a:fld id="{802FE938-1586-4780-B61A-DD3B60BAB93C}" type="datetime1">
-              <a:rPr lang="fr-FR" smtClean="0"/>
-              <a:t>28/10/2020</a:t>
-            </a:fld>
-            <a:endParaRPr lang="en-US"/>
-          </a:p>
-        </p:txBody>
-      </p:sp>
       <p:sp>
         <p:nvSpPr>
           <p:cNvPr id="8" name="ZoneTexte 7">
@@ -4592,25 +4599,32 @@
               <a:buChar char="-"/>
             </a:pPr>
             <a:r>
-              <a:rPr lang="fr-FR" sz="2000" dirty="0">
+              <a:rPr lang="en-US" sz="2000" dirty="0">
                 <a:solidFill>
                   <a:schemeClr val="accent6">
                     <a:lumMod val="50000"/>
                   </a:schemeClr>
                 </a:solidFill>
               </a:rPr>
-              <a:t>Si sur une ligne ou une colonne il y a autant de possibilités que de ‘-’ manquant : </a:t>
-            </a:r>
-            <a:r>
-              <a:rPr lang="fr-FR" sz="2000" b="1" dirty="0">
+              <a:t>If there are as many possibilities as missing “-” in a row or column: </a:t>
+            </a:r>
+            <a:r>
+              <a:rPr lang="en-US" sz="2000" b="1" dirty="0">
                 <a:solidFill>
                   <a:schemeClr val="accent6">
                     <a:lumMod val="50000"/>
                   </a:schemeClr>
                 </a:solidFill>
               </a:rPr>
-              <a:t>On remplace </a:t>
-            </a:r>
+              <a:t>Replace</a:t>
+            </a:r>
+            <a:endParaRPr lang="en-US" sz="2000" dirty="0">
+              <a:solidFill>
+                <a:schemeClr val="accent6">
+                  <a:lumMod val="50000"/>
+                </a:schemeClr>
+              </a:solidFill>
+            </a:endParaRPr>
           </a:p>
           <a:p>
             <a:pPr marL="342900" indent="-342900">
@@ -4618,24 +4632,24 @@
               <a:buChar char="-"/>
             </a:pPr>
             <a:r>
-              <a:rPr lang="fr-FR" sz="2000" dirty="0">
+              <a:rPr lang="en-US" sz="2000" dirty="0">
                 <a:solidFill>
                   <a:schemeClr val="accent6">
                     <a:lumMod val="50000"/>
                   </a:schemeClr>
                 </a:solidFill>
               </a:rPr>
-              <a:t>Si une possibilités n’est plus possible : </a:t>
-            </a:r>
-            <a:r>
-              <a:rPr lang="fr-FR" sz="2000" b="1" dirty="0">
+              <a:t>If a possibility is no longer possible: </a:t>
+            </a:r>
+            <a:r>
+              <a:rPr lang="en-US" sz="2000" b="1" dirty="0">
                 <a:solidFill>
                   <a:schemeClr val="accent6">
                     <a:lumMod val="50000"/>
                   </a:schemeClr>
                 </a:solidFill>
               </a:rPr>
-              <a:t>On la supprime</a:t>
+              <a:t>Remove</a:t>
             </a:r>
           </a:p>
           <a:p>
@@ -4644,34 +4658,69 @@
               <a:buChar char="-"/>
             </a:pPr>
             <a:r>
-              <a:rPr lang="fr-FR" sz="2000" dirty="0">
+              <a:rPr lang="en-US" sz="2000" dirty="0">
                 <a:solidFill>
                   <a:schemeClr val="accent6">
                     <a:lumMod val="50000"/>
                   </a:schemeClr>
                 </a:solidFill>
               </a:rPr>
-              <a:t>Si aucune simplification possible : </a:t>
-            </a:r>
-            <a:r>
-              <a:rPr lang="fr-FR" sz="2000" b="1" dirty="0">
+              <a:t>If no simplification is possible: </a:t>
+            </a:r>
+            <a:r>
+              <a:rPr lang="en-US" sz="2000" b="1" dirty="0">
                 <a:solidFill>
                   <a:schemeClr val="accent6">
                     <a:lumMod val="50000"/>
                   </a:schemeClr>
                 </a:solidFill>
               </a:rPr>
-              <a:t>On renvoie « NON »</a:t>
-            </a:r>
-          </a:p>
-        </p:txBody>
-      </p:sp>
-      <p:sp>
-        <p:nvSpPr>
-          <p:cNvPr id="7" name="ZoneTexte 6">
-            <a:extLst>
-              <a:ext uri="{FF2B5EF4-FFF2-40B4-BE49-F238E27FC236}">
-                <a16:creationId xmlns:a16="http://schemas.microsoft.com/office/drawing/2014/main" id="{766B6372-A82C-431E-8A6E-327DDCF3C374}"/>
+              <a:t>Return</a:t>
+            </a:r>
+            <a:r>
+              <a:rPr lang="en-US" sz="2000" dirty="0">
+                <a:solidFill>
+                  <a:schemeClr val="accent6">
+                    <a:lumMod val="50000"/>
+                  </a:schemeClr>
+                </a:solidFill>
+              </a:rPr>
+              <a:t> “</a:t>
+            </a:r>
+            <a:r>
+              <a:rPr lang="en-US" sz="2000" b="1" dirty="0">
+                <a:solidFill>
+                  <a:srgbClr val="FF0000"/>
+                </a:solidFill>
+              </a:rPr>
+              <a:t>NO</a:t>
+            </a:r>
+            <a:r>
+              <a:rPr lang="en-US" sz="2000" dirty="0">
+                <a:solidFill>
+                  <a:schemeClr val="accent6">
+                    <a:lumMod val="50000"/>
+                  </a:schemeClr>
+                </a:solidFill>
+              </a:rPr>
+              <a:t>”</a:t>
+            </a:r>
+            <a:endParaRPr lang="fr-FR" sz="2000" b="1" dirty="0">
+              <a:solidFill>
+                <a:schemeClr val="accent6">
+                  <a:lumMod val="50000"/>
+                </a:schemeClr>
+              </a:solidFill>
+            </a:endParaRPr>
+          </a:p>
+        </p:txBody>
+      </p:sp>
+      <p:sp>
+        <p:nvSpPr>
+          <p:cNvPr id="9" name="ZoneTexte 8">
+            <a:extLst>
+              <a:ext uri="{FF2B5EF4-FFF2-40B4-BE49-F238E27FC236}">
+                <a16:creationId xmlns:a16="http://schemas.microsoft.com/office/drawing/2014/main" id="{839BBF7B-C81D-476D-87A3-313631D31D33}"/>
               </a:ext>
             </a:extLst>
           </p:cNvPr>
@@ -4681,7 +4730,7 @@
         <p:spPr>
           <a:xfrm>
             <a:off x="11523216" y="73146"/>
-            <a:ext cx="710451" cy="369332"/>
+            <a:ext cx="595035" cy="369332"/>
           </a:xfrm>
           <a:prstGeom prst="rect">
             <a:avLst/>
@@ -4696,7 +4745,7 @@
           <a:p>
             <a:r>
               <a:rPr lang="fr-FR" dirty="0"/>
-              <a:t>10/26</a:t>
+              <a:t>9/26</a:t>
             </a:r>
           </a:p>
         </p:txBody>
@@ -4704,7 +4753,7 @@
     </p:spTree>
     <p:extLst>
       <p:ext uri="{BB962C8B-B14F-4D97-AF65-F5344CB8AC3E}">
-        <p14:creationId xmlns:p14="http://schemas.microsoft.com/office/powerpoint/2010/main" val="2986027604"/>
+        <p14:creationId xmlns:p14="http://schemas.microsoft.com/office/powerpoint/2010/main" val="1709982247"/>
       </p:ext>
     </p:extLst>
   </p:cSld>
@@ -4733,10 +4782,10 @@
       </p:grpSpPr>
       <p:pic>
         <p:nvPicPr>
-          <p:cNvPr id="12" name="Image 11">
-            <a:extLst>
-              <a:ext uri="{FF2B5EF4-FFF2-40B4-BE49-F238E27FC236}">
-                <a16:creationId xmlns:a16="http://schemas.microsoft.com/office/drawing/2014/main" id="{72AD044B-2208-42A2-BC94-3CDC847DB3AC}"/>
+          <p:cNvPr id="10" name="Image 9">
+            <a:extLst>
+              <a:ext uri="{FF2B5EF4-FFF2-40B4-BE49-F238E27FC236}">
+                <a16:creationId xmlns:a16="http://schemas.microsoft.com/office/drawing/2014/main" id="{609D5346-39B3-4929-8915-53E92B1FC6AD}"/>
               </a:ext>
             </a:extLst>
           </p:cNvPr>
@@ -4753,8 +4802,8 @@
         </p:blipFill>
         <p:spPr>
           <a:xfrm>
-            <a:off x="585924" y="2344462"/>
-            <a:ext cx="1462629" cy="2642169"/>
+            <a:off x="585926" y="2344462"/>
+            <a:ext cx="1462629" cy="2642168"/>
           </a:xfrm>
           <a:prstGeom prst="rect">
             <a:avLst/>
@@ -4763,10 +4812,10 @@
       </p:pic>
       <p:pic>
         <p:nvPicPr>
-          <p:cNvPr id="11" name="Image 10">
-            <a:extLst>
-              <a:ext uri="{FF2B5EF4-FFF2-40B4-BE49-F238E27FC236}">
-                <a16:creationId xmlns:a16="http://schemas.microsoft.com/office/drawing/2014/main" id="{EC32BA89-D9D8-40AB-BF71-1A88CF977318}"/>
+          <p:cNvPr id="9" name="Image 8">
+            <a:extLst>
+              <a:ext uri="{FF2B5EF4-FFF2-40B4-BE49-F238E27FC236}">
+                <a16:creationId xmlns:a16="http://schemas.microsoft.com/office/drawing/2014/main" id="{E7BF8329-51D7-4E60-B3F4-E1E7F01E9AA2}"/>
               </a:ext>
             </a:extLst>
           </p:cNvPr>
@@ -4783,8 +4832,8 @@
         </p:blipFill>
         <p:spPr>
           <a:xfrm>
-            <a:off x="2825660" y="2122315"/>
-            <a:ext cx="6540680" cy="3737531"/>
+            <a:off x="2825660" y="2122316"/>
+            <a:ext cx="6540680" cy="3737532"/>
           </a:xfrm>
           <a:prstGeom prst="rect">
             <a:avLst/>
@@ -4819,7 +4868,7 @@
           <a:p>
             <a:r>
               <a:rPr lang="fr-FR" dirty="0"/>
-              <a:t>PARCOURS DES POSSIBILITES :</a:t>
+              <a:t>PATH OF POSSIBILITIES:</a:t>
             </a:r>
           </a:p>
         </p:txBody>
@@ -4848,7 +4897,7 @@
             <a:pPr rtl="0"/>
             <a:fld id="{802FE938-1586-4780-B61A-DD3B60BAB93C}" type="datetime1">
               <a:rPr lang="fr-FR" smtClean="0"/>
-              <a:t>28/10/2020</a:t>
+              <a:t>08/01/2026</a:t>
             </a:fld>
             <a:endParaRPr lang="en-US"/>
           </a:p>
@@ -4887,25 +4936,32 @@
               <a:buChar char="-"/>
             </a:pPr>
             <a:r>
-              <a:rPr lang="fr-FR" sz="2000" dirty="0">
+              <a:rPr lang="en-US" sz="2000" dirty="0">
                 <a:solidFill>
                   <a:schemeClr val="accent6">
                     <a:lumMod val="50000"/>
                   </a:schemeClr>
                 </a:solidFill>
               </a:rPr>
-              <a:t>Si sur une ligne ou une colonne il y a autant de possibilités que de ‘-’ manquant : </a:t>
-            </a:r>
-            <a:r>
-              <a:rPr lang="fr-FR" sz="2000" b="1" dirty="0">
+              <a:t>If there are as many possibilities as missing “-” in a row or column: </a:t>
+            </a:r>
+            <a:r>
+              <a:rPr lang="en-US" sz="2000" b="1" dirty="0">
                 <a:solidFill>
                   <a:schemeClr val="accent6">
                     <a:lumMod val="50000"/>
                   </a:schemeClr>
                 </a:solidFill>
               </a:rPr>
-              <a:t>On remplace </a:t>
-            </a:r>
+              <a:t>Replace</a:t>
+            </a:r>
+            <a:endParaRPr lang="en-US" sz="2000" dirty="0">
+              <a:solidFill>
+                <a:schemeClr val="accent6">
+                  <a:lumMod val="50000"/>
+                </a:schemeClr>
+              </a:solidFill>
+            </a:endParaRPr>
           </a:p>
           <a:p>
             <a:pPr marL="342900" indent="-342900">
@@ -4913,24 +4969,24 @@
               <a:buChar char="-"/>
             </a:pPr>
             <a:r>
-              <a:rPr lang="fr-FR" sz="2000" dirty="0">
+              <a:rPr lang="en-US" sz="2000" dirty="0">
                 <a:solidFill>
                   <a:schemeClr val="accent6">
                     <a:lumMod val="50000"/>
                   </a:schemeClr>
                 </a:solidFill>
               </a:rPr>
-              <a:t>Si une possibilités n’est plus possible : </a:t>
-            </a:r>
-            <a:r>
-              <a:rPr lang="fr-FR" sz="2000" b="1" dirty="0">
+              <a:t>If a possibility is no longer possible: </a:t>
+            </a:r>
+            <a:r>
+              <a:rPr lang="en-US" sz="2000" b="1" dirty="0">
                 <a:solidFill>
                   <a:schemeClr val="accent6">
                     <a:lumMod val="50000"/>
                   </a:schemeClr>
                 </a:solidFill>
               </a:rPr>
-              <a:t>On la supprime</a:t>
+              <a:t>Remove</a:t>
             </a:r>
           </a:p>
           <a:p>
@@ -4939,25 +4995,60 @@
               <a:buChar char="-"/>
             </a:pPr>
             <a:r>
-              <a:rPr lang="fr-FR" sz="2000" dirty="0">
+              <a:rPr lang="en-US" sz="2000" dirty="0">
                 <a:solidFill>
                   <a:schemeClr val="accent6">
                     <a:lumMod val="50000"/>
                   </a:schemeClr>
                 </a:solidFill>
               </a:rPr>
-              <a:t>Si aucune simplification possible : </a:t>
-            </a:r>
-            <a:r>
-              <a:rPr lang="fr-FR" sz="2000" b="1" dirty="0">
+              <a:t>If no simplification is possible: </a:t>
+            </a:r>
+            <a:r>
+              <a:rPr lang="en-US" sz="2000" b="1" dirty="0">
                 <a:solidFill>
                   <a:schemeClr val="accent6">
                     <a:lumMod val="50000"/>
                   </a:schemeClr>
                 </a:solidFill>
               </a:rPr>
-              <a:t>On renvoie « NON »</a:t>
-            </a:r>
+              <a:t>Return</a:t>
+            </a:r>
+            <a:r>
+              <a:rPr lang="en-US" sz="2000" dirty="0">
+                <a:solidFill>
+                  <a:schemeClr val="accent6">
+                    <a:lumMod val="50000"/>
+                  </a:schemeClr>
+                </a:solidFill>
+              </a:rPr>
+              <a:t> “</a:t>
+            </a:r>
+            <a:r>
+              <a:rPr lang="en-US" sz="2000" b="1" dirty="0">
+                <a:solidFill>
+                  <a:srgbClr val="FF0000"/>
+                </a:solidFill>
+              </a:rPr>
+              <a:t>NO</a:t>
+            </a:r>
+            <a:r>
+              <a:rPr lang="en-US" sz="2000" dirty="0">
+                <a:solidFill>
+                  <a:schemeClr val="accent6">
+                    <a:lumMod val="50000"/>
+                  </a:schemeClr>
+                </a:solidFill>
+              </a:rPr>
+              <a:t>”</a:t>
+            </a:r>
+            <a:endParaRPr lang="fr-FR" sz="2000" b="1" dirty="0">
+              <a:solidFill>
+                <a:schemeClr val="accent6">
+                  <a:lumMod val="50000"/>
+                </a:schemeClr>
+              </a:solidFill>
+            </a:endParaRPr>
           </a:p>
         </p:txBody>
       </p:sp>
@@ -4966,7 +5057,7 @@
           <p:cNvPr id="7" name="ZoneTexte 6">
             <a:extLst>
               <a:ext uri="{FF2B5EF4-FFF2-40B4-BE49-F238E27FC236}">
-                <a16:creationId xmlns:a16="http://schemas.microsoft.com/office/drawing/2014/main" id="{00F79E60-8372-49C3-95FE-D7B4020D9A14}"/>
+                <a16:creationId xmlns:a16="http://schemas.microsoft.com/office/drawing/2014/main" id="{766B6372-A82C-431E-8A6E-327DDCF3C374}"/>
               </a:ext>
             </a:extLst>
           </p:cNvPr>
@@ -4991,7 +5082,7 @@
           <a:p>
             <a:r>
               <a:rPr lang="fr-FR" dirty="0"/>
-              <a:t>11/26</a:t>
+              <a:t>10/26</a:t>
             </a:r>
           </a:p>
         </p:txBody>
@@ -4999,7 +5090,7 @@
     </p:spTree>
     <p:extLst>
       <p:ext uri="{BB962C8B-B14F-4D97-AF65-F5344CB8AC3E}">
-        <p14:creationId xmlns:p14="http://schemas.microsoft.com/office/powerpoint/2010/main" val="3899555067"/>
+        <p14:creationId xmlns:p14="http://schemas.microsoft.com/office/powerpoint/2010/main" val="2986027604"/>
       </p:ext>
     </p:extLst>
   </p:cSld>
@@ -5028,10 +5119,10 @@
       </p:grpSpPr>
       <p:pic>
         <p:nvPicPr>
-          <p:cNvPr id="5" name="Image 4">
-            <a:extLst>
-              <a:ext uri="{FF2B5EF4-FFF2-40B4-BE49-F238E27FC236}">
-                <a16:creationId xmlns:a16="http://schemas.microsoft.com/office/drawing/2014/main" id="{822D3EF4-6C21-4D5F-AFAD-94245360AA7D}"/>
+          <p:cNvPr id="12" name="Image 11">
+            <a:extLst>
+              <a:ext uri="{FF2B5EF4-FFF2-40B4-BE49-F238E27FC236}">
+                <a16:creationId xmlns:a16="http://schemas.microsoft.com/office/drawing/2014/main" id="{72AD044B-2208-42A2-BC94-3CDC847DB3AC}"/>
               </a:ext>
             </a:extLst>
           </p:cNvPr>
@@ -5048,8 +5139,8 @@
         </p:blipFill>
         <p:spPr>
           <a:xfrm>
-            <a:off x="585924" y="2344461"/>
-            <a:ext cx="1462628" cy="2642167"/>
+            <a:off x="585924" y="2344462"/>
+            <a:ext cx="1462629" cy="2642169"/>
           </a:xfrm>
           <a:prstGeom prst="rect">
             <a:avLst/>
@@ -5058,10 +5149,10 @@
       </p:pic>
       <p:pic>
         <p:nvPicPr>
-          <p:cNvPr id="10" name="Image 9">
-            <a:extLst>
-              <a:ext uri="{FF2B5EF4-FFF2-40B4-BE49-F238E27FC236}">
-                <a16:creationId xmlns:a16="http://schemas.microsoft.com/office/drawing/2014/main" id="{5D7B266C-93BE-4CDF-9DBE-BADA9A218693}"/>
+          <p:cNvPr id="11" name="Image 10">
+            <a:extLst>
+              <a:ext uri="{FF2B5EF4-FFF2-40B4-BE49-F238E27FC236}">
+                <a16:creationId xmlns:a16="http://schemas.microsoft.com/office/drawing/2014/main" id="{EC32BA89-D9D8-40AB-BF71-1A88CF977318}"/>
               </a:ext>
             </a:extLst>
           </p:cNvPr>
@@ -5078,7 +5169,7 @@
         </p:blipFill>
         <p:spPr>
           <a:xfrm>
-            <a:off x="2825660" y="2122314"/>
+            <a:off x="2825660" y="2122315"/>
             <a:ext cx="6540680" cy="3737531"/>
           </a:xfrm>
           <a:prstGeom prst="rect">
@@ -5114,7 +5205,7 @@
           <a:p>
             <a:r>
               <a:rPr lang="fr-FR" dirty="0"/>
-              <a:t>PARCOURS DES POSSIBILITES :</a:t>
+              <a:t>PATH OF POSSIBILITIES:</a:t>
             </a:r>
           </a:p>
         </p:txBody>
@@ -5143,7 +5234,7 @@
             <a:pPr rtl="0"/>
             <a:fld id="{802FE938-1586-4780-B61A-DD3B60BAB93C}" type="datetime1">
               <a:rPr lang="fr-FR" smtClean="0"/>
-              <a:t>28/10/2020</a:t>
+              <a:t>08/01/2026</a:t>
             </a:fld>
             <a:endParaRPr lang="en-US"/>
           </a:p>
@@ -5182,25 +5273,32 @@
               <a:buChar char="-"/>
             </a:pPr>
             <a:r>
-              <a:rPr lang="fr-FR" sz="2000" dirty="0">
+              <a:rPr lang="en-US" sz="2000" dirty="0">
                 <a:solidFill>
                   <a:schemeClr val="accent6">
                     <a:lumMod val="50000"/>
                   </a:schemeClr>
                 </a:solidFill>
               </a:rPr>
-              <a:t>Si sur une ligne ou une colonne il y a autant de possibilités que de ‘-’ manquant : </a:t>
-            </a:r>
-            <a:r>
-              <a:rPr lang="fr-FR" sz="2000" b="1" dirty="0">
+              <a:t>If there are as many possibilities as missing “-” in a row or column: </a:t>
+            </a:r>
+            <a:r>
+              <a:rPr lang="en-US" sz="2000" b="1" dirty="0">
                 <a:solidFill>
                   <a:schemeClr val="accent6">
                     <a:lumMod val="50000"/>
                   </a:schemeClr>
                 </a:solidFill>
               </a:rPr>
-              <a:t>On remplace </a:t>
-            </a:r>
+              <a:t>Replace</a:t>
+            </a:r>
+            <a:endParaRPr lang="en-US" sz="2000" dirty="0">
+              <a:solidFill>
+                <a:schemeClr val="accent6">
+                  <a:lumMod val="50000"/>
+                </a:schemeClr>
+              </a:solidFill>
+            </a:endParaRPr>
           </a:p>
           <a:p>
             <a:pPr marL="342900" indent="-342900">
@@ -5208,24 +5306,24 @@
               <a:buChar char="-"/>
             </a:pPr>
             <a:r>
-              <a:rPr lang="fr-FR" sz="2000" dirty="0">
+              <a:rPr lang="en-US" sz="2000" dirty="0">
                 <a:solidFill>
                   <a:schemeClr val="accent6">
                     <a:lumMod val="50000"/>
                   </a:schemeClr>
                 </a:solidFill>
               </a:rPr>
-              <a:t>Si une possibilités n’est plus possible : </a:t>
-            </a:r>
-            <a:r>
-              <a:rPr lang="fr-FR" sz="2000" b="1" dirty="0">
+              <a:t>If a possibility is no longer possible: </a:t>
+            </a:r>
+            <a:r>
+              <a:rPr lang="en-US" sz="2000" b="1" dirty="0">
                 <a:solidFill>
                   <a:schemeClr val="accent6">
                     <a:lumMod val="50000"/>
                   </a:schemeClr>
                 </a:solidFill>
               </a:rPr>
-              <a:t>On la supprime</a:t>
+              <a:t>Remove</a:t>
             </a:r>
           </a:p>
           <a:p>
@@ -5234,25 +5332,60 @@
               <a:buChar char="-"/>
             </a:pPr>
             <a:r>
-              <a:rPr lang="fr-FR" sz="2000" dirty="0">
+              <a:rPr lang="en-US" sz="2000" dirty="0">
                 <a:solidFill>
                   <a:schemeClr val="accent6">
                     <a:lumMod val="50000"/>
                   </a:schemeClr>
                 </a:solidFill>
               </a:rPr>
-              <a:t>Si aucune simplification possible : </a:t>
-            </a:r>
-            <a:r>
-              <a:rPr lang="fr-FR" sz="2000" b="1" dirty="0">
+              <a:t>If no simplification is possible: </a:t>
+            </a:r>
+            <a:r>
+              <a:rPr lang="en-US" sz="2000" b="1" dirty="0">
                 <a:solidFill>
                   <a:schemeClr val="accent6">
                     <a:lumMod val="50000"/>
                   </a:schemeClr>
                 </a:solidFill>
               </a:rPr>
-              <a:t>On renvoie « NON »</a:t>
-            </a:r>
+              <a:t>Return</a:t>
+            </a:r>
+            <a:r>
+              <a:rPr lang="en-US" sz="2000" dirty="0">
+                <a:solidFill>
+                  <a:schemeClr val="accent6">
+                    <a:lumMod val="50000"/>
+                  </a:schemeClr>
+                </a:solidFill>
+              </a:rPr>
+              <a:t> “</a:t>
+            </a:r>
+            <a:r>
+              <a:rPr lang="en-US" sz="2000" b="1" dirty="0">
+                <a:solidFill>
+                  <a:srgbClr val="FF0000"/>
+                </a:solidFill>
+              </a:rPr>
+              <a:t>NO</a:t>
+            </a:r>
+            <a:r>
+              <a:rPr lang="en-US" sz="2000" dirty="0">
+                <a:solidFill>
+                  <a:schemeClr val="accent6">
+                    <a:lumMod val="50000"/>
+                  </a:schemeClr>
+                </a:solidFill>
+              </a:rPr>
+              <a:t>”</a:t>
+            </a:r>
+            <a:endParaRPr lang="fr-FR" sz="2000" b="1" dirty="0">
+              <a:solidFill>
+                <a:schemeClr val="accent6">
+                  <a:lumMod val="50000"/>
+                </a:schemeClr>
+              </a:solidFill>
+            </a:endParaRPr>
           </a:p>
         </p:txBody>
       </p:sp>
@@ -5261,7 +5394,7 @@
           <p:cNvPr id="7" name="ZoneTexte 6">
             <a:extLst>
               <a:ext uri="{FF2B5EF4-FFF2-40B4-BE49-F238E27FC236}">
-                <a16:creationId xmlns:a16="http://schemas.microsoft.com/office/drawing/2014/main" id="{4C173AF0-5F27-41A3-A756-6DD0E4BBC9CB}"/>
+                <a16:creationId xmlns:a16="http://schemas.microsoft.com/office/drawing/2014/main" id="{00F79E60-8372-49C3-95FE-D7B4020D9A14}"/>
               </a:ext>
             </a:extLst>
           </p:cNvPr>
@@ -5286,7 +5419,7 @@
           <a:p>
             <a:r>
               <a:rPr lang="fr-FR" dirty="0"/>
-              <a:t>12/26</a:t>
+              <a:t>11/26</a:t>
             </a:r>
           </a:p>
         </p:txBody>
@@ -5294,7 +5427,7 @@
     </p:spTree>
     <p:extLst>
       <p:ext uri="{BB962C8B-B14F-4D97-AF65-F5344CB8AC3E}">
-        <p14:creationId xmlns:p14="http://schemas.microsoft.com/office/powerpoint/2010/main" val="4206110425"/>
+        <p14:creationId xmlns:p14="http://schemas.microsoft.com/office/powerpoint/2010/main" val="3899555067"/>
       </p:ext>
     </p:extLst>
   </p:cSld>
@@ -5323,10 +5456,10 @@
       </p:grpSpPr>
       <p:pic>
         <p:nvPicPr>
-          <p:cNvPr id="6" name="Image 5">
-            <a:extLst>
-              <a:ext uri="{FF2B5EF4-FFF2-40B4-BE49-F238E27FC236}">
-                <a16:creationId xmlns:a16="http://schemas.microsoft.com/office/drawing/2014/main" id="{9C28529A-5FD8-4DD0-B0B2-CCB9C15922EA}"/>
+          <p:cNvPr id="5" name="Image 4">
+            <a:extLst>
+              <a:ext uri="{FF2B5EF4-FFF2-40B4-BE49-F238E27FC236}">
+                <a16:creationId xmlns:a16="http://schemas.microsoft.com/office/drawing/2014/main" id="{822D3EF4-6C21-4D5F-AFAD-94245360AA7D}"/>
               </a:ext>
             </a:extLst>
           </p:cNvPr>
@@ -5343,8 +5476,8 @@
         </p:blipFill>
         <p:spPr>
           <a:xfrm>
-            <a:off x="2825660" y="2122313"/>
-            <a:ext cx="6540680" cy="3737531"/>
+            <a:off x="585924" y="2344461"/>
+            <a:ext cx="1462628" cy="2642167"/>
           </a:xfrm>
           <a:prstGeom prst="rect">
             <a:avLst/>
@@ -5353,10 +5486,10 @@
       </p:pic>
       <p:pic>
         <p:nvPicPr>
-          <p:cNvPr id="3" name="Image 2">
-            <a:extLst>
-              <a:ext uri="{FF2B5EF4-FFF2-40B4-BE49-F238E27FC236}">
-                <a16:creationId xmlns:a16="http://schemas.microsoft.com/office/drawing/2014/main" id="{2C489121-94C5-492B-9FA3-FEF4F04CE781}"/>
+          <p:cNvPr id="10" name="Image 9">
+            <a:extLst>
+              <a:ext uri="{FF2B5EF4-FFF2-40B4-BE49-F238E27FC236}">
+                <a16:creationId xmlns:a16="http://schemas.microsoft.com/office/drawing/2014/main" id="{5D7B266C-93BE-4CDF-9DBE-BADA9A218693}"/>
               </a:ext>
             </a:extLst>
           </p:cNvPr>
@@ -5373,8 +5506,8 @@
         </p:blipFill>
         <p:spPr>
           <a:xfrm>
-            <a:off x="585924" y="2344461"/>
-            <a:ext cx="1462628" cy="2642166"/>
+            <a:off x="2825660" y="2122314"/>
+            <a:ext cx="6540680" cy="3737531"/>
           </a:xfrm>
           <a:prstGeom prst="rect">
             <a:avLst/>
@@ -5409,7 +5542,7 @@
           <a:p>
             <a:r>
               <a:rPr lang="fr-FR" dirty="0"/>
-              <a:t>PARCOURS DES POSSIBILITES :</a:t>
+              <a:t>PATH OF POSSIBILITIES:</a:t>
             </a:r>
           </a:p>
         </p:txBody>
@@ -5438,7 +5571,7 @@
             <a:pPr rtl="0"/>
             <a:fld id="{802FE938-1586-4780-B61A-DD3B60BAB93C}" type="datetime1">
               <a:rPr lang="fr-FR" smtClean="0"/>
-              <a:t>28/10/2020</a:t>
+              <a:t>08/01/2026</a:t>
             </a:fld>
             <a:endParaRPr lang="en-US"/>
           </a:p>
@@ -5477,25 +5610,32 @@
               <a:buChar char="-"/>
             </a:pPr>
             <a:r>
-              <a:rPr lang="fr-FR" sz="2000" dirty="0">
+              <a:rPr lang="en-US" sz="2000" dirty="0">
                 <a:solidFill>
                   <a:schemeClr val="accent6">
                     <a:lumMod val="50000"/>
                   </a:schemeClr>
                 </a:solidFill>
               </a:rPr>
-              <a:t>Si sur une ligne ou une colonne il y a autant de possibilités que de ‘-’ manquant : </a:t>
-            </a:r>
-            <a:r>
-              <a:rPr lang="fr-FR" sz="2000" b="1" dirty="0">
+              <a:t>If there are as many possibilities as missing “-” in a row or column: </a:t>
+            </a:r>
+            <a:r>
+              <a:rPr lang="en-US" sz="2000" b="1" dirty="0">
                 <a:solidFill>
                   <a:schemeClr val="accent6">
                     <a:lumMod val="50000"/>
                   </a:schemeClr>
                 </a:solidFill>
               </a:rPr>
-              <a:t>On remplace </a:t>
-            </a:r>
+              <a:t>Replace</a:t>
+            </a:r>
+            <a:endParaRPr lang="en-US" sz="2000" dirty="0">
+              <a:solidFill>
+                <a:schemeClr val="accent6">
+                  <a:lumMod val="50000"/>
+                </a:schemeClr>
+              </a:solidFill>
+            </a:endParaRPr>
           </a:p>
           <a:p>
             <a:pPr marL="342900" indent="-342900">
@@ -5503,24 +5643,24 @@
               <a:buChar char="-"/>
             </a:pPr>
             <a:r>
-              <a:rPr lang="fr-FR" sz="2000" dirty="0">
+              <a:rPr lang="en-US" sz="2000" dirty="0">
                 <a:solidFill>
                   <a:schemeClr val="accent6">
                     <a:lumMod val="50000"/>
                   </a:schemeClr>
                 </a:solidFill>
               </a:rPr>
-              <a:t>Si une possibilités n’est plus possible : </a:t>
-            </a:r>
-            <a:r>
-              <a:rPr lang="fr-FR" sz="2000" b="1" dirty="0">
+              <a:t>If a possibility is no longer possible: </a:t>
+            </a:r>
+            <a:r>
+              <a:rPr lang="en-US" sz="2000" b="1" dirty="0">
                 <a:solidFill>
                   <a:schemeClr val="accent6">
                     <a:lumMod val="50000"/>
                   </a:schemeClr>
                 </a:solidFill>
               </a:rPr>
-              <a:t>On la supprime</a:t>
+              <a:t>Remove</a:t>
             </a:r>
           </a:p>
           <a:p>
@@ -5529,25 +5669,60 @@
               <a:buChar char="-"/>
             </a:pPr>
             <a:r>
-              <a:rPr lang="fr-FR" sz="2000" dirty="0">
+              <a:rPr lang="en-US" sz="2000" dirty="0">
                 <a:solidFill>
                   <a:schemeClr val="accent6">
                     <a:lumMod val="50000"/>
                   </a:schemeClr>
                 </a:solidFill>
               </a:rPr>
-              <a:t>Si aucune simplification possible : </a:t>
-            </a:r>
-            <a:r>
-              <a:rPr lang="fr-FR" sz="2000" b="1" dirty="0">
+              <a:t>If no simplification is possible: </a:t>
+            </a:r>
+            <a:r>
+              <a:rPr lang="en-US" sz="2000" b="1" dirty="0">
                 <a:solidFill>
                   <a:schemeClr val="accent6">
                     <a:lumMod val="50000"/>
                   </a:schemeClr>
                 </a:solidFill>
               </a:rPr>
-              <a:t>On renvoie « NON »</a:t>
-            </a:r>
+              <a:t>Return</a:t>
+            </a:r>
+            <a:r>
+              <a:rPr lang="en-US" sz="2000" dirty="0">
+                <a:solidFill>
+                  <a:schemeClr val="accent6">
+                    <a:lumMod val="50000"/>
+                  </a:schemeClr>
+                </a:solidFill>
+              </a:rPr>
+              <a:t> “</a:t>
+            </a:r>
+            <a:r>
+              <a:rPr lang="en-US" sz="2000" b="1" dirty="0">
+                <a:solidFill>
+                  <a:srgbClr val="FF0000"/>
+                </a:solidFill>
+              </a:rPr>
+              <a:t>NO</a:t>
+            </a:r>
+            <a:r>
+              <a:rPr lang="en-US" sz="2000" dirty="0">
+                <a:solidFill>
+                  <a:schemeClr val="accent6">
+                    <a:lumMod val="50000"/>
+                  </a:schemeClr>
+                </a:solidFill>
+              </a:rPr>
+              <a:t>”</a:t>
+            </a:r>
+            <a:endParaRPr lang="fr-FR" sz="2000" b="1" dirty="0">
+              <a:solidFill>
+                <a:schemeClr val="accent6">
+                  <a:lumMod val="50000"/>
+                </a:schemeClr>
+              </a:solidFill>
+            </a:endParaRPr>
           </a:p>
         </p:txBody>
       </p:sp>
@@ -5556,7 +5731,7 @@
           <p:cNvPr id="7" name="ZoneTexte 6">
             <a:extLst>
               <a:ext uri="{FF2B5EF4-FFF2-40B4-BE49-F238E27FC236}">
-                <a16:creationId xmlns:a16="http://schemas.microsoft.com/office/drawing/2014/main" id="{D9211418-9518-40D8-BE44-0E54A188E2A3}"/>
+                <a16:creationId xmlns:a16="http://schemas.microsoft.com/office/drawing/2014/main" id="{4C173AF0-5F27-41A3-A756-6DD0E4BBC9CB}"/>
               </a:ext>
             </a:extLst>
           </p:cNvPr>
@@ -5581,7 +5756,7 @@
           <a:p>
             <a:r>
               <a:rPr lang="fr-FR" dirty="0"/>
-              <a:t>13/26</a:t>
+              <a:t>12/26</a:t>
             </a:r>
           </a:p>
         </p:txBody>
@@ -5589,7 +5764,7 @@
     </p:spTree>
     <p:extLst>
       <p:ext uri="{BB962C8B-B14F-4D97-AF65-F5344CB8AC3E}">
-        <p14:creationId xmlns:p14="http://schemas.microsoft.com/office/powerpoint/2010/main" val="1015814028"/>
+        <p14:creationId xmlns:p14="http://schemas.microsoft.com/office/powerpoint/2010/main" val="4206110425"/>
       </p:ext>
     </p:extLst>
   </p:cSld>
@@ -5704,7 +5879,7 @@
           <a:p>
             <a:r>
               <a:rPr lang="fr-FR" dirty="0"/>
-              <a:t>PARCOURS DES POSSIBILITES :</a:t>
+              <a:t>PATH OF POSSIBILITIES:</a:t>
             </a:r>
           </a:p>
         </p:txBody>
@@ -5733,7 +5908,7 @@
             <a:pPr rtl="0"/>
             <a:fld id="{802FE938-1586-4780-B61A-DD3B60BAB93C}" type="datetime1">
               <a:rPr lang="fr-FR" smtClean="0"/>
-              <a:t>28/10/2020</a:t>
+              <a:t>08/01/2026</a:t>
             </a:fld>
             <a:endParaRPr lang="en-US"/>
           </a:p>
@@ -5772,25 +5947,32 @@
               <a:buChar char="-"/>
             </a:pPr>
             <a:r>
-              <a:rPr lang="fr-FR" sz="2000" dirty="0">
+              <a:rPr lang="en-US" sz="2000" dirty="0">
                 <a:solidFill>
                   <a:schemeClr val="accent6">
                     <a:lumMod val="50000"/>
                   </a:schemeClr>
                 </a:solidFill>
               </a:rPr>
-              <a:t>Si sur une ligne ou une colonne il y a autant de possibilités que de ‘-’ manquant : </a:t>
-            </a:r>
-            <a:r>
-              <a:rPr lang="fr-FR" sz="2000" b="1" dirty="0">
+              <a:t>If there are as many possibilities as missing “-” in a row or column: </a:t>
+            </a:r>
+            <a:r>
+              <a:rPr lang="en-US" sz="2000" b="1" dirty="0">
                 <a:solidFill>
                   <a:schemeClr val="accent6">
                     <a:lumMod val="50000"/>
                   </a:schemeClr>
                 </a:solidFill>
               </a:rPr>
-              <a:t>On remplace </a:t>
-            </a:r>
+              <a:t>Replace</a:t>
+            </a:r>
+            <a:endParaRPr lang="en-US" sz="2000" dirty="0">
+              <a:solidFill>
+                <a:schemeClr val="accent6">
+                  <a:lumMod val="50000"/>
+                </a:schemeClr>
+              </a:solidFill>
+            </a:endParaRPr>
           </a:p>
           <a:p>
             <a:pPr marL="342900" indent="-342900">
@@ -5798,24 +5980,24 @@
               <a:buChar char="-"/>
             </a:pPr>
             <a:r>
-              <a:rPr lang="fr-FR" sz="2000" dirty="0">
+              <a:rPr lang="en-US" sz="2000" dirty="0">
                 <a:solidFill>
                   <a:schemeClr val="accent6">
                     <a:lumMod val="50000"/>
                   </a:schemeClr>
                 </a:solidFill>
               </a:rPr>
-              <a:t>Si une possibilités n’est plus possible : </a:t>
-            </a:r>
-            <a:r>
-              <a:rPr lang="fr-FR" sz="2000" b="1" dirty="0">
+              <a:t>If a possibility is no longer possible: </a:t>
+            </a:r>
+            <a:r>
+              <a:rPr lang="en-US" sz="2000" b="1" dirty="0">
                 <a:solidFill>
                   <a:schemeClr val="accent6">
                     <a:lumMod val="50000"/>
                   </a:schemeClr>
                 </a:solidFill>
               </a:rPr>
-              <a:t>On la supprime</a:t>
+              <a:t>Remove</a:t>
             </a:r>
           </a:p>
           <a:p>
@@ -5824,25 +6006,397 @@
               <a:buChar char="-"/>
             </a:pPr>
             <a:r>
-              <a:rPr lang="fr-FR" sz="2000" dirty="0">
+              <a:rPr lang="en-US" sz="2000" dirty="0">
                 <a:solidFill>
                   <a:schemeClr val="accent6">
                     <a:lumMod val="50000"/>
                   </a:schemeClr>
                 </a:solidFill>
               </a:rPr>
-              <a:t>Si aucune simplification possible : </a:t>
-            </a:r>
-            <a:r>
-              <a:rPr lang="fr-FR" sz="2000" b="1" dirty="0">
+              <a:t>If no simplification is possible: </a:t>
+            </a:r>
+            <a:r>
+              <a:rPr lang="en-US" sz="2000" b="1" dirty="0">
                 <a:solidFill>
                   <a:schemeClr val="accent6">
                     <a:lumMod val="50000"/>
                   </a:schemeClr>
                 </a:solidFill>
               </a:rPr>
-              <a:t>On renvoie « NON »</a:t>
-            </a:r>
+              <a:t>Return</a:t>
+            </a:r>
+            <a:r>
+              <a:rPr lang="en-US" sz="2000" dirty="0">
+                <a:solidFill>
+                  <a:schemeClr val="accent6">
+                    <a:lumMod val="50000"/>
+                  </a:schemeClr>
+                </a:solidFill>
+              </a:rPr>
+              <a:t> “</a:t>
+            </a:r>
+            <a:r>
+              <a:rPr lang="en-US" sz="2000" b="1" dirty="0">
+                <a:solidFill>
+                  <a:srgbClr val="FF0000"/>
+                </a:solidFill>
+              </a:rPr>
+              <a:t>NO</a:t>
+            </a:r>
+            <a:r>
+              <a:rPr lang="en-US" sz="2000" dirty="0">
+                <a:solidFill>
+                  <a:schemeClr val="accent6">
+                    <a:lumMod val="50000"/>
+                  </a:schemeClr>
+                </a:solidFill>
+              </a:rPr>
+              <a:t>”</a:t>
+            </a:r>
+            <a:endParaRPr lang="fr-FR" sz="2000" b="1" dirty="0">
+              <a:solidFill>
+                <a:schemeClr val="accent6">
+                  <a:lumMod val="50000"/>
+                </a:schemeClr>
+              </a:solidFill>
+            </a:endParaRPr>
+          </a:p>
+        </p:txBody>
+      </p:sp>
+      <p:sp>
+        <p:nvSpPr>
+          <p:cNvPr id="7" name="ZoneTexte 6">
+            <a:extLst>
+              <a:ext uri="{FF2B5EF4-FFF2-40B4-BE49-F238E27FC236}">
+                <a16:creationId xmlns:a16="http://schemas.microsoft.com/office/drawing/2014/main" id="{D9211418-9518-40D8-BE44-0E54A188E2A3}"/>
+              </a:ext>
+            </a:extLst>
+          </p:cNvPr>
+          <p:cNvSpPr txBox="1"/>
+          <p:nvPr/>
+        </p:nvSpPr>
+        <p:spPr>
+          <a:xfrm>
+            <a:off x="11523216" y="73146"/>
+            <a:ext cx="710451" cy="369332"/>
+          </a:xfrm>
+          <a:prstGeom prst="rect">
+            <a:avLst/>
+          </a:prstGeom>
+          <a:noFill/>
+        </p:spPr>
+        <p:txBody>
+          <a:bodyPr wrap="none" rtlCol="0">
+            <a:spAutoFit/>
+          </a:bodyPr>
+          <a:lstStyle/>
+          <a:p>
+            <a:r>
+              <a:rPr lang="fr-FR" dirty="0"/>
+              <a:t>13/26</a:t>
+            </a:r>
+          </a:p>
+        </p:txBody>
+      </p:sp>
+    </p:spTree>
+    <p:extLst>
+      <p:ext uri="{BB962C8B-B14F-4D97-AF65-F5344CB8AC3E}">
+        <p14:creationId xmlns:p14="http://schemas.microsoft.com/office/powerpoint/2010/main" val="1015814028"/>
+      </p:ext>
+    </p:extLst>
+  </p:cSld>
+  <p:clrMapOvr>
+    <a:masterClrMapping/>
+  </p:clrMapOvr>
+</p:sld>
+</file>
+
+<file path=ppt/slides/slide15.xml><?xml version="1.0" encoding="utf-8"?>
+<p:sld xmlns:a="http://schemas.openxmlformats.org/drawingml/2006/main" xmlns:r="http://schemas.openxmlformats.org/officeDocument/2006/relationships" xmlns:p="http://schemas.openxmlformats.org/presentationml/2006/main">
+  <p:cSld>
+    <p:spTree>
+      <p:nvGrpSpPr>
+        <p:cNvPr id="1" name=""/>
+        <p:cNvGrpSpPr/>
+        <p:nvPr/>
+      </p:nvGrpSpPr>
+      <p:grpSpPr>
+        <a:xfrm>
+          <a:off x="0" y="0"/>
+          <a:ext cx="0" cy="0"/>
+          <a:chOff x="0" y="0"/>
+          <a:chExt cx="0" cy="0"/>
+        </a:xfrm>
+      </p:grpSpPr>
+      <p:pic>
+        <p:nvPicPr>
+          <p:cNvPr id="6" name="Image 5">
+            <a:extLst>
+              <a:ext uri="{FF2B5EF4-FFF2-40B4-BE49-F238E27FC236}">
+                <a16:creationId xmlns:a16="http://schemas.microsoft.com/office/drawing/2014/main" id="{9C28529A-5FD8-4DD0-B0B2-CCB9C15922EA}"/>
+              </a:ext>
+            </a:extLst>
+          </p:cNvPr>
+          <p:cNvPicPr>
+            <a:picLocks noChangeAspect="1"/>
+          </p:cNvPicPr>
+          <p:nvPr/>
+        </p:nvPicPr>
+        <p:blipFill>
+          <a:blip r:embed="rId2"/>
+          <a:stretch>
+            <a:fillRect/>
+          </a:stretch>
+        </p:blipFill>
+        <p:spPr>
+          <a:xfrm>
+            <a:off x="2825660" y="2122313"/>
+            <a:ext cx="6540680" cy="3737531"/>
+          </a:xfrm>
+          <a:prstGeom prst="rect">
+            <a:avLst/>
+          </a:prstGeom>
+        </p:spPr>
+      </p:pic>
+      <p:pic>
+        <p:nvPicPr>
+          <p:cNvPr id="3" name="Image 2">
+            <a:extLst>
+              <a:ext uri="{FF2B5EF4-FFF2-40B4-BE49-F238E27FC236}">
+                <a16:creationId xmlns:a16="http://schemas.microsoft.com/office/drawing/2014/main" id="{2C489121-94C5-492B-9FA3-FEF4F04CE781}"/>
+              </a:ext>
+            </a:extLst>
+          </p:cNvPr>
+          <p:cNvPicPr>
+            <a:picLocks noChangeAspect="1"/>
+          </p:cNvPicPr>
+          <p:nvPr/>
+        </p:nvPicPr>
+        <p:blipFill>
+          <a:blip r:embed="rId3"/>
+          <a:stretch>
+            <a:fillRect/>
+          </a:stretch>
+        </p:blipFill>
+        <p:spPr>
+          <a:xfrm>
+            <a:off x="585924" y="2344461"/>
+            <a:ext cx="1462628" cy="2642166"/>
+          </a:xfrm>
+          <a:prstGeom prst="rect">
+            <a:avLst/>
+          </a:prstGeom>
+        </p:spPr>
+      </p:pic>
+      <p:sp>
+        <p:nvSpPr>
+          <p:cNvPr id="2" name="Titre 1">
+            <a:extLst>
+              <a:ext uri="{FF2B5EF4-FFF2-40B4-BE49-F238E27FC236}">
+                <a16:creationId xmlns:a16="http://schemas.microsoft.com/office/drawing/2014/main" id="{3828A403-6528-4DCF-AF3C-ED7DACF94EA6}"/>
+              </a:ext>
+            </a:extLst>
+          </p:cNvPr>
+          <p:cNvSpPr>
+            <a:spLocks noGrp="1"/>
+          </p:cNvSpPr>
+          <p:nvPr>
+            <p:ph type="title"/>
+          </p:nvPr>
+        </p:nvSpPr>
+        <p:spPr>
+          <a:xfrm>
+            <a:off x="1451577" y="204444"/>
+            <a:ext cx="9603275" cy="1049235"/>
+          </a:xfrm>
+        </p:spPr>
+        <p:txBody>
+          <a:bodyPr/>
+          <a:lstStyle/>
+          <a:p>
+            <a:r>
+              <a:rPr lang="fr-FR" dirty="0"/>
+              <a:t>PATH OF POSSIBILITIES:</a:t>
+            </a:r>
+          </a:p>
+        </p:txBody>
+      </p:sp>
+      <p:sp>
+        <p:nvSpPr>
+          <p:cNvPr id="4" name="Espace réservé de la date 3">
+            <a:extLst>
+              <a:ext uri="{FF2B5EF4-FFF2-40B4-BE49-F238E27FC236}">
+                <a16:creationId xmlns:a16="http://schemas.microsoft.com/office/drawing/2014/main" id="{665FEA36-3891-456D-AF15-9C0E5226D650}"/>
+              </a:ext>
+            </a:extLst>
+          </p:cNvPr>
+          <p:cNvSpPr>
+            <a:spLocks noGrp="1"/>
+          </p:cNvSpPr>
+          <p:nvPr>
+            <p:ph type="dt" sz="half" idx="10"/>
+          </p:nvPr>
+        </p:nvSpPr>
+        <p:spPr/>
+        <p:txBody>
+          <a:bodyPr/>
+          <a:lstStyle/>
+          <a:p>
+            <a:pPr rtl="0"/>
+            <a:fld id="{802FE938-1586-4780-B61A-DD3B60BAB93C}" type="datetime1">
+              <a:rPr lang="fr-FR" smtClean="0"/>
+              <a:t>08/01/2026</a:t>
+            </a:fld>
+            <a:endParaRPr lang="en-US"/>
+          </a:p>
+        </p:txBody>
+      </p:sp>
+      <p:sp>
+        <p:nvSpPr>
+          <p:cNvPr id="8" name="ZoneTexte 7">
+            <a:extLst>
+              <a:ext uri="{FF2B5EF4-FFF2-40B4-BE49-F238E27FC236}">
+                <a16:creationId xmlns:a16="http://schemas.microsoft.com/office/drawing/2014/main" id="{8B78BB34-4B22-4F6C-A5D7-9F5EDC3F12A3}"/>
+              </a:ext>
+            </a:extLst>
+          </p:cNvPr>
+          <p:cNvSpPr txBox="1"/>
+          <p:nvPr/>
+        </p:nvSpPr>
+        <p:spPr>
+          <a:xfrm>
+            <a:off x="585926" y="771384"/>
+            <a:ext cx="10468926" cy="1015663"/>
+          </a:xfrm>
+          <a:prstGeom prst="rect">
+            <a:avLst/>
+          </a:prstGeom>
+          <a:noFill/>
+        </p:spPr>
+        <p:txBody>
+          <a:bodyPr wrap="square" rtlCol="0">
+            <a:spAutoFit/>
+          </a:bodyPr>
+          <a:lstStyle/>
+          <a:p>
+            <a:pPr marL="342900" indent="-342900">
+              <a:buFontTx/>
+              <a:buChar char="-"/>
+            </a:pPr>
+            <a:r>
+              <a:rPr lang="en-US" sz="2000" dirty="0">
+                <a:solidFill>
+                  <a:schemeClr val="accent6">
+                    <a:lumMod val="50000"/>
+                  </a:schemeClr>
+                </a:solidFill>
+              </a:rPr>
+              <a:t>If there are as many possibilities as missing “-” in a row or column: </a:t>
+            </a:r>
+            <a:r>
+              <a:rPr lang="en-US" sz="2000" b="1" dirty="0">
+                <a:solidFill>
+                  <a:schemeClr val="accent6">
+                    <a:lumMod val="50000"/>
+                  </a:schemeClr>
+                </a:solidFill>
+              </a:rPr>
+              <a:t>Replace</a:t>
+            </a:r>
+            <a:endParaRPr lang="en-US" sz="2000" dirty="0">
+              <a:solidFill>
+                <a:schemeClr val="accent6">
+                  <a:lumMod val="50000"/>
+                </a:schemeClr>
+              </a:solidFill>
+            </a:endParaRPr>
+          </a:p>
+          <a:p>
+            <a:pPr marL="342900" indent="-342900">
+              <a:buFontTx/>
+              <a:buChar char="-"/>
+            </a:pPr>
+            <a:r>
+              <a:rPr lang="en-US" sz="2000" dirty="0">
+                <a:solidFill>
+                  <a:schemeClr val="accent6">
+                    <a:lumMod val="50000"/>
+                  </a:schemeClr>
+                </a:solidFill>
+              </a:rPr>
+              <a:t>If a possibility is no longer possible: </a:t>
+            </a:r>
+            <a:r>
+              <a:rPr lang="en-US" sz="2000" b="1" dirty="0">
+                <a:solidFill>
+                  <a:schemeClr val="accent6">
+                    <a:lumMod val="50000"/>
+                  </a:schemeClr>
+                </a:solidFill>
+              </a:rPr>
+              <a:t>Remove</a:t>
+            </a:r>
+          </a:p>
+          <a:p>
+            <a:pPr marL="342900" indent="-342900">
+              <a:buFontTx/>
+              <a:buChar char="-"/>
+            </a:pPr>
+            <a:r>
+              <a:rPr lang="en-US" sz="2000" dirty="0">
+                <a:solidFill>
+                  <a:schemeClr val="accent6">
+                    <a:lumMod val="50000"/>
+                  </a:schemeClr>
+                </a:solidFill>
+              </a:rPr>
+              <a:t>If no simplification is possible: </a:t>
+            </a:r>
+            <a:r>
+              <a:rPr lang="en-US" sz="2000" b="1" dirty="0">
+                <a:solidFill>
+                  <a:schemeClr val="accent6">
+                    <a:lumMod val="50000"/>
+                  </a:schemeClr>
+                </a:solidFill>
+              </a:rPr>
+              <a:t>Return</a:t>
+            </a:r>
+            <a:r>
+              <a:rPr lang="en-US" sz="2000" dirty="0">
+                <a:solidFill>
+                  <a:schemeClr val="accent6">
+                    <a:lumMod val="50000"/>
+                  </a:schemeClr>
+                </a:solidFill>
+              </a:rPr>
+              <a:t> “</a:t>
+            </a:r>
+            <a:r>
+              <a:rPr lang="en-US" sz="2000" b="1" dirty="0">
+                <a:solidFill>
+                  <a:srgbClr val="FF0000"/>
+                </a:solidFill>
+              </a:rPr>
+              <a:t>NO</a:t>
+            </a:r>
+            <a:r>
+              <a:rPr lang="en-US" sz="2000" dirty="0">
+                <a:solidFill>
+                  <a:schemeClr val="accent6">
+                    <a:lumMod val="50000"/>
+                  </a:schemeClr>
+                </a:solidFill>
+              </a:rPr>
+              <a:t>”</a:t>
+            </a:r>
+            <a:endParaRPr lang="fr-FR" sz="2000" b="1" dirty="0">
+              <a:solidFill>
+                <a:schemeClr val="accent6">
+                  <a:lumMod val="50000"/>
+                </a:schemeClr>
+              </a:solidFill>
+            </a:endParaRPr>
           </a:p>
         </p:txBody>
       </p:sp>
@@ -5933,7 +6487,7 @@
 </p:sld>
 </file>
 
-<file path=ppt/slides/slide15.xml><?xml version="1.0" encoding="utf-8"?>
+<file path=ppt/slides/slide16.xml><?xml version="1.0" encoding="utf-8"?>
 <p:sld xmlns:a="http://schemas.openxmlformats.org/drawingml/2006/main" xmlns:r="http://schemas.openxmlformats.org/officeDocument/2006/relationships" xmlns:p="http://schemas.openxmlformats.org/presentationml/2006/main">
   <p:cSld>
     <p:bg>
@@ -6039,6 +6593,13 @@
             <a:schemeClr val="lt1"/>
           </a:fontRef>
         </p:style>
+        <p:txBody>
+          <a:bodyPr/>
+          <a:lstStyle/>
+          <a:p>
+            <a:endParaRPr lang="fr-FR"/>
+          </a:p>
+        </p:txBody>
       </p:sp>
       <p:pic>
         <p:nvPicPr>
@@ -6349,20 +6910,8 @@
           <a:lstStyle/>
           <a:p>
             <a:r>
-              <a:rPr lang="en-US" sz="3100" dirty="0" err="1"/>
-              <a:t>Comparaison</a:t>
-            </a:r>
-            <a:r>
               <a:rPr lang="en-US" sz="3100" dirty="0"/>
-              <a:t> aux </a:t>
-            </a:r>
-            <a:r>
-              <a:rPr lang="en-US" sz="3100" dirty="0" err="1"/>
-              <a:t>attentes</a:t>
-            </a:r>
-            <a:r>
-              <a:rPr lang="en-US" sz="3100" dirty="0"/>
-              <a:t> </a:t>
+              <a:t>Comparison with expectations </a:t>
             </a:r>
           </a:p>
         </p:txBody>
@@ -6777,7 +7326,7 @@
                   <a:spcPts val="600"/>
                 </a:spcAft>
               </a:pPr>
-              <a:t>28/10/2020</a:t>
+              <a:t>08/01/2026</a:t>
             </a:fld>
             <a:endParaRPr lang="en-US"/>
           </a:p>
@@ -6929,7 +7478,7 @@
 </p:sld>
 </file>
 
-<file path=ppt/slides/slide16.xml><?xml version="1.0" encoding="utf-8"?>
+<file path=ppt/slides/slide17.xml><?xml version="1.0" encoding="utf-8"?>
 <p:sld xmlns:a="http://schemas.openxmlformats.org/drawingml/2006/main" xmlns:r="http://schemas.openxmlformats.org/officeDocument/2006/relationships" xmlns:p="http://schemas.openxmlformats.org/presentationml/2006/main">
   <p:cSld>
     <p:bg>
@@ -7035,6 +7584,13 @@
             <a:schemeClr val="lt1"/>
           </a:fontRef>
         </p:style>
+        <p:txBody>
+          <a:bodyPr/>
+          <a:lstStyle/>
+          <a:p>
+            <a:endParaRPr lang="fr-FR"/>
+          </a:p>
+        </p:txBody>
       </p:sp>
       <p:pic>
         <p:nvPicPr>
@@ -7345,20 +7901,8 @@
           <a:lstStyle/>
           <a:p>
             <a:r>
-              <a:rPr lang="en-US" sz="3100" dirty="0" err="1"/>
-              <a:t>Comparaison</a:t>
-            </a:r>
-            <a:r>
               <a:rPr lang="en-US" sz="3100" dirty="0"/>
-              <a:t> aux </a:t>
-            </a:r>
-            <a:r>
-              <a:rPr lang="en-US" sz="3100" dirty="0" err="1"/>
-              <a:t>attentes</a:t>
-            </a:r>
-            <a:r>
-              <a:rPr lang="en-US" sz="3100" dirty="0"/>
-              <a:t> </a:t>
+              <a:t>Comparison with expectations </a:t>
             </a:r>
           </a:p>
         </p:txBody>
@@ -7743,7 +8287,7 @@
                   <a:spcPts val="600"/>
                 </a:spcAft>
               </a:pPr>
-              <a:t>28/10/2020</a:t>
+              <a:t>08/01/2026</a:t>
             </a:fld>
             <a:endParaRPr lang="en-US"/>
           </a:p>
@@ -7964,7 +8508,7 @@
 </p:sld>
 </file>
 
-<file path=ppt/slides/slide17.xml><?xml version="1.0" encoding="utf-8"?>
+<file path=ppt/slides/slide18.xml><?xml version="1.0" encoding="utf-8"?>
 <p:sld xmlns:a="http://schemas.openxmlformats.org/drawingml/2006/main" xmlns:r="http://schemas.openxmlformats.org/officeDocument/2006/relationships" xmlns:p="http://schemas.openxmlformats.org/presentationml/2006/main">
   <p:cSld>
     <p:spTree>
@@ -8062,7 +8606,7 @@
             <a:pPr algn="ctr"/>
             <a:r>
               <a:rPr lang="fr-FR" sz="5400" dirty="0"/>
-              <a:t>EXEMPLE #2</a:t>
+              <a:t>EXAMPLE #2</a:t>
             </a:r>
             <a:r>
               <a:rPr lang="fr-FR" dirty="0"/>
@@ -8100,16 +8644,8 @@
           <a:lstStyle/>
           <a:p>
             <a:r>
-              <a:rPr lang="fr-FR" sz="1800" dirty="0"/>
-              <a:t>Exécution de l’algorithme avec </a:t>
-            </a:r>
-            <a:r>
-              <a:rPr lang="fr-FR" sz="1800" b="1" dirty="0"/>
-              <a:t>l’input suivant </a:t>
-            </a:r>
-            <a:r>
-              <a:rPr lang="fr-FR" sz="1800" dirty="0"/>
-              <a:t>: </a:t>
+              <a:rPr lang="en-US" sz="1800" dirty="0"/>
+              <a:t>Execution of the algorithm with the input: </a:t>
             </a:r>
           </a:p>
           <a:p>
@@ -8201,7 +8737,7 @@
             <a:pPr rtl="0"/>
             <a:fld id="{802FE938-1586-4780-B61A-DD3B60BAB93C}" type="datetime1">
               <a:rPr lang="fr-FR" smtClean="0"/>
-              <a:t>28/10/2020</a:t>
+              <a:t>08/01/2026</a:t>
             </a:fld>
             <a:endParaRPr lang="en-US"/>
           </a:p>
@@ -8445,16 +8981,28 @@
           </a:lstStyle>
           <a:p>
             <a:r>
+              <a:rPr lang="fr-FR" sz="1800" dirty="0" err="1"/>
+              <a:t>Which</a:t>
+            </a:r>
+            <a:r>
               <a:rPr lang="fr-FR" sz="1800" dirty="0"/>
-              <a:t>Qui doit avoir pour </a:t>
-            </a:r>
-            <a:r>
-              <a:rPr lang="fr-FR" sz="1800" b="1" dirty="0"/>
-              <a:t>résultat</a:t>
+              <a:t> </a:t>
+            </a:r>
+            <a:r>
+              <a:rPr lang="fr-FR" sz="1800" dirty="0" err="1"/>
+              <a:t>should</a:t>
             </a:r>
             <a:r>
               <a:rPr lang="fr-FR" sz="1800" dirty="0"/>
-              <a:t> :</a:t>
+              <a:t> </a:t>
+            </a:r>
+            <a:r>
+              <a:rPr lang="fr-FR" sz="1800" dirty="0" err="1"/>
+              <a:t>result</a:t>
+            </a:r>
+            <a:r>
+              <a:rPr lang="fr-FR" sz="1800" dirty="0"/>
+              <a:t> in:</a:t>
             </a:r>
           </a:p>
         </p:txBody>
@@ -8493,7 +9041,7 @@
                   <a:srgbClr val="C00000"/>
                 </a:solidFill>
               </a:rPr>
-              <a:t>NON</a:t>
+              <a:t>NO</a:t>
             </a:r>
           </a:p>
         </p:txBody>
@@ -8537,301 +9085,6 @@
     <p:extLst>
       <p:ext uri="{BB962C8B-B14F-4D97-AF65-F5344CB8AC3E}">
         <p14:creationId xmlns:p14="http://schemas.microsoft.com/office/powerpoint/2010/main" val="2068649082"/>
-      </p:ext>
-    </p:extLst>
-  </p:cSld>
-  <p:clrMapOvr>
-    <a:masterClrMapping/>
-  </p:clrMapOvr>
-</p:sld>
-</file>
-
-<file path=ppt/slides/slide18.xml><?xml version="1.0" encoding="utf-8"?>
-<p:sld xmlns:a="http://schemas.openxmlformats.org/drawingml/2006/main" xmlns:r="http://schemas.openxmlformats.org/officeDocument/2006/relationships" xmlns:p="http://schemas.openxmlformats.org/presentationml/2006/main">
-  <p:cSld>
-    <p:spTree>
-      <p:nvGrpSpPr>
-        <p:cNvPr id="1" name=""/>
-        <p:cNvGrpSpPr/>
-        <p:nvPr/>
-      </p:nvGrpSpPr>
-      <p:grpSpPr>
-        <a:xfrm>
-          <a:off x="0" y="0"/>
-          <a:ext cx="0" cy="0"/>
-          <a:chOff x="0" y="0"/>
-          <a:chExt cx="0" cy="0"/>
-        </a:xfrm>
-      </p:grpSpPr>
-      <p:pic>
-        <p:nvPicPr>
-          <p:cNvPr id="5" name="Image 4">
-            <a:extLst>
-              <a:ext uri="{FF2B5EF4-FFF2-40B4-BE49-F238E27FC236}">
-                <a16:creationId xmlns:a16="http://schemas.microsoft.com/office/drawing/2014/main" id="{6CC8F842-88BF-447A-9242-39F091020820}"/>
-              </a:ext>
-            </a:extLst>
-          </p:cNvPr>
-          <p:cNvPicPr>
-            <a:picLocks noChangeAspect="1"/>
-          </p:cNvPicPr>
-          <p:nvPr/>
-        </p:nvPicPr>
-        <p:blipFill>
-          <a:blip r:embed="rId2"/>
-          <a:stretch>
-            <a:fillRect/>
-          </a:stretch>
-        </p:blipFill>
-        <p:spPr>
-          <a:xfrm>
-            <a:off x="1451577" y="2401612"/>
-            <a:ext cx="1698538" cy="2642170"/>
-          </a:xfrm>
-          <a:prstGeom prst="rect">
-            <a:avLst/>
-          </a:prstGeom>
-        </p:spPr>
-      </p:pic>
-      <p:sp>
-        <p:nvSpPr>
-          <p:cNvPr id="2" name="Titre 1">
-            <a:extLst>
-              <a:ext uri="{FF2B5EF4-FFF2-40B4-BE49-F238E27FC236}">
-                <a16:creationId xmlns:a16="http://schemas.microsoft.com/office/drawing/2014/main" id="{3828A403-6528-4DCF-AF3C-ED7DACF94EA6}"/>
-              </a:ext>
-            </a:extLst>
-          </p:cNvPr>
-          <p:cNvSpPr>
-            <a:spLocks noGrp="1"/>
-          </p:cNvSpPr>
-          <p:nvPr>
-            <p:ph type="title"/>
-          </p:nvPr>
-        </p:nvSpPr>
-        <p:spPr>
-          <a:xfrm>
-            <a:off x="1451577" y="204444"/>
-            <a:ext cx="9603275" cy="1049235"/>
-          </a:xfrm>
-        </p:spPr>
-        <p:txBody>
-          <a:bodyPr/>
-          <a:lstStyle/>
-          <a:p>
-            <a:r>
-              <a:rPr lang="fr-FR" dirty="0"/>
-              <a:t>PARCOURS DES POSSIBILITES :</a:t>
-            </a:r>
-          </a:p>
-        </p:txBody>
-      </p:sp>
-      <p:sp>
-        <p:nvSpPr>
-          <p:cNvPr id="4" name="Espace réservé de la date 3">
-            <a:extLst>
-              <a:ext uri="{FF2B5EF4-FFF2-40B4-BE49-F238E27FC236}">
-                <a16:creationId xmlns:a16="http://schemas.microsoft.com/office/drawing/2014/main" id="{665FEA36-3891-456D-AF15-9C0E5226D650}"/>
-              </a:ext>
-            </a:extLst>
-          </p:cNvPr>
-          <p:cNvSpPr>
-            <a:spLocks noGrp="1"/>
-          </p:cNvSpPr>
-          <p:nvPr>
-            <p:ph type="dt" sz="half" idx="10"/>
-          </p:nvPr>
-        </p:nvSpPr>
-        <p:spPr/>
-        <p:txBody>
-          <a:bodyPr/>
-          <a:lstStyle/>
-          <a:p>
-            <a:pPr rtl="0"/>
-            <a:fld id="{802FE938-1586-4780-B61A-DD3B60BAB93C}" type="datetime1">
-              <a:rPr lang="fr-FR" smtClean="0"/>
-              <a:t>28/10/2020</a:t>
-            </a:fld>
-            <a:endParaRPr lang="en-US"/>
-          </a:p>
-        </p:txBody>
-      </p:sp>
-      <p:sp>
-        <p:nvSpPr>
-          <p:cNvPr id="8" name="ZoneTexte 7">
-            <a:extLst>
-              <a:ext uri="{FF2B5EF4-FFF2-40B4-BE49-F238E27FC236}">
-                <a16:creationId xmlns:a16="http://schemas.microsoft.com/office/drawing/2014/main" id="{8B78BB34-4B22-4F6C-A5D7-9F5EDC3F12A3}"/>
-              </a:ext>
-            </a:extLst>
-          </p:cNvPr>
-          <p:cNvSpPr txBox="1"/>
-          <p:nvPr/>
-        </p:nvSpPr>
-        <p:spPr>
-          <a:xfrm>
-            <a:off x="585926" y="771384"/>
-            <a:ext cx="10468926" cy="1015663"/>
-          </a:xfrm>
-          <a:prstGeom prst="rect">
-            <a:avLst/>
-          </a:prstGeom>
-          <a:noFill/>
-        </p:spPr>
-        <p:txBody>
-          <a:bodyPr wrap="square" rtlCol="0">
-            <a:spAutoFit/>
-          </a:bodyPr>
-          <a:lstStyle/>
-          <a:p>
-            <a:pPr marL="342900" indent="-342900">
-              <a:buFontTx/>
-              <a:buChar char="-"/>
-            </a:pPr>
-            <a:r>
-              <a:rPr lang="fr-FR" sz="2000" dirty="0">
-                <a:solidFill>
-                  <a:schemeClr val="accent6">
-                    <a:lumMod val="50000"/>
-                  </a:schemeClr>
-                </a:solidFill>
-              </a:rPr>
-              <a:t>Si sur une ligne ou une colonne il y a autant de possibilités que de ‘-’ manquant : </a:t>
-            </a:r>
-            <a:r>
-              <a:rPr lang="fr-FR" sz="2000" b="1" dirty="0">
-                <a:solidFill>
-                  <a:schemeClr val="accent6">
-                    <a:lumMod val="50000"/>
-                  </a:schemeClr>
-                </a:solidFill>
-              </a:rPr>
-              <a:t>On remplace </a:t>
-            </a:r>
-          </a:p>
-          <a:p>
-            <a:pPr marL="342900" indent="-342900">
-              <a:buFontTx/>
-              <a:buChar char="-"/>
-            </a:pPr>
-            <a:r>
-              <a:rPr lang="fr-FR" sz="2000" dirty="0">
-                <a:solidFill>
-                  <a:schemeClr val="accent6">
-                    <a:lumMod val="50000"/>
-                  </a:schemeClr>
-                </a:solidFill>
-              </a:rPr>
-              <a:t>Si une possibilités n’est plus possible : </a:t>
-            </a:r>
-            <a:r>
-              <a:rPr lang="fr-FR" sz="2000" b="1" dirty="0">
-                <a:solidFill>
-                  <a:schemeClr val="accent6">
-                    <a:lumMod val="50000"/>
-                  </a:schemeClr>
-                </a:solidFill>
-              </a:rPr>
-              <a:t>On la supprime</a:t>
-            </a:r>
-          </a:p>
-          <a:p>
-            <a:pPr marL="342900" indent="-342900">
-              <a:buFontTx/>
-              <a:buChar char="-"/>
-            </a:pPr>
-            <a:r>
-              <a:rPr lang="fr-FR" sz="2000" dirty="0">
-                <a:solidFill>
-                  <a:schemeClr val="accent6">
-                    <a:lumMod val="50000"/>
-                  </a:schemeClr>
-                </a:solidFill>
-              </a:rPr>
-              <a:t>Si aucune simplification possible : </a:t>
-            </a:r>
-            <a:r>
-              <a:rPr lang="fr-FR" sz="2000" b="1" dirty="0">
-                <a:solidFill>
-                  <a:schemeClr val="accent6">
-                    <a:lumMod val="50000"/>
-                  </a:schemeClr>
-                </a:solidFill>
-              </a:rPr>
-              <a:t>On renvoie « NON »</a:t>
-            </a:r>
-          </a:p>
-        </p:txBody>
-      </p:sp>
-      <p:pic>
-        <p:nvPicPr>
-          <p:cNvPr id="9" name="Image 8">
-            <a:extLst>
-              <a:ext uri="{FF2B5EF4-FFF2-40B4-BE49-F238E27FC236}">
-                <a16:creationId xmlns:a16="http://schemas.microsoft.com/office/drawing/2014/main" id="{E6D59B5A-FA17-4928-A395-011A3EEC9F32}"/>
-              </a:ext>
-            </a:extLst>
-          </p:cNvPr>
-          <p:cNvPicPr>
-            <a:picLocks noChangeAspect="1"/>
-          </p:cNvPicPr>
-          <p:nvPr/>
-        </p:nvPicPr>
-        <p:blipFill>
-          <a:blip r:embed="rId3"/>
-          <a:stretch>
-            <a:fillRect/>
-          </a:stretch>
-        </p:blipFill>
-        <p:spPr>
-          <a:xfrm>
-            <a:off x="5399859" y="2020055"/>
-            <a:ext cx="3904636" cy="3904636"/>
-          </a:xfrm>
-          <a:prstGeom prst="rect">
-            <a:avLst/>
-          </a:prstGeom>
-        </p:spPr>
-      </p:pic>
-      <p:sp>
-        <p:nvSpPr>
-          <p:cNvPr id="7" name="ZoneTexte 6">
-            <a:extLst>
-              <a:ext uri="{FF2B5EF4-FFF2-40B4-BE49-F238E27FC236}">
-                <a16:creationId xmlns:a16="http://schemas.microsoft.com/office/drawing/2014/main" id="{489F796C-AC18-4ACF-8918-78E6AC0DACCE}"/>
-              </a:ext>
-            </a:extLst>
-          </p:cNvPr>
-          <p:cNvSpPr txBox="1"/>
-          <p:nvPr/>
-        </p:nvSpPr>
-        <p:spPr>
-          <a:xfrm>
-            <a:off x="11523216" y="73146"/>
-            <a:ext cx="710451" cy="369332"/>
-          </a:xfrm>
-          <a:prstGeom prst="rect">
-            <a:avLst/>
-          </a:prstGeom>
-          <a:noFill/>
-        </p:spPr>
-        <p:txBody>
-          <a:bodyPr wrap="none" rtlCol="0">
-            <a:spAutoFit/>
-          </a:bodyPr>
-          <a:lstStyle/>
-          <a:p>
-            <a:r>
-              <a:rPr lang="fr-FR" dirty="0"/>
-              <a:t>18/26</a:t>
-            </a:r>
-          </a:p>
-        </p:txBody>
-      </p:sp>
-    </p:spTree>
-    <p:extLst>
-      <p:ext uri="{BB962C8B-B14F-4D97-AF65-F5344CB8AC3E}">
-        <p14:creationId xmlns:p14="http://schemas.microsoft.com/office/powerpoint/2010/main" val="2798183689"/>
       </p:ext>
     </p:extLst>
   </p:cSld>
@@ -8860,10 +9113,10 @@
       </p:grpSpPr>
       <p:pic>
         <p:nvPicPr>
-          <p:cNvPr id="6" name="Image 5">
-            <a:extLst>
-              <a:ext uri="{FF2B5EF4-FFF2-40B4-BE49-F238E27FC236}">
-                <a16:creationId xmlns:a16="http://schemas.microsoft.com/office/drawing/2014/main" id="{CC744578-DD44-4BBF-8326-F2ED83747A74}"/>
+          <p:cNvPr id="5" name="Image 4">
+            <a:extLst>
+              <a:ext uri="{FF2B5EF4-FFF2-40B4-BE49-F238E27FC236}">
+                <a16:creationId xmlns:a16="http://schemas.microsoft.com/office/drawing/2014/main" id="{6CC8F842-88BF-447A-9242-39F091020820}"/>
               </a:ext>
             </a:extLst>
           </p:cNvPr>
@@ -8916,7 +9169,7 @@
           <a:p>
             <a:r>
               <a:rPr lang="fr-FR" dirty="0"/>
-              <a:t>PARCOURS DES POSSIBILITES :</a:t>
+              <a:t>PATH OF POSSIBILITIES:</a:t>
             </a:r>
           </a:p>
         </p:txBody>
@@ -8945,7 +9198,7 @@
             <a:pPr rtl="0"/>
             <a:fld id="{802FE938-1586-4780-B61A-DD3B60BAB93C}" type="datetime1">
               <a:rPr lang="fr-FR" smtClean="0"/>
-              <a:t>28/10/2020</a:t>
+              <a:t>08/01/2026</a:t>
             </a:fld>
             <a:endParaRPr lang="en-US"/>
           </a:p>
@@ -8984,25 +9237,32 @@
               <a:buChar char="-"/>
             </a:pPr>
             <a:r>
-              <a:rPr lang="fr-FR" sz="2000" dirty="0">
+              <a:rPr lang="en-US" sz="2000" dirty="0">
                 <a:solidFill>
                   <a:schemeClr val="accent6">
                     <a:lumMod val="50000"/>
                   </a:schemeClr>
                 </a:solidFill>
               </a:rPr>
-              <a:t>Si sur une ligne ou une colonne il y a autant de possibilités que de ‘-’ manquant : </a:t>
-            </a:r>
-            <a:r>
-              <a:rPr lang="fr-FR" sz="2000" b="1" dirty="0">
+              <a:t>If there are as many possibilities as missing “-” in a row or column: </a:t>
+            </a:r>
+            <a:r>
+              <a:rPr lang="en-US" sz="2000" b="1" dirty="0">
                 <a:solidFill>
                   <a:schemeClr val="accent6">
                     <a:lumMod val="50000"/>
                   </a:schemeClr>
                 </a:solidFill>
               </a:rPr>
-              <a:t>On remplace </a:t>
-            </a:r>
+              <a:t>Replace</a:t>
+            </a:r>
+            <a:endParaRPr lang="en-US" sz="2000" dirty="0">
+              <a:solidFill>
+                <a:schemeClr val="accent6">
+                  <a:lumMod val="50000"/>
+                </a:schemeClr>
+              </a:solidFill>
+            </a:endParaRPr>
           </a:p>
           <a:p>
             <a:pPr marL="342900" indent="-342900">
@@ -9010,24 +9270,24 @@
               <a:buChar char="-"/>
             </a:pPr>
             <a:r>
-              <a:rPr lang="fr-FR" sz="2000" dirty="0">
+              <a:rPr lang="en-US" sz="2000" dirty="0">
                 <a:solidFill>
                   <a:schemeClr val="accent6">
                     <a:lumMod val="50000"/>
                   </a:schemeClr>
                 </a:solidFill>
               </a:rPr>
-              <a:t>Si une possibilités n’est plus possible : </a:t>
-            </a:r>
-            <a:r>
-              <a:rPr lang="fr-FR" sz="2000" b="1" dirty="0">
+              <a:t>If a possibility is no longer possible: </a:t>
+            </a:r>
+            <a:r>
+              <a:rPr lang="en-US" sz="2000" b="1" dirty="0">
                 <a:solidFill>
                   <a:schemeClr val="accent6">
                     <a:lumMod val="50000"/>
                   </a:schemeClr>
                 </a:solidFill>
               </a:rPr>
-              <a:t>On la supprime</a:t>
+              <a:t>Remove</a:t>
             </a:r>
           </a:p>
           <a:p>
@@ -9036,25 +9296,60 @@
               <a:buChar char="-"/>
             </a:pPr>
             <a:r>
-              <a:rPr lang="fr-FR" sz="2000" dirty="0">
+              <a:rPr lang="en-US" sz="2000" dirty="0">
                 <a:solidFill>
                   <a:schemeClr val="accent6">
                     <a:lumMod val="50000"/>
                   </a:schemeClr>
                 </a:solidFill>
               </a:rPr>
-              <a:t>Si aucune simplification possible : </a:t>
-            </a:r>
-            <a:r>
-              <a:rPr lang="fr-FR" sz="2000" b="1" dirty="0">
+              <a:t>If no simplification is possible: </a:t>
+            </a:r>
+            <a:r>
+              <a:rPr lang="en-US" sz="2000" b="1" dirty="0">
                 <a:solidFill>
                   <a:schemeClr val="accent6">
                     <a:lumMod val="50000"/>
                   </a:schemeClr>
                 </a:solidFill>
               </a:rPr>
-              <a:t>On renvoie « NON »</a:t>
-            </a:r>
+              <a:t>Return</a:t>
+            </a:r>
+            <a:r>
+              <a:rPr lang="en-US" sz="2000" dirty="0">
+                <a:solidFill>
+                  <a:schemeClr val="accent6">
+                    <a:lumMod val="50000"/>
+                  </a:schemeClr>
+                </a:solidFill>
+              </a:rPr>
+              <a:t> “</a:t>
+            </a:r>
+            <a:r>
+              <a:rPr lang="en-US" sz="2000" b="1" dirty="0">
+                <a:solidFill>
+                  <a:srgbClr val="FF0000"/>
+                </a:solidFill>
+              </a:rPr>
+              <a:t>NO</a:t>
+            </a:r>
+            <a:r>
+              <a:rPr lang="en-US" sz="2000" dirty="0">
+                <a:solidFill>
+                  <a:schemeClr val="accent6">
+                    <a:lumMod val="50000"/>
+                  </a:schemeClr>
+                </a:solidFill>
+              </a:rPr>
+              <a:t>”</a:t>
+            </a:r>
+            <a:endParaRPr lang="fr-FR" sz="2000" b="1" dirty="0">
+              <a:solidFill>
+                <a:schemeClr val="accent6">
+                  <a:lumMod val="50000"/>
+                </a:schemeClr>
+              </a:solidFill>
+            </a:endParaRPr>
           </a:p>
         </p:txBody>
       </p:sp>
@@ -9093,7 +9388,7 @@
           <p:cNvPr id="7" name="ZoneTexte 6">
             <a:extLst>
               <a:ext uri="{FF2B5EF4-FFF2-40B4-BE49-F238E27FC236}">
-                <a16:creationId xmlns:a16="http://schemas.microsoft.com/office/drawing/2014/main" id="{B89ECBBD-B873-47ED-89B0-323E3B860D43}"/>
+                <a16:creationId xmlns:a16="http://schemas.microsoft.com/office/drawing/2014/main" id="{489F796C-AC18-4ACF-8918-78E6AC0DACCE}"/>
               </a:ext>
             </a:extLst>
           </p:cNvPr>
@@ -9118,7 +9413,7 @@
           <a:p>
             <a:r>
               <a:rPr lang="fr-FR" dirty="0"/>
-              <a:t>19/26</a:t>
+              <a:t>18/26</a:t>
             </a:r>
           </a:p>
         </p:txBody>
@@ -9126,7 +9421,7 @@
     </p:spTree>
     <p:extLst>
       <p:ext uri="{BB962C8B-B14F-4D97-AF65-F5344CB8AC3E}">
-        <p14:creationId xmlns:p14="http://schemas.microsoft.com/office/powerpoint/2010/main" val="1148506109"/>
+        <p14:creationId xmlns:p14="http://schemas.microsoft.com/office/powerpoint/2010/main" val="2798183689"/>
       </p:ext>
     </p:extLst>
   </p:cSld>
@@ -9202,7 +9497,7 @@
             <a:pPr rtl="0"/>
             <a:fld id="{802FE938-1586-4780-B61A-DD3B60BAB93C}" type="datetime1">
               <a:rPr lang="fr-FR" smtClean="0"/>
-              <a:t>28/10/2020</a:t>
+              <a:t>08/01/2026</a:t>
             </a:fld>
             <a:endParaRPr lang="en-US"/>
           </a:p>
@@ -9274,9 +9569,10 @@
           <a:p>
             <a:pPr algn="ctr"/>
             <a:r>
-              <a:rPr lang="fr-FR" sz="2800" b="1" i="1" u="sng" dirty="0"/>
-              <a:t>FONCTIONNEMENT GLOBAL DE L’ALGORITHME DE BASE</a:t>
-            </a:r>
+              <a:rPr lang="en-US" sz="2800" b="1" i="1" u="sng" dirty="0"/>
+              <a:t>OVERALL FUNCTIONING OF THE BASE ALGORITHM</a:t>
+            </a:r>
+            <a:endParaRPr lang="fr-FR" sz="2800" b="1" i="1" u="sng" dirty="0"/>
           </a:p>
         </p:txBody>
       </p:sp>
@@ -9294,8 +9590,8 @@
         </p:nvSpPr>
         <p:spPr>
           <a:xfrm>
-            <a:off x="2087690" y="5196530"/>
-            <a:ext cx="10104310" cy="738664"/>
+            <a:off x="2087690" y="5296094"/>
+            <a:ext cx="10104310" cy="523220"/>
           </a:xfrm>
           <a:prstGeom prst="rect">
             <a:avLst/>
@@ -9309,57 +9605,55 @@
           <a:lstStyle/>
           <a:p>
             <a:r>
-              <a:rPr lang="fr-FR" sz="1400" dirty="0">
+              <a:rPr lang="en-US" sz="1400" dirty="0">
                 <a:solidFill>
                   <a:schemeClr val="accent6">
                     <a:lumMod val="50000"/>
                   </a:schemeClr>
                 </a:solidFill>
               </a:rPr>
-              <a:t>- L’Algorithme fait </a:t>
-            </a:r>
-            <a:r>
-              <a:rPr lang="fr-FR" sz="1400" b="1" dirty="0">
+              <a:t>- The algorithm </a:t>
+            </a:r>
+            <a:r>
+              <a:rPr lang="en-US" sz="1400" b="1" dirty="0">
                 <a:solidFill>
                   <a:schemeClr val="accent6">
                     <a:lumMod val="50000"/>
                   </a:schemeClr>
                 </a:solidFill>
               </a:rPr>
-              <a:t>toutes les possibilités </a:t>
-            </a:r>
-            <a:r>
-              <a:rPr lang="fr-FR" sz="1400" dirty="0">
+              <a:t>considers all possibilities </a:t>
+            </a:r>
+            <a:r>
+              <a:rPr lang="en-US" sz="1400" dirty="0">
                 <a:solidFill>
                   <a:schemeClr val="accent6">
                     <a:lumMod val="50000"/>
                   </a:schemeClr>
                 </a:solidFill>
               </a:rPr>
-              <a:t>et compte le </a:t>
-            </a:r>
-            <a:r>
-              <a:rPr lang="fr-FR" sz="1400" b="1" dirty="0">
+              <a:t>and counts the </a:t>
+            </a:r>
+            <a:r>
+              <a:rPr lang="en-US" sz="1400" b="1" dirty="0">
                 <a:solidFill>
                   <a:schemeClr val="accent6">
                     <a:lumMod val="50000"/>
                   </a:schemeClr>
                 </a:solidFill>
               </a:rPr>
-              <a:t>nombres de solutions </a:t>
-            </a:r>
-            <a:r>
-              <a:rPr lang="fr-FR" sz="1400" dirty="0">
+              <a:t>total number of solutions </a:t>
+            </a:r>
+            <a:r>
+              <a:rPr lang="en-US" sz="1400" dirty="0">
                 <a:solidFill>
                   <a:schemeClr val="accent6">
                     <a:lumMod val="50000"/>
                   </a:schemeClr>
                 </a:solidFill>
               </a:rPr>
-              <a:t>trouvées au total. </a:t>
-            </a:r>
-          </a:p>
-          <a:p>
+              <a:t>found. </a:t>
+            </a:r>
             <a:endParaRPr lang="fr-FR" sz="1400" dirty="0">
               <a:solidFill>
                 <a:schemeClr val="accent6">
@@ -9370,63 +9664,78 @@
           </a:p>
           <a:p>
             <a:r>
-              <a:rPr lang="fr-FR" sz="1400" dirty="0">
+              <a:rPr lang="en-US" sz="1400" dirty="0">
                 <a:solidFill>
                   <a:schemeClr val="accent6">
                     <a:lumMod val="50000"/>
                   </a:schemeClr>
                 </a:solidFill>
               </a:rPr>
-              <a:t>- Si on trouve un nombres de solutions </a:t>
-            </a:r>
-            <a:r>
-              <a:rPr lang="fr-FR" sz="1400" b="1" dirty="0">
+              <a:t>- </a:t>
+            </a:r>
+            <a:r>
+              <a:rPr lang="en-US" sz="1400" b="1" dirty="0">
                 <a:solidFill>
                   <a:schemeClr val="accent6">
                     <a:lumMod val="50000"/>
                   </a:schemeClr>
                 </a:solidFill>
               </a:rPr>
-              <a:t>supérieurs à 1</a:t>
-            </a:r>
-            <a:r>
-              <a:rPr lang="fr-FR" sz="1400" dirty="0">
+              <a:t>If more than one solution </a:t>
+            </a:r>
+            <a:r>
+              <a:rPr lang="en-US" sz="1400" dirty="0">
                 <a:solidFill>
                   <a:schemeClr val="accent6">
                     <a:lumMod val="50000"/>
                   </a:schemeClr>
                 </a:solidFill>
               </a:rPr>
-              <a:t>, Il ne peut donc pas être reconstitué de manière </a:t>
-            </a:r>
-            <a:r>
-              <a:rPr lang="fr-FR" sz="1400" b="1" dirty="0">
+              <a:t>is found, it cannot be reconstructed in a </a:t>
+            </a:r>
+            <a:r>
+              <a:rPr lang="en-US" sz="1400" b="1" dirty="0">
                 <a:solidFill>
                   <a:schemeClr val="accent6">
                     <a:lumMod val="50000"/>
                   </a:schemeClr>
                 </a:solidFill>
               </a:rPr>
-              <a:t>Unique</a:t>
-            </a:r>
-            <a:r>
-              <a:rPr lang="fr-FR" sz="1400" dirty="0">
+              <a:t>unique way</a:t>
+            </a:r>
+            <a:r>
+              <a:rPr lang="en-US" sz="1400" dirty="0">
                 <a:solidFill>
                   <a:schemeClr val="accent6">
                     <a:lumMod val="50000"/>
                   </a:schemeClr>
                 </a:solidFill>
               </a:rPr>
-              <a:t>: On retourne </a:t>
-            </a:r>
-            <a:r>
-              <a:rPr lang="fr-FR" sz="1400" dirty="0">
+              <a:t>: we return “</a:t>
+            </a:r>
+            <a:r>
+              <a:rPr lang="en-US" sz="1400" b="1" dirty="0">
                 <a:solidFill>
-                  <a:srgbClr val="C00000"/>
+                  <a:srgbClr val="FF0000"/>
                 </a:solidFill>
               </a:rPr>
-              <a:t>« NON »</a:t>
-            </a:r>
+              <a:t>NO</a:t>
+            </a:r>
+            <a:r>
+              <a:rPr lang="en-US" sz="1400" dirty="0">
+                <a:solidFill>
+                  <a:schemeClr val="accent6">
+                    <a:lumMod val="50000"/>
+                  </a:schemeClr>
+                </a:solidFill>
+              </a:rPr>
+              <a:t>.”</a:t>
+            </a:r>
+            <a:endParaRPr lang="fr-FR" sz="1400" dirty="0">
+              <a:solidFill>
+                <a:srgbClr val="C00000"/>
+              </a:solidFill>
+            </a:endParaRPr>
           </a:p>
         </p:txBody>
       </p:sp>
@@ -9500,7 +9809,7 @@
           <p:cNvPr id="6" name="Image 5">
             <a:extLst>
               <a:ext uri="{FF2B5EF4-FFF2-40B4-BE49-F238E27FC236}">
-                <a16:creationId xmlns:a16="http://schemas.microsoft.com/office/drawing/2014/main" id="{1165B7E0-3213-462E-BFA6-58C0C63C231E}"/>
+                <a16:creationId xmlns:a16="http://schemas.microsoft.com/office/drawing/2014/main" id="{CC744578-DD44-4BBF-8326-F2ED83747A74}"/>
               </a:ext>
             </a:extLst>
           </p:cNvPr>
@@ -9553,7 +9862,7 @@
           <a:p>
             <a:r>
               <a:rPr lang="fr-FR" dirty="0"/>
-              <a:t>PARCOURS DES POSSIBILITES :</a:t>
+              <a:t>PATH OF POSSIBILITIES:</a:t>
             </a:r>
           </a:p>
         </p:txBody>
@@ -9582,7 +9891,7 @@
             <a:pPr rtl="0"/>
             <a:fld id="{802FE938-1586-4780-B61A-DD3B60BAB93C}" type="datetime1">
               <a:rPr lang="fr-FR" smtClean="0"/>
-              <a:t>28/10/2020</a:t>
+              <a:t>08/01/2026</a:t>
             </a:fld>
             <a:endParaRPr lang="en-US"/>
           </a:p>
@@ -9621,25 +9930,32 @@
               <a:buChar char="-"/>
             </a:pPr>
             <a:r>
-              <a:rPr lang="fr-FR" sz="2000" dirty="0">
+              <a:rPr lang="en-US" sz="2000" dirty="0">
                 <a:solidFill>
                   <a:schemeClr val="accent6">
                     <a:lumMod val="50000"/>
                   </a:schemeClr>
                 </a:solidFill>
               </a:rPr>
-              <a:t>Si sur une ligne ou une colonne il y a autant de possibilités que de ‘-’ manquant : </a:t>
-            </a:r>
-            <a:r>
-              <a:rPr lang="fr-FR" sz="2000" b="1" dirty="0">
+              <a:t>If there are as many possibilities as missing “-” in a row or column: </a:t>
+            </a:r>
+            <a:r>
+              <a:rPr lang="en-US" sz="2000" b="1" dirty="0">
                 <a:solidFill>
                   <a:schemeClr val="accent6">
                     <a:lumMod val="50000"/>
                   </a:schemeClr>
                 </a:solidFill>
               </a:rPr>
-              <a:t>On remplace </a:t>
-            </a:r>
+              <a:t>Replace</a:t>
+            </a:r>
+            <a:endParaRPr lang="en-US" sz="2000" dirty="0">
+              <a:solidFill>
+                <a:schemeClr val="accent6">
+                  <a:lumMod val="50000"/>
+                </a:schemeClr>
+              </a:solidFill>
+            </a:endParaRPr>
           </a:p>
           <a:p>
             <a:pPr marL="342900" indent="-342900">
@@ -9647,24 +9963,24 @@
               <a:buChar char="-"/>
             </a:pPr>
             <a:r>
-              <a:rPr lang="fr-FR" sz="2000" dirty="0">
+              <a:rPr lang="en-US" sz="2000" dirty="0">
                 <a:solidFill>
                   <a:schemeClr val="accent6">
                     <a:lumMod val="50000"/>
                   </a:schemeClr>
                 </a:solidFill>
               </a:rPr>
-              <a:t>Si une possibilités n’est plus possible : </a:t>
-            </a:r>
-            <a:r>
-              <a:rPr lang="fr-FR" sz="2000" b="1" dirty="0">
+              <a:t>If a possibility is no longer possible: </a:t>
+            </a:r>
+            <a:r>
+              <a:rPr lang="en-US" sz="2000" b="1" dirty="0">
                 <a:solidFill>
                   <a:schemeClr val="accent6">
                     <a:lumMod val="50000"/>
                   </a:schemeClr>
                 </a:solidFill>
               </a:rPr>
-              <a:t>On la supprime</a:t>
+              <a:t>Remove</a:t>
             </a:r>
           </a:p>
           <a:p>
@@ -9673,25 +9989,60 @@
               <a:buChar char="-"/>
             </a:pPr>
             <a:r>
-              <a:rPr lang="fr-FR" sz="2000" dirty="0">
+              <a:rPr lang="en-US" sz="2000" dirty="0">
                 <a:solidFill>
                   <a:schemeClr val="accent6">
                     <a:lumMod val="50000"/>
                   </a:schemeClr>
                 </a:solidFill>
               </a:rPr>
-              <a:t>Si aucune simplification possible : </a:t>
-            </a:r>
-            <a:r>
-              <a:rPr lang="fr-FR" sz="2000" b="1" dirty="0">
+              <a:t>If no simplification is possible: </a:t>
+            </a:r>
+            <a:r>
+              <a:rPr lang="en-US" sz="2000" b="1" dirty="0">
                 <a:solidFill>
                   <a:schemeClr val="accent6">
                     <a:lumMod val="50000"/>
                   </a:schemeClr>
                 </a:solidFill>
               </a:rPr>
-              <a:t>On renvoie « NON »</a:t>
-            </a:r>
+              <a:t>Return</a:t>
+            </a:r>
+            <a:r>
+              <a:rPr lang="en-US" sz="2000" dirty="0">
+                <a:solidFill>
+                  <a:schemeClr val="accent6">
+                    <a:lumMod val="50000"/>
+                  </a:schemeClr>
+                </a:solidFill>
+              </a:rPr>
+              <a:t> “</a:t>
+            </a:r>
+            <a:r>
+              <a:rPr lang="en-US" sz="2000" b="1" dirty="0">
+                <a:solidFill>
+                  <a:srgbClr val="FF0000"/>
+                </a:solidFill>
+              </a:rPr>
+              <a:t>NO</a:t>
+            </a:r>
+            <a:r>
+              <a:rPr lang="en-US" sz="2000" dirty="0">
+                <a:solidFill>
+                  <a:schemeClr val="accent6">
+                    <a:lumMod val="50000"/>
+                  </a:schemeClr>
+                </a:solidFill>
+              </a:rPr>
+              <a:t>”</a:t>
+            </a:r>
+            <a:endParaRPr lang="fr-FR" sz="2000" b="1" dirty="0">
+              <a:solidFill>
+                <a:schemeClr val="accent6">
+                  <a:lumMod val="50000"/>
+                </a:schemeClr>
+              </a:solidFill>
+            </a:endParaRPr>
           </a:p>
         </p:txBody>
       </p:sp>
@@ -9730,7 +10081,7 @@
           <p:cNvPr id="7" name="ZoneTexte 6">
             <a:extLst>
               <a:ext uri="{FF2B5EF4-FFF2-40B4-BE49-F238E27FC236}">
-                <a16:creationId xmlns:a16="http://schemas.microsoft.com/office/drawing/2014/main" id="{04429973-B429-4CE4-A5F9-F4B2868B2BEE}"/>
+                <a16:creationId xmlns:a16="http://schemas.microsoft.com/office/drawing/2014/main" id="{B89ECBBD-B873-47ED-89B0-323E3B860D43}"/>
               </a:ext>
             </a:extLst>
           </p:cNvPr>
@@ -9755,7 +10106,7 @@
           <a:p>
             <a:r>
               <a:rPr lang="fr-FR" dirty="0"/>
-              <a:t>20/26</a:t>
+              <a:t>19/26</a:t>
             </a:r>
           </a:p>
         </p:txBody>
@@ -9763,7 +10114,7 @@
     </p:spTree>
     <p:extLst>
       <p:ext uri="{BB962C8B-B14F-4D97-AF65-F5344CB8AC3E}">
-        <p14:creationId xmlns:p14="http://schemas.microsoft.com/office/powerpoint/2010/main" val="2021952670"/>
+        <p14:creationId xmlns:p14="http://schemas.microsoft.com/office/powerpoint/2010/main" val="1148506109"/>
       </p:ext>
     </p:extLst>
   </p:cSld>
@@ -9795,7 +10146,7 @@
           <p:cNvPr id="6" name="Image 5">
             <a:extLst>
               <a:ext uri="{FF2B5EF4-FFF2-40B4-BE49-F238E27FC236}">
-                <a16:creationId xmlns:a16="http://schemas.microsoft.com/office/drawing/2014/main" id="{71B68D22-8CEE-4CF9-AFE6-DC129940EFA2}"/>
+                <a16:creationId xmlns:a16="http://schemas.microsoft.com/office/drawing/2014/main" id="{1165B7E0-3213-462E-BFA6-58C0C63C231E}"/>
               </a:ext>
             </a:extLst>
           </p:cNvPr>
@@ -9848,7 +10199,7 @@
           <a:p>
             <a:r>
               <a:rPr lang="fr-FR" dirty="0"/>
-              <a:t>PARCOURS DES POSSIBILITES :</a:t>
+              <a:t>PATH OF POSSIBILITIES:</a:t>
             </a:r>
           </a:p>
         </p:txBody>
@@ -9877,7 +10228,7 @@
             <a:pPr rtl="0"/>
             <a:fld id="{802FE938-1586-4780-B61A-DD3B60BAB93C}" type="datetime1">
               <a:rPr lang="fr-FR" smtClean="0"/>
-              <a:t>28/10/2020</a:t>
+              <a:t>08/01/2026</a:t>
             </a:fld>
             <a:endParaRPr lang="en-US"/>
           </a:p>
@@ -9916,25 +10267,32 @@
               <a:buChar char="-"/>
             </a:pPr>
             <a:r>
-              <a:rPr lang="fr-FR" sz="2000" dirty="0">
+              <a:rPr lang="en-US" sz="2000" dirty="0">
                 <a:solidFill>
                   <a:schemeClr val="accent6">
                     <a:lumMod val="50000"/>
                   </a:schemeClr>
                 </a:solidFill>
               </a:rPr>
-              <a:t>Si sur une ligne ou une colonne il y a autant de possibilités que de ‘-’ manquant : </a:t>
-            </a:r>
-            <a:r>
-              <a:rPr lang="fr-FR" sz="2000" b="1" dirty="0">
+              <a:t>If there are as many possibilities as missing “-” in a row or column: </a:t>
+            </a:r>
+            <a:r>
+              <a:rPr lang="en-US" sz="2000" b="1" dirty="0">
                 <a:solidFill>
                   <a:schemeClr val="accent6">
                     <a:lumMod val="50000"/>
                   </a:schemeClr>
                 </a:solidFill>
               </a:rPr>
-              <a:t>On remplace </a:t>
-            </a:r>
+              <a:t>Replace</a:t>
+            </a:r>
+            <a:endParaRPr lang="en-US" sz="2000" dirty="0">
+              <a:solidFill>
+                <a:schemeClr val="accent6">
+                  <a:lumMod val="50000"/>
+                </a:schemeClr>
+              </a:solidFill>
+            </a:endParaRPr>
           </a:p>
           <a:p>
             <a:pPr marL="342900" indent="-342900">
@@ -9942,24 +10300,24 @@
               <a:buChar char="-"/>
             </a:pPr>
             <a:r>
-              <a:rPr lang="fr-FR" sz="2000" dirty="0">
+              <a:rPr lang="en-US" sz="2000" dirty="0">
                 <a:solidFill>
                   <a:schemeClr val="accent6">
                     <a:lumMod val="50000"/>
                   </a:schemeClr>
                 </a:solidFill>
               </a:rPr>
-              <a:t>Si une possibilités n’est plus possible : </a:t>
-            </a:r>
-            <a:r>
-              <a:rPr lang="fr-FR" sz="2000" b="1" dirty="0">
+              <a:t>If a possibility is no longer possible: </a:t>
+            </a:r>
+            <a:r>
+              <a:rPr lang="en-US" sz="2000" b="1" dirty="0">
                 <a:solidFill>
                   <a:schemeClr val="accent6">
                     <a:lumMod val="50000"/>
                   </a:schemeClr>
                 </a:solidFill>
               </a:rPr>
-              <a:t>On la supprime</a:t>
+              <a:t>Remove</a:t>
             </a:r>
           </a:p>
           <a:p>
@@ -9968,25 +10326,60 @@
               <a:buChar char="-"/>
             </a:pPr>
             <a:r>
-              <a:rPr lang="fr-FR" sz="2000" dirty="0">
+              <a:rPr lang="en-US" sz="2000" dirty="0">
                 <a:solidFill>
                   <a:schemeClr val="accent6">
                     <a:lumMod val="50000"/>
                   </a:schemeClr>
                 </a:solidFill>
               </a:rPr>
-              <a:t>Si aucune simplification possible : </a:t>
-            </a:r>
-            <a:r>
-              <a:rPr lang="fr-FR" sz="2000" b="1" dirty="0">
+              <a:t>If no simplification is possible: </a:t>
+            </a:r>
+            <a:r>
+              <a:rPr lang="en-US" sz="2000" b="1" dirty="0">
                 <a:solidFill>
                   <a:schemeClr val="accent6">
                     <a:lumMod val="50000"/>
                   </a:schemeClr>
                 </a:solidFill>
               </a:rPr>
-              <a:t>On renvoie « NON »</a:t>
-            </a:r>
+              <a:t>Return</a:t>
+            </a:r>
+            <a:r>
+              <a:rPr lang="en-US" sz="2000" dirty="0">
+                <a:solidFill>
+                  <a:schemeClr val="accent6">
+                    <a:lumMod val="50000"/>
+                  </a:schemeClr>
+                </a:solidFill>
+              </a:rPr>
+              <a:t> “</a:t>
+            </a:r>
+            <a:r>
+              <a:rPr lang="en-US" sz="2000" b="1" dirty="0">
+                <a:solidFill>
+                  <a:srgbClr val="FF0000"/>
+                </a:solidFill>
+              </a:rPr>
+              <a:t>NO</a:t>
+            </a:r>
+            <a:r>
+              <a:rPr lang="en-US" sz="2000" dirty="0">
+                <a:solidFill>
+                  <a:schemeClr val="accent6">
+                    <a:lumMod val="50000"/>
+                  </a:schemeClr>
+                </a:solidFill>
+              </a:rPr>
+              <a:t>”</a:t>
+            </a:r>
+            <a:endParaRPr lang="fr-FR" sz="2000" b="1" dirty="0">
+              <a:solidFill>
+                <a:schemeClr val="accent6">
+                  <a:lumMod val="50000"/>
+                </a:schemeClr>
+              </a:solidFill>
+            </a:endParaRPr>
           </a:p>
         </p:txBody>
       </p:sp>
@@ -10025,7 +10418,7 @@
           <p:cNvPr id="7" name="ZoneTexte 6">
             <a:extLst>
               <a:ext uri="{FF2B5EF4-FFF2-40B4-BE49-F238E27FC236}">
-                <a16:creationId xmlns:a16="http://schemas.microsoft.com/office/drawing/2014/main" id="{9C2F79D0-2158-4718-A11F-05DA71C7996E}"/>
+                <a16:creationId xmlns:a16="http://schemas.microsoft.com/office/drawing/2014/main" id="{04429973-B429-4CE4-A5F9-F4B2868B2BEE}"/>
               </a:ext>
             </a:extLst>
           </p:cNvPr>
@@ -10050,7 +10443,7 @@
           <a:p>
             <a:r>
               <a:rPr lang="fr-FR" dirty="0"/>
-              <a:t>21/26</a:t>
+              <a:t>20/26</a:t>
             </a:r>
           </a:p>
         </p:txBody>
@@ -10058,7 +10451,7 @@
     </p:spTree>
     <p:extLst>
       <p:ext uri="{BB962C8B-B14F-4D97-AF65-F5344CB8AC3E}">
-        <p14:creationId xmlns:p14="http://schemas.microsoft.com/office/powerpoint/2010/main" val="3861187747"/>
+        <p14:creationId xmlns:p14="http://schemas.microsoft.com/office/powerpoint/2010/main" val="2021952670"/>
       </p:ext>
     </p:extLst>
   </p:cSld>
@@ -10143,7 +10536,7 @@
           <a:p>
             <a:r>
               <a:rPr lang="fr-FR" dirty="0"/>
-              <a:t>PARCOURS DES POSSIBILITES :</a:t>
+              <a:t>PATH OF POSSIBILITIES:</a:t>
             </a:r>
           </a:p>
         </p:txBody>
@@ -10172,7 +10565,7 @@
             <a:pPr rtl="0"/>
             <a:fld id="{802FE938-1586-4780-B61A-DD3B60BAB93C}" type="datetime1">
               <a:rPr lang="fr-FR" smtClean="0"/>
-              <a:t>28/10/2020</a:t>
+              <a:t>08/01/2026</a:t>
             </a:fld>
             <a:endParaRPr lang="en-US"/>
           </a:p>
@@ -10211,25 +10604,32 @@
               <a:buChar char="-"/>
             </a:pPr>
             <a:r>
-              <a:rPr lang="fr-FR" sz="2000" dirty="0">
+              <a:rPr lang="en-US" sz="2000" dirty="0">
                 <a:solidFill>
                   <a:schemeClr val="accent6">
                     <a:lumMod val="50000"/>
                   </a:schemeClr>
                 </a:solidFill>
               </a:rPr>
-              <a:t>Si sur une ligne ou une colonne il y a autant de possibilités que de ‘-’ manquant : </a:t>
-            </a:r>
-            <a:r>
-              <a:rPr lang="fr-FR" sz="2000" b="1" dirty="0">
+              <a:t>If there are as many possibilities as missing “-” in a row or column: </a:t>
+            </a:r>
+            <a:r>
+              <a:rPr lang="en-US" sz="2000" b="1" dirty="0">
                 <a:solidFill>
                   <a:schemeClr val="accent6">
                     <a:lumMod val="50000"/>
                   </a:schemeClr>
                 </a:solidFill>
               </a:rPr>
-              <a:t>On remplace </a:t>
-            </a:r>
+              <a:t>Replace</a:t>
+            </a:r>
+            <a:endParaRPr lang="en-US" sz="2000" dirty="0">
+              <a:solidFill>
+                <a:schemeClr val="accent6">
+                  <a:lumMod val="50000"/>
+                </a:schemeClr>
+              </a:solidFill>
+            </a:endParaRPr>
           </a:p>
           <a:p>
             <a:pPr marL="342900" indent="-342900">
@@ -10237,24 +10637,24 @@
               <a:buChar char="-"/>
             </a:pPr>
             <a:r>
-              <a:rPr lang="fr-FR" sz="2000" dirty="0">
+              <a:rPr lang="en-US" sz="2000" dirty="0">
                 <a:solidFill>
                   <a:schemeClr val="accent6">
                     <a:lumMod val="50000"/>
                   </a:schemeClr>
                 </a:solidFill>
               </a:rPr>
-              <a:t>Si une possibilités n’est plus possible : </a:t>
-            </a:r>
-            <a:r>
-              <a:rPr lang="fr-FR" sz="2000" b="1" dirty="0">
+              <a:t>If a possibility is no longer possible: </a:t>
+            </a:r>
+            <a:r>
+              <a:rPr lang="en-US" sz="2000" b="1" dirty="0">
                 <a:solidFill>
                   <a:schemeClr val="accent6">
                     <a:lumMod val="50000"/>
                   </a:schemeClr>
                 </a:solidFill>
               </a:rPr>
-              <a:t>On la supprime</a:t>
+              <a:t>Remove</a:t>
             </a:r>
           </a:p>
           <a:p>
@@ -10263,25 +10663,60 @@
               <a:buChar char="-"/>
             </a:pPr>
             <a:r>
-              <a:rPr lang="fr-FR" sz="2000" dirty="0">
+              <a:rPr lang="en-US" sz="2000" dirty="0">
                 <a:solidFill>
                   <a:schemeClr val="accent6">
                     <a:lumMod val="50000"/>
                   </a:schemeClr>
                 </a:solidFill>
               </a:rPr>
-              <a:t>Si aucune simplification possible : </a:t>
-            </a:r>
-            <a:r>
-              <a:rPr lang="fr-FR" sz="2000" b="1" dirty="0">
+              <a:t>If no simplification is possible: </a:t>
+            </a:r>
+            <a:r>
+              <a:rPr lang="en-US" sz="2000" b="1" dirty="0">
                 <a:solidFill>
                   <a:schemeClr val="accent6">
                     <a:lumMod val="50000"/>
                   </a:schemeClr>
                 </a:solidFill>
               </a:rPr>
-              <a:t>On renvoie « NON »</a:t>
-            </a:r>
+              <a:t>Return</a:t>
+            </a:r>
+            <a:r>
+              <a:rPr lang="en-US" sz="2000" dirty="0">
+                <a:solidFill>
+                  <a:schemeClr val="accent6">
+                    <a:lumMod val="50000"/>
+                  </a:schemeClr>
+                </a:solidFill>
+              </a:rPr>
+              <a:t> “</a:t>
+            </a:r>
+            <a:r>
+              <a:rPr lang="en-US" sz="2000" b="1" dirty="0">
+                <a:solidFill>
+                  <a:srgbClr val="FF0000"/>
+                </a:solidFill>
+              </a:rPr>
+              <a:t>NO</a:t>
+            </a:r>
+            <a:r>
+              <a:rPr lang="en-US" sz="2000" dirty="0">
+                <a:solidFill>
+                  <a:schemeClr val="accent6">
+                    <a:lumMod val="50000"/>
+                  </a:schemeClr>
+                </a:solidFill>
+              </a:rPr>
+              <a:t>”</a:t>
+            </a:r>
+            <a:endParaRPr lang="fr-FR" sz="2000" b="1" dirty="0">
+              <a:solidFill>
+                <a:schemeClr val="accent6">
+                  <a:lumMod val="50000"/>
+                </a:schemeClr>
+              </a:solidFill>
+            </a:endParaRPr>
           </a:p>
         </p:txBody>
       </p:sp>
@@ -10315,51 +10750,12 @@
           </a:prstGeom>
         </p:spPr>
       </p:pic>
-      <p:pic>
-        <p:nvPicPr>
-          <p:cNvPr id="5" name="Graphique 4" descr="Fermer">
-            <a:extLst>
-              <a:ext uri="{FF2B5EF4-FFF2-40B4-BE49-F238E27FC236}">
-                <a16:creationId xmlns:a16="http://schemas.microsoft.com/office/drawing/2014/main" id="{D8BD312D-EAC5-4D8E-AB04-FEDB63EDF34B}"/>
-              </a:ext>
-            </a:extLst>
-          </p:cNvPr>
-          <p:cNvPicPr>
-            <a:picLocks noChangeAspect="1"/>
-          </p:cNvPicPr>
-          <p:nvPr/>
-        </p:nvPicPr>
-        <p:blipFill>
-          <a:blip r:embed="rId4">
-            <a:extLst>
-              <a:ext uri="{28A0092B-C50C-407E-A947-70E740481C1C}">
-                <a14:useLocalDpi xmlns:a14="http://schemas.microsoft.com/office/drawing/2010/main" val="0"/>
-              </a:ext>
-              <a:ext uri="{96DAC541-7B7A-43D3-8B79-37D633B846F1}">
-                <asvg:svgBlip xmlns:asvg="http://schemas.microsoft.com/office/drawing/2016/SVG/main" r:embed="rId5"/>
-              </a:ext>
-            </a:extLst>
-          </a:blip>
-          <a:stretch>
-            <a:fillRect/>
-          </a:stretch>
-        </p:blipFill>
-        <p:spPr>
-          <a:xfrm>
-            <a:off x="5800725" y="2353987"/>
-            <a:ext cx="2991128" cy="2991128"/>
-          </a:xfrm>
-          <a:prstGeom prst="rect">
-            <a:avLst/>
-          </a:prstGeom>
-        </p:spPr>
-      </p:pic>
-      <p:sp>
-        <p:nvSpPr>
-          <p:cNvPr id="10" name="ZoneTexte 9">
-            <a:extLst>
-              <a:ext uri="{FF2B5EF4-FFF2-40B4-BE49-F238E27FC236}">
-                <a16:creationId xmlns:a16="http://schemas.microsoft.com/office/drawing/2014/main" id="{71050E7E-DFA6-413E-8342-B675495EBDBE}"/>
+      <p:sp>
+        <p:nvSpPr>
+          <p:cNvPr id="7" name="ZoneTexte 6">
+            <a:extLst>
+              <a:ext uri="{FF2B5EF4-FFF2-40B4-BE49-F238E27FC236}">
+                <a16:creationId xmlns:a16="http://schemas.microsoft.com/office/drawing/2014/main" id="{9C2F79D0-2158-4718-A11F-05DA71C7996E}"/>
               </a:ext>
             </a:extLst>
           </p:cNvPr>
@@ -10384,7 +10780,7 @@
           <a:p>
             <a:r>
               <a:rPr lang="fr-FR" dirty="0"/>
-              <a:t>22/26</a:t>
+              <a:t>21/26</a:t>
             </a:r>
           </a:p>
         </p:txBody>
@@ -10392,7 +10788,7 @@
     </p:spTree>
     <p:extLst>
       <p:ext uri="{BB962C8B-B14F-4D97-AF65-F5344CB8AC3E}">
-        <p14:creationId xmlns:p14="http://schemas.microsoft.com/office/powerpoint/2010/main" val="4293938183"/>
+        <p14:creationId xmlns:p14="http://schemas.microsoft.com/office/powerpoint/2010/main" val="3861187747"/>
       </p:ext>
     </p:extLst>
   </p:cSld>
@@ -10419,70 +10815,12 @@
           <a:chExt cx="0" cy="0"/>
         </a:xfrm>
       </p:grpSpPr>
-      <p:sp>
-        <p:nvSpPr>
-          <p:cNvPr id="2" name="Titre 1">
-            <a:extLst>
-              <a:ext uri="{FF2B5EF4-FFF2-40B4-BE49-F238E27FC236}">
-                <a16:creationId xmlns:a16="http://schemas.microsoft.com/office/drawing/2014/main" id="{20F54278-3CCA-4586-A4EC-FFFF9B165776}"/>
-              </a:ext>
-            </a:extLst>
-          </p:cNvPr>
-          <p:cNvSpPr>
-            <a:spLocks noGrp="1"/>
-          </p:cNvSpPr>
-          <p:nvPr>
-            <p:ph type="title"/>
-          </p:nvPr>
-        </p:nvSpPr>
-        <p:spPr/>
-        <p:txBody>
-          <a:bodyPr/>
-          <a:lstStyle/>
-          <a:p>
-            <a:r>
-              <a:rPr lang="fr-FR" dirty="0"/>
-              <a:t>COMPARAISON AVEC L’Algorithme de base</a:t>
-            </a:r>
-          </a:p>
-        </p:txBody>
-      </p:sp>
-      <p:sp>
-        <p:nvSpPr>
-          <p:cNvPr id="4" name="Espace réservé de la date 3">
-            <a:extLst>
-              <a:ext uri="{FF2B5EF4-FFF2-40B4-BE49-F238E27FC236}">
-                <a16:creationId xmlns:a16="http://schemas.microsoft.com/office/drawing/2014/main" id="{BE9F0361-7F0C-491B-8F40-7DF4889F1004}"/>
-              </a:ext>
-            </a:extLst>
-          </p:cNvPr>
-          <p:cNvSpPr>
-            <a:spLocks noGrp="1"/>
-          </p:cNvSpPr>
-          <p:nvPr>
-            <p:ph type="dt" sz="half" idx="10"/>
-          </p:nvPr>
-        </p:nvSpPr>
-        <p:spPr/>
-        <p:txBody>
-          <a:bodyPr/>
-          <a:lstStyle/>
-          <a:p>
-            <a:pPr rtl="0"/>
-            <a:fld id="{802FE938-1586-4780-B61A-DD3B60BAB93C}" type="datetime1">
-              <a:rPr lang="fr-FR" smtClean="0"/>
-              <a:t>28/10/2020</a:t>
-            </a:fld>
-            <a:endParaRPr lang="en-US"/>
-          </a:p>
-        </p:txBody>
-      </p:sp>
       <p:pic>
         <p:nvPicPr>
-          <p:cNvPr id="5" name="Image 4">
-            <a:extLst>
-              <a:ext uri="{FF2B5EF4-FFF2-40B4-BE49-F238E27FC236}">
-                <a16:creationId xmlns:a16="http://schemas.microsoft.com/office/drawing/2014/main" id="{7EE8BF50-57E0-4634-B3E6-0A3BCD71FA59}"/>
+          <p:cNvPr id="6" name="Image 5">
+            <a:extLst>
+              <a:ext uri="{FF2B5EF4-FFF2-40B4-BE49-F238E27FC236}">
+                <a16:creationId xmlns:a16="http://schemas.microsoft.com/office/drawing/2014/main" id="{71B68D22-8CEE-4CF9-AFE6-DC129940EFA2}"/>
               </a:ext>
             </a:extLst>
           </p:cNvPr>
@@ -10499,20 +10837,232 @@
         </p:blipFill>
         <p:spPr>
           <a:xfrm>
-            <a:off x="1305738" y="2436195"/>
-            <a:ext cx="9586791" cy="358171"/>
+            <a:off x="1451577" y="2401612"/>
+            <a:ext cx="1698538" cy="2642170"/>
           </a:xfrm>
           <a:prstGeom prst="rect">
             <a:avLst/>
           </a:prstGeom>
         </p:spPr>
       </p:pic>
+      <p:sp>
+        <p:nvSpPr>
+          <p:cNvPr id="2" name="Titre 1">
+            <a:extLst>
+              <a:ext uri="{FF2B5EF4-FFF2-40B4-BE49-F238E27FC236}">
+                <a16:creationId xmlns:a16="http://schemas.microsoft.com/office/drawing/2014/main" id="{3828A403-6528-4DCF-AF3C-ED7DACF94EA6}"/>
+              </a:ext>
+            </a:extLst>
+          </p:cNvPr>
+          <p:cNvSpPr>
+            <a:spLocks noGrp="1"/>
+          </p:cNvSpPr>
+          <p:nvPr>
+            <p:ph type="title"/>
+          </p:nvPr>
+        </p:nvSpPr>
+        <p:spPr>
+          <a:xfrm>
+            <a:off x="1451577" y="204444"/>
+            <a:ext cx="9603275" cy="1049235"/>
+          </a:xfrm>
+        </p:spPr>
+        <p:txBody>
+          <a:bodyPr/>
+          <a:lstStyle/>
+          <a:p>
+            <a:r>
+              <a:rPr lang="fr-FR" dirty="0"/>
+              <a:t>PATH OF POSSIBILITIES:</a:t>
+            </a:r>
+          </a:p>
+        </p:txBody>
+      </p:sp>
+      <p:sp>
+        <p:nvSpPr>
+          <p:cNvPr id="4" name="Espace réservé de la date 3">
+            <a:extLst>
+              <a:ext uri="{FF2B5EF4-FFF2-40B4-BE49-F238E27FC236}">
+                <a16:creationId xmlns:a16="http://schemas.microsoft.com/office/drawing/2014/main" id="{665FEA36-3891-456D-AF15-9C0E5226D650}"/>
+              </a:ext>
+            </a:extLst>
+          </p:cNvPr>
+          <p:cNvSpPr>
+            <a:spLocks noGrp="1"/>
+          </p:cNvSpPr>
+          <p:nvPr>
+            <p:ph type="dt" sz="half" idx="10"/>
+          </p:nvPr>
+        </p:nvSpPr>
+        <p:spPr/>
+        <p:txBody>
+          <a:bodyPr/>
+          <a:lstStyle/>
+          <a:p>
+            <a:pPr rtl="0"/>
+            <a:fld id="{802FE938-1586-4780-B61A-DD3B60BAB93C}" type="datetime1">
+              <a:rPr lang="fr-FR" smtClean="0"/>
+              <a:t>08/01/2026</a:t>
+            </a:fld>
+            <a:endParaRPr lang="en-US"/>
+          </a:p>
+        </p:txBody>
+      </p:sp>
+      <p:sp>
+        <p:nvSpPr>
+          <p:cNvPr id="8" name="ZoneTexte 7">
+            <a:extLst>
+              <a:ext uri="{FF2B5EF4-FFF2-40B4-BE49-F238E27FC236}">
+                <a16:creationId xmlns:a16="http://schemas.microsoft.com/office/drawing/2014/main" id="{8B78BB34-4B22-4F6C-A5D7-9F5EDC3F12A3}"/>
+              </a:ext>
+            </a:extLst>
+          </p:cNvPr>
+          <p:cNvSpPr txBox="1"/>
+          <p:nvPr/>
+        </p:nvSpPr>
+        <p:spPr>
+          <a:xfrm>
+            <a:off x="585926" y="771384"/>
+            <a:ext cx="10468926" cy="1015663"/>
+          </a:xfrm>
+          <a:prstGeom prst="rect">
+            <a:avLst/>
+          </a:prstGeom>
+          <a:noFill/>
+        </p:spPr>
+        <p:txBody>
+          <a:bodyPr wrap="square" rtlCol="0">
+            <a:spAutoFit/>
+          </a:bodyPr>
+          <a:lstStyle/>
+          <a:p>
+            <a:pPr marL="342900" indent="-342900">
+              <a:buFontTx/>
+              <a:buChar char="-"/>
+            </a:pPr>
+            <a:r>
+              <a:rPr lang="en-US" sz="2000" dirty="0">
+                <a:solidFill>
+                  <a:schemeClr val="accent6">
+                    <a:lumMod val="50000"/>
+                  </a:schemeClr>
+                </a:solidFill>
+              </a:rPr>
+              <a:t>If there are as many possibilities as missing “-” in a row or column: </a:t>
+            </a:r>
+            <a:r>
+              <a:rPr lang="en-US" sz="2000" b="1" dirty="0">
+                <a:solidFill>
+                  <a:schemeClr val="accent6">
+                    <a:lumMod val="50000"/>
+                  </a:schemeClr>
+                </a:solidFill>
+              </a:rPr>
+              <a:t>Replace</a:t>
+            </a:r>
+            <a:endParaRPr lang="en-US" sz="2000" dirty="0">
+              <a:solidFill>
+                <a:schemeClr val="accent6">
+                  <a:lumMod val="50000"/>
+                </a:schemeClr>
+              </a:solidFill>
+            </a:endParaRPr>
+          </a:p>
+          <a:p>
+            <a:pPr marL="342900" indent="-342900">
+              <a:buFontTx/>
+              <a:buChar char="-"/>
+            </a:pPr>
+            <a:r>
+              <a:rPr lang="en-US" sz="2000" dirty="0">
+                <a:solidFill>
+                  <a:schemeClr val="accent6">
+                    <a:lumMod val="50000"/>
+                  </a:schemeClr>
+                </a:solidFill>
+              </a:rPr>
+              <a:t>If a possibility is no longer possible: </a:t>
+            </a:r>
+            <a:r>
+              <a:rPr lang="en-US" sz="2000" b="1" dirty="0">
+                <a:solidFill>
+                  <a:schemeClr val="accent6">
+                    <a:lumMod val="50000"/>
+                  </a:schemeClr>
+                </a:solidFill>
+              </a:rPr>
+              <a:t>Remove</a:t>
+            </a:r>
+          </a:p>
+          <a:p>
+            <a:pPr marL="342900" indent="-342900">
+              <a:buFontTx/>
+              <a:buChar char="-"/>
+            </a:pPr>
+            <a:r>
+              <a:rPr lang="en-US" sz="2000" dirty="0">
+                <a:solidFill>
+                  <a:schemeClr val="accent6">
+                    <a:lumMod val="50000"/>
+                  </a:schemeClr>
+                </a:solidFill>
+              </a:rPr>
+              <a:t>If no simplification is possible: </a:t>
+            </a:r>
+            <a:r>
+              <a:rPr lang="en-US" sz="2000" b="1" dirty="0">
+                <a:solidFill>
+                  <a:schemeClr val="accent6">
+                    <a:lumMod val="50000"/>
+                  </a:schemeClr>
+                </a:solidFill>
+              </a:rPr>
+              <a:t>Return</a:t>
+            </a:r>
+            <a:r>
+              <a:rPr lang="en-US" sz="2000" dirty="0">
+                <a:solidFill>
+                  <a:schemeClr val="accent6">
+                    <a:lumMod val="50000"/>
+                  </a:schemeClr>
+                </a:solidFill>
+              </a:rPr>
+              <a:t> “</a:t>
+            </a:r>
+            <a:r>
+              <a:rPr lang="en-US" sz="2000" b="1" dirty="0">
+                <a:solidFill>
+                  <a:srgbClr val="FF0000"/>
+                </a:solidFill>
+              </a:rPr>
+              <a:t>NO</a:t>
+            </a:r>
+            <a:r>
+              <a:rPr lang="en-US" sz="2000" dirty="0">
+                <a:solidFill>
+                  <a:schemeClr val="accent6">
+                    <a:lumMod val="50000"/>
+                  </a:schemeClr>
+                </a:solidFill>
+              </a:rPr>
+              <a:t>”</a:t>
+            </a:r>
+            <a:endParaRPr lang="fr-FR" sz="2000" b="1" dirty="0">
+              <a:solidFill>
+                <a:schemeClr val="accent6">
+                  <a:lumMod val="50000"/>
+                </a:schemeClr>
+              </a:solidFill>
+            </a:endParaRPr>
+          </a:p>
+        </p:txBody>
+      </p:sp>
       <p:pic>
         <p:nvPicPr>
-          <p:cNvPr id="6" name="Image 5">
-            <a:extLst>
-              <a:ext uri="{FF2B5EF4-FFF2-40B4-BE49-F238E27FC236}">
-                <a16:creationId xmlns:a16="http://schemas.microsoft.com/office/drawing/2014/main" id="{DB7FA95C-3277-4C89-8CDA-D77E04CD5253}"/>
+          <p:cNvPr id="9" name="Image 8">
+            <a:extLst>
+              <a:ext uri="{FF2B5EF4-FFF2-40B4-BE49-F238E27FC236}">
+                <a16:creationId xmlns:a16="http://schemas.microsoft.com/office/drawing/2014/main" id="{E6D59B5A-FA17-4928-A395-011A3EEC9F32}"/>
               </a:ext>
             </a:extLst>
           </p:cNvPr>
@@ -10529,8 +11079,8 @@
         </p:blipFill>
         <p:spPr>
           <a:xfrm>
-            <a:off x="1305738" y="4190527"/>
-            <a:ext cx="9579170" cy="327688"/>
+            <a:off x="5399859" y="2020055"/>
+            <a:ext cx="3904636" cy="3904636"/>
           </a:xfrm>
           <a:prstGeom prst="rect">
             <a:avLst/>
@@ -10539,10 +11089,10 @@
       </p:pic>
       <p:pic>
         <p:nvPicPr>
-          <p:cNvPr id="7" name="Image 6">
-            <a:extLst>
-              <a:ext uri="{FF2B5EF4-FFF2-40B4-BE49-F238E27FC236}">
-                <a16:creationId xmlns:a16="http://schemas.microsoft.com/office/drawing/2014/main" id="{7649C078-889E-46AE-9337-C5899A90A070}"/>
+          <p:cNvPr id="5" name="Graphique 4" descr="Fermer">
+            <a:extLst>
+              <a:ext uri="{FF2B5EF4-FFF2-40B4-BE49-F238E27FC236}">
+                <a16:creationId xmlns:a16="http://schemas.microsoft.com/office/drawing/2014/main" id="{D8BD312D-EAC5-4D8E-AB04-FEDB63EDF34B}"/>
               </a:ext>
             </a:extLst>
           </p:cNvPr>
@@ -10552,335 +11102,36 @@
           <p:nvPr/>
         </p:nvPicPr>
         <p:blipFill>
-          <a:blip r:embed="rId4"/>
+          <a:blip r:embed="rId4">
+            <a:extLst>
+              <a:ext uri="{28A0092B-C50C-407E-A947-70E740481C1C}">
+                <a14:useLocalDpi xmlns:a14="http://schemas.microsoft.com/office/drawing/2010/main" val="0"/>
+              </a:ext>
+              <a:ext uri="{96DAC541-7B7A-43D3-8B79-37D633B846F1}">
+                <asvg:svgBlip xmlns:asvg="http://schemas.microsoft.com/office/drawing/2016/SVG/main" r:embed="rId5"/>
+              </a:ext>
+            </a:extLst>
+          </a:blip>
           <a:stretch>
             <a:fillRect/>
           </a:stretch>
         </p:blipFill>
         <p:spPr>
           <a:xfrm>
-            <a:off x="1305738" y="4653697"/>
-            <a:ext cx="9083827" cy="350550"/>
+            <a:off x="5800725" y="2353987"/>
+            <a:ext cx="2991128" cy="2991128"/>
           </a:xfrm>
           <a:prstGeom prst="rect">
             <a:avLst/>
           </a:prstGeom>
         </p:spPr>
       </p:pic>
-      <p:pic>
-        <p:nvPicPr>
-          <p:cNvPr id="8" name="Image 7">
-            <a:extLst>
-              <a:ext uri="{FF2B5EF4-FFF2-40B4-BE49-F238E27FC236}">
-                <a16:creationId xmlns:a16="http://schemas.microsoft.com/office/drawing/2014/main" id="{8227CBC1-CDE6-4ED1-847E-731D172EE4F4}"/>
-              </a:ext>
-            </a:extLst>
-          </p:cNvPr>
-          <p:cNvPicPr>
-            <a:picLocks noChangeAspect="1"/>
-          </p:cNvPicPr>
-          <p:nvPr/>
-        </p:nvPicPr>
-        <p:blipFill>
-          <a:blip r:embed="rId5"/>
-          <a:stretch>
-            <a:fillRect/>
-          </a:stretch>
-        </p:blipFill>
-        <p:spPr>
-          <a:xfrm>
-            <a:off x="1305738" y="2899365"/>
-            <a:ext cx="8649450" cy="358171"/>
-          </a:xfrm>
-          <a:prstGeom prst="rect">
-            <a:avLst/>
-          </a:prstGeom>
-        </p:spPr>
-      </p:pic>
-      <p:sp>
-        <p:nvSpPr>
-          <p:cNvPr id="9" name="ZoneTexte 8">
-            <a:extLst>
-              <a:ext uri="{FF2B5EF4-FFF2-40B4-BE49-F238E27FC236}">
-                <a16:creationId xmlns:a16="http://schemas.microsoft.com/office/drawing/2014/main" id="{797B46FC-FC7D-4BD3-AD30-67E73DC0629A}"/>
-              </a:ext>
-            </a:extLst>
-          </p:cNvPr>
-          <p:cNvSpPr txBox="1"/>
-          <p:nvPr/>
-        </p:nvSpPr>
-        <p:spPr>
-          <a:xfrm>
-            <a:off x="1472934" y="3685713"/>
-            <a:ext cx="6081204" cy="369332"/>
-          </a:xfrm>
-          <a:prstGeom prst="rect">
-            <a:avLst/>
-          </a:prstGeom>
-          <a:noFill/>
-        </p:spPr>
-        <p:txBody>
-          <a:bodyPr wrap="square" rtlCol="0">
-            <a:spAutoFit/>
-          </a:bodyPr>
-          <a:lstStyle/>
-          <a:p>
-            <a:r>
-              <a:rPr lang="fr-FR" dirty="0"/>
-              <a:t>Algorithme de base :</a:t>
-            </a:r>
-          </a:p>
-        </p:txBody>
-      </p:sp>
       <p:sp>
         <p:nvSpPr>
           <p:cNvPr id="10" name="ZoneTexte 9">
             <a:extLst>
               <a:ext uri="{FF2B5EF4-FFF2-40B4-BE49-F238E27FC236}">
-                <a16:creationId xmlns:a16="http://schemas.microsoft.com/office/drawing/2014/main" id="{B4B3DC00-4DFC-4B25-A339-2EC34FA8EB83}"/>
-              </a:ext>
-            </a:extLst>
-          </p:cNvPr>
-          <p:cNvSpPr txBox="1"/>
-          <p:nvPr/>
-        </p:nvSpPr>
-        <p:spPr>
-          <a:xfrm>
-            <a:off x="1472934" y="2094021"/>
-            <a:ext cx="6081204" cy="369332"/>
-          </a:xfrm>
-          <a:prstGeom prst="rect">
-            <a:avLst/>
-          </a:prstGeom>
-          <a:noFill/>
-        </p:spPr>
-        <p:txBody>
-          <a:bodyPr wrap="square" rtlCol="0">
-            <a:spAutoFit/>
-          </a:bodyPr>
-          <a:lstStyle/>
-          <a:p>
-            <a:r>
-              <a:rPr lang="fr-FR" dirty="0"/>
-              <a:t>Mon algorithme : </a:t>
-            </a:r>
-          </a:p>
-        </p:txBody>
-      </p:sp>
-      <p:sp>
-        <p:nvSpPr>
-          <p:cNvPr id="15" name="Ellipse 14">
-            <a:extLst>
-              <a:ext uri="{FF2B5EF4-FFF2-40B4-BE49-F238E27FC236}">
-                <a16:creationId xmlns:a16="http://schemas.microsoft.com/office/drawing/2014/main" id="{FB3A9530-B295-4B6C-972A-AE19BD367AE9}"/>
-              </a:ext>
-            </a:extLst>
-          </p:cNvPr>
-          <p:cNvSpPr/>
-          <p:nvPr/>
-        </p:nvSpPr>
-        <p:spPr>
-          <a:xfrm>
-            <a:off x="7375105" y="2430614"/>
-            <a:ext cx="514905" cy="369332"/>
-          </a:xfrm>
-          <a:prstGeom prst="ellipse">
-            <a:avLst/>
-          </a:prstGeom>
-          <a:noFill/>
-          <a:ln>
-            <a:solidFill>
-              <a:srgbClr val="FF0000"/>
-            </a:solidFill>
-          </a:ln>
-        </p:spPr>
-        <p:style>
-          <a:lnRef idx="2">
-            <a:schemeClr val="accent1">
-              <a:shade val="50000"/>
-            </a:schemeClr>
-          </a:lnRef>
-          <a:fillRef idx="1">
-            <a:schemeClr val="accent1"/>
-          </a:fillRef>
-          <a:effectRef idx="0">
-            <a:schemeClr val="accent1"/>
-          </a:effectRef>
-          <a:fontRef idx="minor">
-            <a:schemeClr val="lt1"/>
-          </a:fontRef>
-        </p:style>
-        <p:txBody>
-          <a:bodyPr rtlCol="0" anchor="ctr"/>
-          <a:lstStyle/>
-          <a:p>
-            <a:pPr algn="ctr"/>
-            <a:endParaRPr lang="fr-FR"/>
-          </a:p>
-        </p:txBody>
-      </p:sp>
-      <p:sp>
-        <p:nvSpPr>
-          <p:cNvPr id="16" name="Ellipse 15">
-            <a:extLst>
-              <a:ext uri="{FF2B5EF4-FFF2-40B4-BE49-F238E27FC236}">
-                <a16:creationId xmlns:a16="http://schemas.microsoft.com/office/drawing/2014/main" id="{4C69E562-8FBF-4BB6-A1BA-465BF1AD2AA0}"/>
-              </a:ext>
-            </a:extLst>
-          </p:cNvPr>
-          <p:cNvSpPr/>
-          <p:nvPr/>
-        </p:nvSpPr>
-        <p:spPr>
-          <a:xfrm>
-            <a:off x="6860200" y="2893784"/>
-            <a:ext cx="514905" cy="369332"/>
-          </a:xfrm>
-          <a:prstGeom prst="ellipse">
-            <a:avLst/>
-          </a:prstGeom>
-          <a:noFill/>
-          <a:ln>
-            <a:solidFill>
-              <a:srgbClr val="FF0000"/>
-            </a:solidFill>
-          </a:ln>
-        </p:spPr>
-        <p:style>
-          <a:lnRef idx="2">
-            <a:schemeClr val="accent1">
-              <a:shade val="50000"/>
-            </a:schemeClr>
-          </a:lnRef>
-          <a:fillRef idx="1">
-            <a:schemeClr val="accent1"/>
-          </a:fillRef>
-          <a:effectRef idx="0">
-            <a:schemeClr val="accent1"/>
-          </a:effectRef>
-          <a:fontRef idx="minor">
-            <a:schemeClr val="lt1"/>
-          </a:fontRef>
-        </p:style>
-        <p:txBody>
-          <a:bodyPr rtlCol="0" anchor="ctr"/>
-          <a:lstStyle/>
-          <a:p>
-            <a:pPr algn="ctr"/>
-            <a:endParaRPr lang="fr-FR"/>
-          </a:p>
-        </p:txBody>
-      </p:sp>
-      <p:sp>
-        <p:nvSpPr>
-          <p:cNvPr id="17" name="Ellipse 16">
-            <a:extLst>
-              <a:ext uri="{FF2B5EF4-FFF2-40B4-BE49-F238E27FC236}">
-                <a16:creationId xmlns:a16="http://schemas.microsoft.com/office/drawing/2014/main" id="{609B8807-0ED2-4712-A8EF-FD7F605EF8D8}"/>
-              </a:ext>
-            </a:extLst>
-          </p:cNvPr>
-          <p:cNvSpPr/>
-          <p:nvPr/>
-        </p:nvSpPr>
-        <p:spPr>
-          <a:xfrm>
-            <a:off x="7375104" y="4169705"/>
-            <a:ext cx="514905" cy="369332"/>
-          </a:xfrm>
-          <a:prstGeom prst="ellipse">
-            <a:avLst/>
-          </a:prstGeom>
-          <a:noFill/>
-          <a:ln>
-            <a:solidFill>
-              <a:srgbClr val="FF0000"/>
-            </a:solidFill>
-          </a:ln>
-        </p:spPr>
-        <p:style>
-          <a:lnRef idx="2">
-            <a:schemeClr val="accent1">
-              <a:shade val="50000"/>
-            </a:schemeClr>
-          </a:lnRef>
-          <a:fillRef idx="1">
-            <a:schemeClr val="accent1"/>
-          </a:fillRef>
-          <a:effectRef idx="0">
-            <a:schemeClr val="accent1"/>
-          </a:effectRef>
-          <a:fontRef idx="minor">
-            <a:schemeClr val="lt1"/>
-          </a:fontRef>
-        </p:style>
-        <p:txBody>
-          <a:bodyPr rtlCol="0" anchor="ctr"/>
-          <a:lstStyle/>
-          <a:p>
-            <a:pPr algn="ctr"/>
-            <a:endParaRPr lang="fr-FR"/>
-          </a:p>
-        </p:txBody>
-      </p:sp>
-      <p:sp>
-        <p:nvSpPr>
-          <p:cNvPr id="18" name="Ellipse 17">
-            <a:extLst>
-              <a:ext uri="{FF2B5EF4-FFF2-40B4-BE49-F238E27FC236}">
-                <a16:creationId xmlns:a16="http://schemas.microsoft.com/office/drawing/2014/main" id="{BDD0019D-A98F-40F6-A492-AA29A6CC70F7}"/>
-              </a:ext>
-            </a:extLst>
-          </p:cNvPr>
-          <p:cNvSpPr/>
-          <p:nvPr/>
-        </p:nvSpPr>
-        <p:spPr>
-          <a:xfrm>
-            <a:off x="6923824" y="4619684"/>
-            <a:ext cx="514905" cy="369332"/>
-          </a:xfrm>
-          <a:prstGeom prst="ellipse">
-            <a:avLst/>
-          </a:prstGeom>
-          <a:noFill/>
-          <a:ln>
-            <a:solidFill>
-              <a:srgbClr val="FF0000"/>
-            </a:solidFill>
-          </a:ln>
-        </p:spPr>
-        <p:style>
-          <a:lnRef idx="2">
-            <a:schemeClr val="accent1">
-              <a:shade val="50000"/>
-            </a:schemeClr>
-          </a:lnRef>
-          <a:fillRef idx="1">
-            <a:schemeClr val="accent1"/>
-          </a:fillRef>
-          <a:effectRef idx="0">
-            <a:schemeClr val="accent1"/>
-          </a:effectRef>
-          <a:fontRef idx="minor">
-            <a:schemeClr val="lt1"/>
-          </a:fontRef>
-        </p:style>
-        <p:txBody>
-          <a:bodyPr rtlCol="0" anchor="ctr"/>
-          <a:lstStyle/>
-          <a:p>
-            <a:pPr algn="ctr"/>
-            <a:endParaRPr lang="fr-FR"/>
-          </a:p>
-        </p:txBody>
-      </p:sp>
-      <p:sp>
-        <p:nvSpPr>
-          <p:cNvPr id="14" name="ZoneTexte 13">
-            <a:extLst>
-              <a:ext uri="{FF2B5EF4-FFF2-40B4-BE49-F238E27FC236}">
-                <a16:creationId xmlns:a16="http://schemas.microsoft.com/office/drawing/2014/main" id="{05875E9F-CC4A-4567-A1C2-AF9AE2E6F745}"/>
+                <a16:creationId xmlns:a16="http://schemas.microsoft.com/office/drawing/2014/main" id="{71050E7E-DFA6-413E-8342-B675495EBDBE}"/>
               </a:ext>
             </a:extLst>
           </p:cNvPr>
@@ -10905,7 +11156,7 @@
           <a:p>
             <a:r>
               <a:rPr lang="fr-FR" dirty="0"/>
-              <a:t>23/26</a:t>
+              <a:t>22/26</a:t>
             </a:r>
           </a:p>
         </p:txBody>
@@ -10913,7 +11164,7 @@
     </p:spTree>
     <p:extLst>
       <p:ext uri="{BB962C8B-B14F-4D97-AF65-F5344CB8AC3E}">
-        <p14:creationId xmlns:p14="http://schemas.microsoft.com/office/powerpoint/2010/main" val="1410342999"/>
+        <p14:creationId xmlns:p14="http://schemas.microsoft.com/office/powerpoint/2010/main" val="4293938183"/>
       </p:ext>
     </p:extLst>
   </p:cSld>
@@ -10962,9 +11213,10 @@
           <a:lstStyle/>
           <a:p>
             <a:r>
-              <a:rPr lang="fr-FR" dirty="0"/>
-              <a:t>COMPARAISON AVEC L’Algorithme de base</a:t>
-            </a:r>
+              <a:rPr lang="en-US" dirty="0"/>
+              <a:t>COMPARISON WITH THE BASIC ALGORITHM</a:t>
+            </a:r>
+            <a:endParaRPr lang="fr-FR" dirty="0"/>
           </a:p>
         </p:txBody>
       </p:sp>
@@ -10992,7 +11244,7 @@
             <a:pPr rtl="0"/>
             <a:fld id="{802FE938-1586-4780-B61A-DD3B60BAB93C}" type="datetime1">
               <a:rPr lang="fr-FR" smtClean="0"/>
-              <a:t>28/10/2020</a:t>
+              <a:t>08/01/2026</a:t>
             </a:fld>
             <a:endParaRPr lang="en-US"/>
           </a:p>
@@ -11148,7 +11400,15 @@
           <a:p>
             <a:r>
               <a:rPr lang="fr-FR" dirty="0"/>
-              <a:t>Algorithme de base :</a:t>
+              <a:t>Basic </a:t>
+            </a:r>
+            <a:r>
+              <a:rPr lang="fr-FR" dirty="0" err="1"/>
+              <a:t>algorithm</a:t>
+            </a:r>
+            <a:r>
+              <a:rPr lang="fr-FR" dirty="0"/>
+              <a:t>:</a:t>
             </a:r>
           </a:p>
         </p:txBody>
@@ -11183,7 +11443,15 @@
           <a:p>
             <a:r>
               <a:rPr lang="fr-FR" dirty="0"/>
-              <a:t>Mon algorithme : </a:t>
+              <a:t>My </a:t>
+            </a:r>
+            <a:r>
+              <a:rPr lang="fr-FR" dirty="0" err="1"/>
+              <a:t>algorithm</a:t>
+            </a:r>
+            <a:r>
+              <a:rPr lang="fr-FR" dirty="0"/>
+              <a:t>: </a:t>
             </a:r>
           </a:p>
         </p:txBody>
@@ -11401,7 +11669,7 @@
           <p:cNvPr id="14" name="ZoneTexte 13">
             <a:extLst>
               <a:ext uri="{FF2B5EF4-FFF2-40B4-BE49-F238E27FC236}">
-                <a16:creationId xmlns:a16="http://schemas.microsoft.com/office/drawing/2014/main" id="{B74CEE50-E647-4906-B33B-7F2D380A5F66}"/>
+                <a16:creationId xmlns:a16="http://schemas.microsoft.com/office/drawing/2014/main" id="{05875E9F-CC4A-4567-A1C2-AF9AE2E6F745}"/>
               </a:ext>
             </a:extLst>
           </p:cNvPr>
@@ -11410,8 +11678,8 @@
         </p:nvSpPr>
         <p:spPr>
           <a:xfrm>
-            <a:off x="386807" y="5293459"/>
-            <a:ext cx="10173551" cy="461665"/>
+            <a:off x="11523216" y="73146"/>
+            <a:ext cx="710451" cy="369332"/>
           </a:xfrm>
           <a:prstGeom prst="rect">
             <a:avLst/>
@@ -11419,50 +11687,104 @@
           <a:noFill/>
         </p:spPr>
         <p:txBody>
-          <a:bodyPr wrap="square" rtlCol="0">
+          <a:bodyPr wrap="none" rtlCol="0">
             <a:spAutoFit/>
           </a:bodyPr>
           <a:lstStyle/>
           <a:p>
             <a:r>
-              <a:rPr lang="fr-FR" sz="2400" dirty="0">
-                <a:solidFill>
-                  <a:schemeClr val="accent6">
-                    <a:lumMod val="50000"/>
-                  </a:schemeClr>
-                </a:solidFill>
-              </a:rPr>
-              <a:t>=&gt; Pas de </a:t>
-            </a:r>
-            <a:r>
-              <a:rPr lang="fr-FR" sz="2400" b="1" dirty="0">
-                <a:solidFill>
-                  <a:schemeClr val="accent6">
-                    <a:lumMod val="50000"/>
-                  </a:schemeClr>
-                </a:solidFill>
-              </a:rPr>
-              <a:t>vraie différence </a:t>
-            </a:r>
-            <a:r>
-              <a:rPr lang="fr-FR" sz="2400" dirty="0">
-                <a:solidFill>
-                  <a:schemeClr val="accent6">
-                    <a:lumMod val="50000"/>
-                  </a:schemeClr>
-                </a:solidFill>
-              </a:rPr>
-              <a:t>de temps d’exécution entre les deux algorithmes</a:t>
-            </a:r>
+              <a:rPr lang="fr-FR" dirty="0"/>
+              <a:t>23/26</a:t>
+            </a:r>
+          </a:p>
+        </p:txBody>
+      </p:sp>
+      <p:sp>
+        <p:nvSpPr>
+          <p:cNvPr id="11" name="ZoneTexte 10">
+            <a:extLst>
+              <a:ext uri="{FF2B5EF4-FFF2-40B4-BE49-F238E27FC236}">
+                <a16:creationId xmlns:a16="http://schemas.microsoft.com/office/drawing/2014/main" id="{31CCD920-8C61-D6D6-754C-9F2196C08CE4}"/>
+              </a:ext>
+            </a:extLst>
+          </p:cNvPr>
+          <p:cNvSpPr txBox="1"/>
+          <p:nvPr/>
+        </p:nvSpPr>
+        <p:spPr>
+          <a:xfrm>
+            <a:off x="1412487" y="5345274"/>
+            <a:ext cx="8977078" cy="461665"/>
+          </a:xfrm>
+          <a:prstGeom prst="rect">
+            <a:avLst/>
+          </a:prstGeom>
+          <a:noFill/>
+        </p:spPr>
+        <p:txBody>
+          <a:bodyPr wrap="square">
+            <a:spAutoFit/>
+          </a:bodyPr>
+          <a:lstStyle/>
+          <a:p>
+            <a:r>
+              <a:rPr lang="fr-FR" sz="2400" dirty="0"/>
+              <a:t>=&gt; No </a:t>
+            </a:r>
+            <a:r>
+              <a:rPr lang="fr-FR" sz="2400" b="1" dirty="0"/>
+              <a:t>real</a:t>
+            </a:r>
+            <a:r>
+              <a:rPr lang="fr-FR" sz="2400" dirty="0"/>
+              <a:t> </a:t>
+            </a:r>
+            <a:r>
+              <a:rPr lang="fr-FR" sz="2400" dirty="0" err="1"/>
+              <a:t>difference</a:t>
+            </a:r>
+            <a:r>
+              <a:rPr lang="fr-FR" sz="2400" dirty="0"/>
+              <a:t> in </a:t>
+            </a:r>
+            <a:r>
+              <a:rPr lang="fr-FR" sz="2400" dirty="0" err="1"/>
+              <a:t>execution</a:t>
+            </a:r>
+            <a:r>
+              <a:rPr lang="fr-FR" sz="2400" dirty="0"/>
+              <a:t> time </a:t>
+            </a:r>
+            <a:r>
+              <a:rPr lang="fr-FR" sz="2400" dirty="0" err="1"/>
+              <a:t>between</a:t>
+            </a:r>
+            <a:r>
+              <a:rPr lang="fr-FR" sz="2400" dirty="0"/>
+              <a:t> the </a:t>
+            </a:r>
+            <a:r>
+              <a:rPr lang="fr-FR" sz="2400" dirty="0" err="1"/>
+              <a:t>two</a:t>
+            </a:r>
+            <a:r>
+              <a:rPr lang="fr-FR" sz="2400" dirty="0"/>
+              <a:t> </a:t>
+            </a:r>
+            <a:r>
+              <a:rPr lang="fr-FR" sz="2400" dirty="0" err="1"/>
+              <a:t>algorithms</a:t>
+            </a:r>
+            <a:endParaRPr lang="fr-FR" sz="2400" dirty="0"/>
           </a:p>
         </p:txBody>
       </p:sp>
       <p:pic>
         <p:nvPicPr>
-          <p:cNvPr id="13" name="Graphique 12" descr="Chronomètre">
-            <a:extLst>
-              <a:ext uri="{FF2B5EF4-FFF2-40B4-BE49-F238E27FC236}">
-                <a16:creationId xmlns:a16="http://schemas.microsoft.com/office/drawing/2014/main" id="{8DD3230C-41EA-4045-88D8-8D83EF4A1681}"/>
+          <p:cNvPr id="12" name="Graphique 11" descr="Chronomètre">
+            <a:extLst>
+              <a:ext uri="{FF2B5EF4-FFF2-40B4-BE49-F238E27FC236}">
+                <a16:creationId xmlns:a16="http://schemas.microsoft.com/office/drawing/2014/main" id="{01713A52-B7F4-BC23-2803-6CB58C6968D7}"/>
               </a:ext>
             </a:extLst>
           </p:cNvPr>
@@ -11488,7 +11810,7 @@
         </p:blipFill>
         <p:spPr>
           <a:xfrm>
-            <a:off x="10246500" y="5038260"/>
+            <a:off x="10218508" y="5118907"/>
             <a:ext cx="914400" cy="914400"/>
           </a:xfrm>
           <a:prstGeom prst="rect">
@@ -11496,45 +11818,10 @@
           </a:prstGeom>
         </p:spPr>
       </p:pic>
-      <p:sp>
-        <p:nvSpPr>
-          <p:cNvPr id="19" name="ZoneTexte 18">
-            <a:extLst>
-              <a:ext uri="{FF2B5EF4-FFF2-40B4-BE49-F238E27FC236}">
-                <a16:creationId xmlns:a16="http://schemas.microsoft.com/office/drawing/2014/main" id="{C62EA7CF-EDDA-4A87-A7A2-1C28FEDDB59B}"/>
-              </a:ext>
-            </a:extLst>
-          </p:cNvPr>
-          <p:cNvSpPr txBox="1"/>
-          <p:nvPr/>
-        </p:nvSpPr>
-        <p:spPr>
-          <a:xfrm>
-            <a:off x="11523216" y="73146"/>
-            <a:ext cx="710451" cy="369332"/>
-          </a:xfrm>
-          <a:prstGeom prst="rect">
-            <a:avLst/>
-          </a:prstGeom>
-          <a:noFill/>
-        </p:spPr>
-        <p:txBody>
-          <a:bodyPr wrap="none" rtlCol="0">
-            <a:spAutoFit/>
-          </a:bodyPr>
-          <a:lstStyle/>
-          <a:p>
-            <a:r>
-              <a:rPr lang="fr-FR" dirty="0"/>
-              <a:t>24/26</a:t>
-            </a:r>
-          </a:p>
-        </p:txBody>
-      </p:sp>
     </p:spTree>
     <p:extLst>
       <p:ext uri="{BB962C8B-B14F-4D97-AF65-F5344CB8AC3E}">
-        <p14:creationId xmlns:p14="http://schemas.microsoft.com/office/powerpoint/2010/main" val="1385216849"/>
+        <p14:creationId xmlns:p14="http://schemas.microsoft.com/office/powerpoint/2010/main" val="1410342999"/>
       </p:ext>
     </p:extLst>
   </p:cSld>
@@ -11583,9 +11870,10 @@
           <a:lstStyle/>
           <a:p>
             <a:r>
-              <a:rPr lang="fr-FR" dirty="0"/>
-              <a:t>COMPARAISON AVEC L’Algorithme de base</a:t>
-            </a:r>
+              <a:rPr lang="en-US" dirty="0"/>
+              <a:t>COMPARISON WITH THE BASIC ALGORITHM</a:t>
+            </a:r>
+            <a:endParaRPr lang="fr-FR" dirty="0"/>
           </a:p>
         </p:txBody>
       </p:sp>
@@ -11613,7 +11901,7 @@
             <a:pPr rtl="0"/>
             <a:fld id="{802FE938-1586-4780-B61A-DD3B60BAB93C}" type="datetime1">
               <a:rPr lang="fr-FR" smtClean="0"/>
-              <a:t>28/10/2020</a:t>
+              <a:t>08/01/2026</a:t>
             </a:fld>
             <a:endParaRPr lang="en-US"/>
           </a:p>
@@ -11648,116 +11936,70 @@
           <a:lstStyle/>
           <a:p>
             <a:r>
-              <a:rPr lang="fr-FR" sz="2800" dirty="0">
+              <a:rPr lang="en-US" sz="2800" dirty="0">
                 <a:solidFill>
                   <a:schemeClr val="accent6">
                     <a:lumMod val="50000"/>
                   </a:schemeClr>
                 </a:solidFill>
               </a:rPr>
-              <a:t>Mon algorithme à plus de facilité de </a:t>
-            </a:r>
-            <a:r>
-              <a:rPr lang="fr-FR" sz="2800" b="1" dirty="0">
+              <a:t>My algorithm is easier to understand (recursion is always complex).</a:t>
+            </a:r>
+            <a:endParaRPr lang="fr-FR" sz="2800" dirty="0">
+              <a:solidFill>
+                <a:schemeClr val="accent6">
+                  <a:lumMod val="50000"/>
+                </a:schemeClr>
+              </a:solidFill>
+            </a:endParaRPr>
+          </a:p>
+        </p:txBody>
+      </p:sp>
+      <p:sp>
+        <p:nvSpPr>
+          <p:cNvPr id="19" name="ZoneTexte 18">
+            <a:extLst>
+              <a:ext uri="{FF2B5EF4-FFF2-40B4-BE49-F238E27FC236}">
+                <a16:creationId xmlns:a16="http://schemas.microsoft.com/office/drawing/2014/main" id="{303C9C3C-B4E6-484F-A383-3739D1032B4F}"/>
+              </a:ext>
+            </a:extLst>
+          </p:cNvPr>
+          <p:cNvSpPr txBox="1"/>
+          <p:nvPr/>
+        </p:nvSpPr>
+        <p:spPr>
+          <a:xfrm>
+            <a:off x="1121371" y="4232591"/>
+            <a:ext cx="6744245" cy="954107"/>
+          </a:xfrm>
+          <a:prstGeom prst="rect">
+            <a:avLst/>
+          </a:prstGeom>
+          <a:noFill/>
+        </p:spPr>
+        <p:txBody>
+          <a:bodyPr wrap="square" rtlCol="0">
+            <a:spAutoFit/>
+          </a:bodyPr>
+          <a:lstStyle/>
+          <a:p>
+            <a:r>
+              <a:rPr lang="en-US" sz="2800" dirty="0">
                 <a:solidFill>
                   <a:schemeClr val="accent6">
                     <a:lumMod val="50000"/>
                   </a:schemeClr>
                 </a:solidFill>
               </a:rPr>
-              <a:t>compréhension</a:t>
-            </a:r>
-            <a:r>
-              <a:rPr lang="fr-FR" sz="2800" dirty="0">
-                <a:solidFill>
-                  <a:schemeClr val="accent6">
-                    <a:lumMod val="50000"/>
-                  </a:schemeClr>
-                </a:solidFill>
-              </a:rPr>
-              <a:t> (La récursion est toujours complexe)</a:t>
-            </a:r>
-          </a:p>
-        </p:txBody>
-      </p:sp>
-      <p:sp>
-        <p:nvSpPr>
-          <p:cNvPr id="19" name="ZoneTexte 18">
-            <a:extLst>
-              <a:ext uri="{FF2B5EF4-FFF2-40B4-BE49-F238E27FC236}">
-                <a16:creationId xmlns:a16="http://schemas.microsoft.com/office/drawing/2014/main" id="{303C9C3C-B4E6-484F-A383-3739D1032B4F}"/>
-              </a:ext>
-            </a:extLst>
-          </p:cNvPr>
-          <p:cNvSpPr txBox="1"/>
-          <p:nvPr/>
-        </p:nvSpPr>
-        <p:spPr>
-          <a:xfrm>
-            <a:off x="1121371" y="4232591"/>
-            <a:ext cx="6744245" cy="954107"/>
-          </a:xfrm>
-          <a:prstGeom prst="rect">
-            <a:avLst/>
-          </a:prstGeom>
-          <a:noFill/>
-        </p:spPr>
-        <p:txBody>
-          <a:bodyPr wrap="square" rtlCol="0">
-            <a:spAutoFit/>
-          </a:bodyPr>
-          <a:lstStyle/>
-          <a:p>
-            <a:r>
-              <a:rPr lang="fr-FR" sz="2800" dirty="0">
-                <a:solidFill>
-                  <a:schemeClr val="accent6">
-                    <a:lumMod val="50000"/>
-                  </a:schemeClr>
-                </a:solidFill>
-              </a:rPr>
-              <a:t>Et est </a:t>
-            </a:r>
-            <a:r>
-              <a:rPr lang="fr-FR" sz="2800" b="1" dirty="0">
-                <a:solidFill>
-                  <a:schemeClr val="accent6">
-                    <a:lumMod val="50000"/>
-                  </a:schemeClr>
-                </a:solidFill>
-              </a:rPr>
-              <a:t>plus efficace </a:t>
-            </a:r>
-            <a:r>
-              <a:rPr lang="fr-FR" sz="2800" dirty="0">
-                <a:solidFill>
-                  <a:schemeClr val="accent6">
-                    <a:lumMod val="50000"/>
-                  </a:schemeClr>
-                </a:solidFill>
-              </a:rPr>
-              <a:t>sur des cas avec de </a:t>
-            </a:r>
-            <a:r>
-              <a:rPr lang="fr-FR" sz="2800" b="1" dirty="0">
-                <a:solidFill>
-                  <a:schemeClr val="accent6">
-                    <a:lumMod val="50000"/>
-                  </a:schemeClr>
-                </a:solidFill>
-              </a:rPr>
-              <a:t>nombreuses possibilités</a:t>
-            </a:r>
-            <a:r>
-              <a:rPr lang="fr-FR" sz="2800" dirty="0">
-                <a:solidFill>
-                  <a:schemeClr val="accent6">
-                    <a:lumMod val="50000"/>
-                  </a:schemeClr>
-                </a:solidFill>
-              </a:rPr>
-              <a:t>. </a:t>
-            </a:r>
+              <a:t>And is more effective in cases with numerous possibilities. </a:t>
+            </a:r>
+            <a:endParaRPr lang="fr-FR" sz="2800" dirty="0">
+              <a:solidFill>
+                <a:schemeClr val="accent6">
+                  <a:lumMod val="50000"/>
+                </a:schemeClr>
+              </a:solidFill>
+            </a:endParaRPr>
           </a:p>
         </p:txBody>
       </p:sp>
@@ -11922,7 +12164,7 @@
         </p:nvSpPr>
         <p:spPr>
           <a:xfrm>
-            <a:off x="2499948" y="1186259"/>
+            <a:off x="2014756" y="1128357"/>
             <a:ext cx="9603275" cy="1049235"/>
           </a:xfrm>
         </p:spPr>
@@ -11933,9 +12175,10 @@
           <a:lstStyle/>
           <a:p>
             <a:r>
-              <a:rPr lang="fr-FR" sz="4000" dirty="0"/>
-              <a:t>MERCI POUR VOTRE ATTENTION</a:t>
-            </a:r>
+              <a:rPr lang="en-US" sz="4000" dirty="0"/>
+              <a:t>THANK YOU FOR YOUR ATTENTION</a:t>
+            </a:r>
+            <a:endParaRPr lang="fr-FR" sz="4000" dirty="0"/>
           </a:p>
         </p:txBody>
       </p:sp>
@@ -11963,7 +12206,7 @@
             <a:pPr rtl="0"/>
             <a:fld id="{802FE938-1586-4780-B61A-DD3B60BAB93C}" type="datetime1">
               <a:rPr lang="fr-FR" smtClean="0"/>
-              <a:t>28/10/2020</a:t>
+              <a:t>08/01/2026</a:t>
             </a:fld>
             <a:endParaRPr lang="en-US"/>
           </a:p>
@@ -12087,8 +12330,8 @@
         </p:nvSpPr>
         <p:spPr>
           <a:xfrm rot="5400000">
-            <a:off x="6117007" y="2982798"/>
-            <a:ext cx="2235293" cy="1297432"/>
+            <a:off x="6980527" y="3263013"/>
+            <a:ext cx="2319388" cy="1466381"/>
           </a:xfrm>
           <a:prstGeom prst="wave">
             <a:avLst>
@@ -12139,8 +12382,8 @@
         </p:nvSpPr>
         <p:spPr>
           <a:xfrm rot="5400000">
-            <a:off x="837699" y="3409407"/>
-            <a:ext cx="2235293" cy="1273867"/>
+            <a:off x="1708898" y="3248455"/>
+            <a:ext cx="2276672" cy="1452780"/>
           </a:xfrm>
           <a:prstGeom prst="wave">
             <a:avLst>
@@ -12206,7 +12449,7 @@
             <a:pPr algn="ctr"/>
             <a:r>
               <a:rPr lang="fr-FR" sz="5400" dirty="0"/>
-              <a:t>EXEMPLE #1</a:t>
+              <a:t>EXAMPLE #1</a:t>
             </a:r>
             <a:r>
               <a:rPr lang="fr-FR" dirty="0"/>
@@ -12234,7 +12477,7 @@
         <p:spPr>
           <a:xfrm>
             <a:off x="1451579" y="2015732"/>
-            <a:ext cx="4930171" cy="4061218"/>
+            <a:ext cx="5201148" cy="4061218"/>
           </a:xfrm>
         </p:spPr>
         <p:txBody>
@@ -12244,16 +12487,8 @@
           <a:lstStyle/>
           <a:p>
             <a:r>
-              <a:rPr lang="fr-FR" sz="1800" dirty="0"/>
-              <a:t>Exécution de l’algorithme avec </a:t>
-            </a:r>
-            <a:r>
-              <a:rPr lang="fr-FR" sz="1800" b="1" dirty="0"/>
-              <a:t>l’input suivant </a:t>
-            </a:r>
-            <a:r>
-              <a:rPr lang="fr-FR" sz="1800" dirty="0"/>
-              <a:t>: </a:t>
+              <a:rPr lang="en-US" sz="1800" dirty="0"/>
+              <a:t>Execution of the algorithm with the input:</a:t>
             </a:r>
           </a:p>
           <a:p>
@@ -12261,8 +12496,12 @@
               <a:buNone/>
             </a:pPr>
             <a:r>
+              <a:rPr lang="en-US" sz="1800" dirty="0"/>
+              <a:t> </a:t>
+            </a:r>
+            <a:r>
               <a:rPr lang="fr-FR" sz="1800" dirty="0"/>
-              <a:t>5 6</a:t>
+              <a:t>	5 6</a:t>
             </a:r>
           </a:p>
           <a:p>
@@ -12274,7 +12513,7 @@
                 <a:latin typeface="Frank Ruhl Hofshi" panose="00000500000000000000" pitchFamily="50" charset="-79"/>
                 <a:cs typeface="Frank Ruhl Hofshi" panose="00000500000000000000" pitchFamily="50" charset="-79"/>
               </a:rPr>
-              <a:t>- * * * - *</a:t>
+              <a:t>	- * * * - *</a:t>
             </a:r>
           </a:p>
           <a:p>
@@ -12286,7 +12525,7 @@
                 <a:latin typeface="Frank Ruhl Hofshi" panose="00000500000000000000" pitchFamily="50" charset="-79"/>
                 <a:cs typeface="Frank Ruhl Hofshi" panose="00000500000000000000" pitchFamily="50" charset="-79"/>
               </a:rPr>
-              <a:t>* * * - * * </a:t>
+              <a:t>	* * * - * * </a:t>
             </a:r>
           </a:p>
           <a:p>
@@ -12298,7 +12537,7 @@
                 <a:latin typeface="Frank Ruhl Hofshi" panose="00000500000000000000" pitchFamily="50" charset="-79"/>
                 <a:cs typeface="Frank Ruhl Hofshi" panose="00000500000000000000" pitchFamily="50" charset="-79"/>
               </a:rPr>
-              <a:t>* - * * * *</a:t>
+              <a:t>	* - * * * *</a:t>
             </a:r>
           </a:p>
           <a:p>
@@ -12310,7 +12549,7 @@
                 <a:latin typeface="Frank Ruhl Hofshi" panose="00000500000000000000" pitchFamily="50" charset="-79"/>
                 <a:cs typeface="Frank Ruhl Hofshi" panose="00000500000000000000" pitchFamily="50" charset="-79"/>
               </a:rPr>
-              <a:t>* * * * * *</a:t>
+              <a:t>	* * * * * *</a:t>
             </a:r>
           </a:p>
           <a:p>
@@ -12322,7 +12561,7 @@
                 <a:latin typeface="Frank Ruhl Hofshi" panose="00000500000000000000" pitchFamily="50" charset="-79"/>
                 <a:cs typeface="Frank Ruhl Hofshi" panose="00000500000000000000" pitchFamily="50" charset="-79"/>
               </a:rPr>
-              <a:t>* * * * * *</a:t>
+              <a:t>	* * * * * *</a:t>
             </a:r>
           </a:p>
           <a:p>
@@ -12331,7 +12570,7 @@
             </a:pPr>
             <a:r>
               <a:rPr lang="fr-FR" sz="1800" dirty="0"/>
-              <a:t>4 2 2 3 6</a:t>
+              <a:t>	4 2 2 3 6</a:t>
             </a:r>
           </a:p>
           <a:p>
@@ -12340,7 +12579,7 @@
             </a:pPr>
             <a:r>
               <a:rPr lang="fr-FR" sz="1800" dirty="0"/>
-              <a:t>3 2 1 3 3 5</a:t>
+              <a:t>	3 2 1 3 3 5</a:t>
             </a:r>
           </a:p>
         </p:txBody>
@@ -12369,7 +12608,7 @@
             <a:pPr rtl="0"/>
             <a:fld id="{802FE938-1586-4780-B61A-DD3B60BAB93C}" type="datetime1">
               <a:rPr lang="fr-FR" smtClean="0"/>
-              <a:t>28/10/2020</a:t>
+              <a:t>08/01/2026</a:t>
             </a:fld>
             <a:endParaRPr lang="en-US"/>
           </a:p>
@@ -12391,8 +12630,8 @@
         </p:nvSpPr>
         <p:spPr>
           <a:xfrm>
-            <a:off x="6753332" y="2015732"/>
-            <a:ext cx="4930171" cy="3450613"/>
+            <a:off x="6751557" y="2015732"/>
+            <a:ext cx="5105876" cy="3787909"/>
           </a:xfrm>
           <a:prstGeom prst="rect">
             <a:avLst/>
@@ -12613,17 +12852,32 @@
           </a:lstStyle>
           <a:p>
             <a:r>
+              <a:rPr lang="fr-FR" sz="1800" dirty="0" err="1"/>
+              <a:t>Which</a:t>
+            </a:r>
+            <a:r>
               <a:rPr lang="fr-FR" sz="1800" dirty="0"/>
-              <a:t>Qui doit avoir pour </a:t>
-            </a:r>
-            <a:r>
-              <a:rPr lang="fr-FR" sz="1800" b="1" dirty="0"/>
-              <a:t>résultat</a:t>
+              <a:t> </a:t>
+            </a:r>
+            <a:r>
+              <a:rPr lang="fr-FR" sz="1800" dirty="0" err="1"/>
+              <a:t>should</a:t>
             </a:r>
             <a:r>
               <a:rPr lang="fr-FR" sz="1800" dirty="0"/>
-              <a:t> :</a:t>
-            </a:r>
+              <a:t> </a:t>
+            </a:r>
+            <a:r>
+              <a:rPr lang="fr-FR" sz="1800" dirty="0" err="1"/>
+              <a:t>result</a:t>
+            </a:r>
+            <a:r>
+              <a:rPr lang="fr-FR" sz="1800" dirty="0"/>
+              <a:t> in:</a:t>
+            </a:r>
+          </a:p>
+          <a:p>
+            <a:endParaRPr lang="fr-FR" sz="1800" dirty="0"/>
           </a:p>
           <a:p>
             <a:pPr marL="0" indent="0">
@@ -12634,7 +12888,7 @@
                 <a:latin typeface="Frank Ruhl Hofshi" panose="00000500000000000000" pitchFamily="50" charset="-79"/>
                 <a:cs typeface="Frank Ruhl Hofshi" panose="00000500000000000000" pitchFamily="50" charset="-79"/>
               </a:rPr>
-              <a:t>- * * - - -</a:t>
+              <a:t>	- * * - - -</a:t>
             </a:r>
           </a:p>
           <a:p>
@@ -12646,7 +12900,7 @@
                 <a:latin typeface="Frank Ruhl Hofshi" panose="00000500000000000000" pitchFamily="50" charset="-79"/>
                 <a:cs typeface="Frank Ruhl Hofshi" panose="00000500000000000000" pitchFamily="50" charset="-79"/>
               </a:rPr>
-              <a:t>* * * - * -</a:t>
+              <a:t>	* * * - * -</a:t>
             </a:r>
           </a:p>
           <a:p>
@@ -12658,7 +12912,7 @@
                 <a:latin typeface="Frank Ruhl Hofshi" panose="00000500000000000000" pitchFamily="50" charset="-79"/>
                 <a:cs typeface="Frank Ruhl Hofshi" panose="00000500000000000000" pitchFamily="50" charset="-79"/>
               </a:rPr>
-              <a:t>* - * * * -</a:t>
+              <a:t>	* - * * * -</a:t>
             </a:r>
           </a:p>
           <a:p>
@@ -12670,7 +12924,7 @@
                 <a:latin typeface="Frank Ruhl Hofshi" panose="00000500000000000000" pitchFamily="50" charset="-79"/>
                 <a:cs typeface="Frank Ruhl Hofshi" panose="00000500000000000000" pitchFamily="50" charset="-79"/>
               </a:rPr>
-              <a:t>- * * * - -</a:t>
+              <a:t>	- * * * - -</a:t>
             </a:r>
           </a:p>
           <a:p>
@@ -12682,7 +12936,7 @@
                 <a:latin typeface="Frank Ruhl Hofshi" panose="00000500000000000000" pitchFamily="50" charset="-79"/>
                 <a:cs typeface="Frank Ruhl Hofshi" panose="00000500000000000000" pitchFamily="50" charset="-79"/>
               </a:rPr>
-              <a:t>- - - - - -</a:t>
+              <a:t>	- - - - - -</a:t>
             </a:r>
           </a:p>
         </p:txBody>
@@ -12841,6 +13095,13 @@
             <a:schemeClr val="lt1"/>
           </a:fontRef>
         </p:style>
+        <p:txBody>
+          <a:bodyPr/>
+          <a:lstStyle/>
+          <a:p>
+            <a:endParaRPr lang="fr-FR"/>
+          </a:p>
+        </p:txBody>
       </p:sp>
       <p:pic>
         <p:nvPicPr>
@@ -13152,7 +13413,7 @@
           <a:p>
             <a:r>
               <a:rPr lang="en-US" sz="3600" dirty="0"/>
-              <a:t>TRAITEMENT DES CAS TRIVIAUX</a:t>
+              <a:t>TREATMENT OF TRIVIAL CASES</a:t>
             </a:r>
           </a:p>
         </p:txBody>
@@ -13573,7 +13834,7 @@
                   <a:spcPts val="600"/>
                 </a:spcAft>
               </a:pPr>
-              <a:t>28/10/2020</a:t>
+              <a:t>08/01/2026</a:t>
             </a:fld>
             <a:endParaRPr lang="en-US"/>
           </a:p>
@@ -13754,7 +14015,13 @@
     </p:bg>
     <p:spTree>
       <p:nvGrpSpPr>
-        <p:cNvPr id="1" name=""/>
+        <p:cNvPr id="1" name="">
+          <a:extLst>
+            <a:ext uri="{FF2B5EF4-FFF2-40B4-BE49-F238E27FC236}">
+              <a16:creationId xmlns:a16="http://schemas.microsoft.com/office/drawing/2014/main" id="{4F486EBA-D130-E6F8-4ECB-A517B3DD88DA}"/>
+            </a:ext>
+          </a:extLst>
+        </p:cNvPr>
         <p:cNvGrpSpPr/>
         <p:nvPr/>
       </p:nvGrpSpPr>
@@ -13768,10 +14035,10 @@
       </p:grpSpPr>
       <p:sp>
         <p:nvSpPr>
-          <p:cNvPr id="22" name="Rectangle 21">
-            <a:extLst>
-              <a:ext uri="{FF2B5EF4-FFF2-40B4-BE49-F238E27FC236}">
-                <a16:creationId xmlns:a16="http://schemas.microsoft.com/office/drawing/2014/main" id="{EEA869E1-F851-4A52-92F5-77E592B76A5B}"/>
+          <p:cNvPr id="18" name="Rectangle 17">
+            <a:extLst>
+              <a:ext uri="{FF2B5EF4-FFF2-40B4-BE49-F238E27FC236}">
+                <a16:creationId xmlns:a16="http://schemas.microsoft.com/office/drawing/2014/main" id="{4A8674BE-9B5C-1289-26B7-21CBFFD249C7}"/>
               </a:ext>
               <a:ext uri="{C183D7F6-B498-43B3-948B-1728B52AA6E4}">
                 <adec:decorative xmlns:adec="http://schemas.microsoft.com/office/drawing/2017/decorative" val="1"/>
@@ -13831,13 +14098,20 @@
             <a:schemeClr val="lt1"/>
           </a:fontRef>
         </p:style>
+        <p:txBody>
+          <a:bodyPr/>
+          <a:lstStyle/>
+          <a:p>
+            <a:endParaRPr lang="fr-FR"/>
+          </a:p>
+        </p:txBody>
       </p:sp>
       <p:pic>
         <p:nvPicPr>
-          <p:cNvPr id="24" name="Picture 23">
-            <a:extLst>
-              <a:ext uri="{FF2B5EF4-FFF2-40B4-BE49-F238E27FC236}">
-                <a16:creationId xmlns:a16="http://schemas.microsoft.com/office/drawing/2014/main" id="{B083AD55-8296-44BD-8E14-DD2DDBC351B0}"/>
+          <p:cNvPr id="20" name="Picture 19">
+            <a:extLst>
+              <a:ext uri="{FF2B5EF4-FFF2-40B4-BE49-F238E27FC236}">
+                <a16:creationId xmlns:a16="http://schemas.microsoft.com/office/drawing/2014/main" id="{548C4026-6D04-F6F7-92DB-C2E437C22393}"/>
               </a:ext>
               <a:ext uri="{C183D7F6-B498-43B3-948B-1728B52AA6E4}">
                 <adec:decorative xmlns:adec="http://schemas.microsoft.com/office/drawing/2017/decorative" val="1"/>
@@ -13878,10 +14152,10 @@
       </p:pic>
       <p:cxnSp>
         <p:nvCxnSpPr>
-          <p:cNvPr id="26" name="Straight Connector 25">
-            <a:extLst>
-              <a:ext uri="{FF2B5EF4-FFF2-40B4-BE49-F238E27FC236}">
-                <a16:creationId xmlns:a16="http://schemas.microsoft.com/office/drawing/2014/main" id="{2BF46B26-15FC-4C5A-94FA-AE9ED64B5C20}"/>
+          <p:cNvPr id="22" name="Straight Connector 21">
+            <a:extLst>
+              <a:ext uri="{FF2B5EF4-FFF2-40B4-BE49-F238E27FC236}">
+                <a16:creationId xmlns:a16="http://schemas.microsoft.com/office/drawing/2014/main" id="{FB49ACCB-0498-3BB4-4600-1F88369F3FBF}"/>
               </a:ext>
               <a:ext uri="{C183D7F6-B498-43B3-948B-1728B52AA6E4}">
                 <adec:decorative xmlns:adec="http://schemas.microsoft.com/office/drawing/2017/decorative" val="1"/>
@@ -13932,10 +14206,10 @@
       </p:cxnSp>
       <p:cxnSp>
         <p:nvCxnSpPr>
-          <p:cNvPr id="28" name="Straight Connector 27">
-            <a:extLst>
-              <a:ext uri="{FF2B5EF4-FFF2-40B4-BE49-F238E27FC236}">
-                <a16:creationId xmlns:a16="http://schemas.microsoft.com/office/drawing/2014/main" id="{912F6065-5345-44BD-B66E-5487CCD7A9B9}"/>
+          <p:cNvPr id="24" name="Straight Connector 23">
+            <a:extLst>
+              <a:ext uri="{FF2B5EF4-FFF2-40B4-BE49-F238E27FC236}">
+                <a16:creationId xmlns:a16="http://schemas.microsoft.com/office/drawing/2014/main" id="{C4086AC0-54CD-6A7D-C425-D6228E2FD17B}"/>
               </a:ext>
               <a:ext uri="{C183D7F6-B498-43B3-948B-1728B52AA6E4}">
                 <adec:decorative xmlns:adec="http://schemas.microsoft.com/office/drawing/2017/decorative" val="1"/>
@@ -13980,10 +14254,10 @@
       </p:cxnSp>
       <p:sp useBgFill="1">
         <p:nvSpPr>
-          <p:cNvPr id="30" name="Rectangle 29">
-            <a:extLst>
-              <a:ext uri="{FF2B5EF4-FFF2-40B4-BE49-F238E27FC236}">
-                <a16:creationId xmlns:a16="http://schemas.microsoft.com/office/drawing/2014/main" id="{2BA1D835-8AEF-4A50-9C36-F44036A8F520}"/>
+          <p:cNvPr id="26" name="Rectangle 25">
+            <a:extLst>
+              <a:ext uri="{FF2B5EF4-FFF2-40B4-BE49-F238E27FC236}">
+                <a16:creationId xmlns:a16="http://schemas.microsoft.com/office/drawing/2014/main" id="{05768D7F-6E2C-B05D-C41F-FB5BF1AA5F04}"/>
               </a:ext>
               <a:ext uri="{C183D7F6-B498-43B3-948B-1728B52AA6E4}">
                 <adec:decorative xmlns:adec="http://schemas.microsoft.com/office/drawing/2017/decorative" val="1"/>
@@ -14040,10 +14314,10 @@
       </p:sp>
       <p:sp>
         <p:nvSpPr>
-          <p:cNvPr id="32" name="Rectangle 31">
-            <a:extLst>
-              <a:ext uri="{FF2B5EF4-FFF2-40B4-BE49-F238E27FC236}">
-                <a16:creationId xmlns:a16="http://schemas.microsoft.com/office/drawing/2014/main" id="{9EDF73AE-2447-44D2-A625-35DFB87B06F8}"/>
+          <p:cNvPr id="28" name="Rectangle 27">
+            <a:extLst>
+              <a:ext uri="{FF2B5EF4-FFF2-40B4-BE49-F238E27FC236}">
+                <a16:creationId xmlns:a16="http://schemas.microsoft.com/office/drawing/2014/main" id="{85F750BC-62B7-AC7D-F3A7-308141C91774}"/>
               </a:ext>
               <a:ext uri="{C183D7F6-B498-43B3-948B-1728B52AA6E4}">
                 <adec:decorative xmlns:adec="http://schemas.microsoft.com/office/drawing/2017/decorative" val="1"/>
@@ -14117,7 +14391,1035 @@
           <p:cNvPr id="2" name="Titre 1">
             <a:extLst>
               <a:ext uri="{FF2B5EF4-FFF2-40B4-BE49-F238E27FC236}">
-                <a16:creationId xmlns:a16="http://schemas.microsoft.com/office/drawing/2014/main" id="{07EC0F02-5685-46C7-BE68-B9B960CD37FF}"/>
+                <a16:creationId xmlns:a16="http://schemas.microsoft.com/office/drawing/2014/main" id="{166DA439-99BA-9A76-FD44-3E65170B8E90}"/>
+              </a:ext>
+            </a:extLst>
+          </p:cNvPr>
+          <p:cNvSpPr>
+            <a:spLocks noGrp="1"/>
+          </p:cNvSpPr>
+          <p:nvPr>
+            <p:ph type="title"/>
+          </p:nvPr>
+        </p:nvSpPr>
+        <p:spPr>
+          <a:xfrm>
+            <a:off x="1776210" y="4421184"/>
+            <a:ext cx="8637073" cy="558063"/>
+          </a:xfrm>
+        </p:spPr>
+        <p:txBody>
+          <a:bodyPr vert="horz" lIns="91440" tIns="45720" rIns="91440" bIns="0" rtlCol="0" anchor="b">
+            <a:normAutofit fontScale="90000"/>
+          </a:bodyPr>
+          <a:lstStyle/>
+          <a:p>
+            <a:pPr algn="ctr"/>
+            <a:r>
+              <a:rPr lang="en-US" sz="3600" dirty="0"/>
+              <a:t>reduce counter of “-” with existing</a:t>
+            </a:r>
+          </a:p>
+        </p:txBody>
+      </p:sp>
+      <p:grpSp>
+        <p:nvGrpSpPr>
+          <p:cNvPr id="30" name="Group 29">
+            <a:extLst>
+              <a:ext uri="{FF2B5EF4-FFF2-40B4-BE49-F238E27FC236}">
+                <a16:creationId xmlns:a16="http://schemas.microsoft.com/office/drawing/2014/main" id="{037F1341-892A-1780-2C0E-B1A70C327A12}"/>
+              </a:ext>
+              <a:ext uri="{C183D7F6-B498-43B3-948B-1728B52AA6E4}">
+                <adec:decorative xmlns:adec="http://schemas.microsoft.com/office/drawing/2017/decorative" val="1"/>
+              </a:ext>
+            </a:extLst>
+          </p:cNvPr>
+          <p:cNvGrpSpPr>
+            <a:grpSpLocks noGrp="1" noUngrp="1" noRot="1" noChangeAspect="1" noMove="1" noResize="1"/>
+          </p:cNvGrpSpPr>
+          <p:nvPr>
+            <p:extLst>
+              <p:ext uri="{386F3935-93C4-4BCD-93E2-E3B085C9AB24}">
+                <p16:designElem xmlns:p16="http://schemas.microsoft.com/office/powerpoint/2015/main" val="1"/>
+              </p:ext>
+            </p:extLst>
+          </p:nvPr>
+        </p:nvGrpSpPr>
+        <p:grpSpPr>
+          <a:xfrm>
+            <a:off x="1764906" y="323838"/>
+            <a:ext cx="8661501" cy="3652791"/>
+            <a:chOff x="7773058" y="600024"/>
+            <a:chExt cx="3630912" cy="5222486"/>
+          </a:xfrm>
+        </p:grpSpPr>
+        <p:sp>
+          <p:nvSpPr>
+            <p:cNvPr id="31" name="Rectangle 30">
+              <a:extLst>
+                <a:ext uri="{FF2B5EF4-FFF2-40B4-BE49-F238E27FC236}">
+                  <a16:creationId xmlns:a16="http://schemas.microsoft.com/office/drawing/2014/main" id="{B5BA0152-07E2-09D7-845B-79A962FA9A98}"/>
+                </a:ext>
+                <a:ext uri="{C183D7F6-B498-43B3-948B-1728B52AA6E4}">
+                  <adec:decorative xmlns:adec="http://schemas.microsoft.com/office/drawing/2017/decorative" val="1"/>
+                </a:ext>
+              </a:extLst>
+            </p:cNvPr>
+            <p:cNvSpPr/>
+            <p:nvPr>
+              <p:extLst>
+                <p:ext uri="{386F3935-93C4-4BCD-93E2-E3B085C9AB24}">
+                  <p16:designElem xmlns:p16="http://schemas.microsoft.com/office/powerpoint/2015/main" val="1"/>
+                </p:ext>
+              </p:extLst>
+            </p:nvPr>
+          </p:nvSpPr>
+          <p:spPr>
+            <a:xfrm>
+              <a:off x="7773058" y="600024"/>
+              <a:ext cx="3630912" cy="5222486"/>
+            </a:xfrm>
+            <a:prstGeom prst="rect">
+              <a:avLst/>
+            </a:prstGeom>
+            <a:gradFill>
+              <a:gsLst>
+                <a:gs pos="0">
+                  <a:srgbClr val="000001"/>
+                </a:gs>
+                <a:gs pos="100000">
+                  <a:srgbClr val="191919"/>
+                </a:gs>
+              </a:gsLst>
+            </a:gradFill>
+            <a:ln w="76200" cmpd="sng">
+              <a:noFill/>
+              <a:miter lim="800000"/>
+            </a:ln>
+            <a:effectLst>
+              <a:outerShdw blurRad="127000" dist="228600" dir="4740000" sx="98000" sy="98000" algn="tl" rotWithShape="0">
+                <a:srgbClr val="000000">
+                  <a:alpha val="34000"/>
+                </a:srgbClr>
+              </a:outerShdw>
+            </a:effectLst>
+            <a:scene3d>
+              <a:camera prst="orthographicFront"/>
+              <a:lightRig rig="threePt" dir="t"/>
+            </a:scene3d>
+            <a:sp3d>
+              <a:bevelT w="152400" h="50800" prst="softRound"/>
+            </a:sp3d>
+          </p:spPr>
+          <p:style>
+            <a:lnRef idx="1">
+              <a:schemeClr val="accent1"/>
+            </a:lnRef>
+            <a:fillRef idx="3">
+              <a:schemeClr val="accent1"/>
+            </a:fillRef>
+            <a:effectRef idx="2">
+              <a:schemeClr val="accent1"/>
+            </a:effectRef>
+            <a:fontRef idx="minor">
+              <a:schemeClr val="lt1"/>
+            </a:fontRef>
+          </p:style>
+          <p:txBody>
+            <a:bodyPr rtlCol="0" anchor="ctr"/>
+            <a:lstStyle/>
+            <a:p>
+              <a:pPr algn="ctr"/>
+              <a:endParaRPr lang="en-US"/>
+            </a:p>
+          </p:txBody>
+        </p:sp>
+        <p:sp>
+          <p:nvSpPr>
+            <p:cNvPr id="32" name="Rectangle 31">
+              <a:extLst>
+                <a:ext uri="{FF2B5EF4-FFF2-40B4-BE49-F238E27FC236}">
+                  <a16:creationId xmlns:a16="http://schemas.microsoft.com/office/drawing/2014/main" id="{51FE1703-7974-9566-36E6-A793CFC8D7F8}"/>
+                </a:ext>
+                <a:ext uri="{C183D7F6-B498-43B3-948B-1728B52AA6E4}">
+                  <adec:decorative xmlns:adec="http://schemas.microsoft.com/office/drawing/2017/decorative" val="1"/>
+                </a:ext>
+              </a:extLst>
+            </p:cNvPr>
+            <p:cNvSpPr/>
+            <p:nvPr>
+              <p:extLst>
+                <p:ext uri="{386F3935-93C4-4BCD-93E2-E3B085C9AB24}">
+                  <p16:designElem xmlns:p16="http://schemas.microsoft.com/office/powerpoint/2015/main" val="1"/>
+                </p:ext>
+              </p:extLst>
+            </p:nvPr>
+          </p:nvSpPr>
+          <p:spPr>
+            <a:xfrm>
+              <a:off x="7904482" y="1062693"/>
+              <a:ext cx="3367301" cy="4292341"/>
+            </a:xfrm>
+            <a:prstGeom prst="rect">
+              <a:avLst/>
+            </a:prstGeom>
+            <a:gradFill>
+              <a:gsLst>
+                <a:gs pos="0">
+                  <a:srgbClr val="DADADA"/>
+                </a:gs>
+                <a:gs pos="100000">
+                  <a:srgbClr val="FFFFFE"/>
+                </a:gs>
+              </a:gsLst>
+              <a:lin ang="16200000" scaled="0"/>
+            </a:gradFill>
+            <a:ln w="50800" cmpd="sng">
+              <a:solidFill>
+                <a:srgbClr val="191919"/>
+              </a:solidFill>
+              <a:miter lim="800000"/>
+            </a:ln>
+            <a:effectLst>
+              <a:innerShdw blurRad="63500" dist="88900" dir="14100000">
+                <a:srgbClr val="000000">
+                  <a:alpha val="30000"/>
+                </a:srgbClr>
+              </a:innerShdw>
+            </a:effectLst>
+            <a:scene3d>
+              <a:camera prst="orthographicFront"/>
+              <a:lightRig rig="threePt" dir="t"/>
+            </a:scene3d>
+            <a:sp3d>
+              <a:bevelT prst="relaxedInset"/>
+            </a:sp3d>
+          </p:spPr>
+          <p:style>
+            <a:lnRef idx="1">
+              <a:schemeClr val="accent1"/>
+            </a:lnRef>
+            <a:fillRef idx="3">
+              <a:schemeClr val="accent1"/>
+            </a:fillRef>
+            <a:effectRef idx="2">
+              <a:schemeClr val="accent1"/>
+            </a:effectRef>
+            <a:fontRef idx="minor">
+              <a:schemeClr val="lt1"/>
+            </a:fontRef>
+          </p:style>
+          <p:txBody>
+            <a:bodyPr rtlCol="0" anchor="ctr"/>
+            <a:lstStyle/>
+            <a:p>
+              <a:pPr algn="ctr"/>
+              <a:endParaRPr lang="en-US"/>
+            </a:p>
+          </p:txBody>
+        </p:sp>
+      </p:grpSp>
+      <p:sp>
+        <p:nvSpPr>
+          <p:cNvPr id="34" name="Rectangle 33">
+            <a:extLst>
+              <a:ext uri="{FF2B5EF4-FFF2-40B4-BE49-F238E27FC236}">
+                <a16:creationId xmlns:a16="http://schemas.microsoft.com/office/drawing/2014/main" id="{2CDE5B13-F51C-29D5-74DE-1341B5CDCBCA}"/>
+              </a:ext>
+              <a:ext uri="{C183D7F6-B498-43B3-948B-1728B52AA6E4}">
+                <adec:decorative xmlns:adec="http://schemas.microsoft.com/office/drawing/2017/decorative" val="1"/>
+              </a:ext>
+            </a:extLst>
+          </p:cNvPr>
+          <p:cNvSpPr>
+            <a:spLocks noGrp="1" noRot="1" noChangeAspect="1" noMove="1" noResize="1" noEditPoints="1" noAdjustHandles="1" noChangeArrowheads="1" noChangeShapeType="1" noTextEdit="1"/>
+          </p:cNvSpPr>
+          <p:nvPr>
+            <p:extLst>
+              <p:ext uri="{386F3935-93C4-4BCD-93E2-E3B085C9AB24}">
+                <p16:designElem xmlns:p16="http://schemas.microsoft.com/office/powerpoint/2015/main" val="1"/>
+              </p:ext>
+            </p:extLst>
+          </p:nvPr>
+        </p:nvSpPr>
+        <p:spPr>
+          <a:xfrm>
+            <a:off x="2244322" y="822145"/>
+            <a:ext cx="7702878" cy="2662923"/>
+          </a:xfrm>
+          <a:prstGeom prst="rect">
+            <a:avLst/>
+          </a:prstGeom>
+          <a:solidFill>
+            <a:schemeClr val="bg1"/>
+          </a:solidFill>
+          <a:ln w="6350">
+            <a:solidFill>
+              <a:schemeClr val="bg2"/>
+            </a:solidFill>
+          </a:ln>
+        </p:spPr>
+        <p:style>
+          <a:lnRef idx="2">
+            <a:schemeClr val="accent1">
+              <a:shade val="50000"/>
+            </a:schemeClr>
+          </a:lnRef>
+          <a:fillRef idx="1">
+            <a:schemeClr val="accent1"/>
+          </a:fillRef>
+          <a:effectRef idx="0">
+            <a:schemeClr val="accent1"/>
+          </a:effectRef>
+          <a:fontRef idx="minor">
+            <a:schemeClr val="lt1"/>
+          </a:fontRef>
+        </p:style>
+        <p:txBody>
+          <a:bodyPr rtlCol="0" anchor="ctr"/>
+          <a:lstStyle/>
+          <a:p>
+            <a:pPr algn="ctr"/>
+            <a:endParaRPr lang="en-US"/>
+          </a:p>
+        </p:txBody>
+      </p:sp>
+      <p:cxnSp>
+        <p:nvCxnSpPr>
+          <p:cNvPr id="36" name="Straight Connector 35">
+            <a:extLst>
+              <a:ext uri="{FF2B5EF4-FFF2-40B4-BE49-F238E27FC236}">
+                <a16:creationId xmlns:a16="http://schemas.microsoft.com/office/drawing/2014/main" id="{33864536-C15B-DDE8-CB9E-223EFF95082A}"/>
+              </a:ext>
+              <a:ext uri="{C183D7F6-B498-43B3-948B-1728B52AA6E4}">
+                <adec:decorative xmlns:adec="http://schemas.microsoft.com/office/drawing/2017/decorative" val="1"/>
+              </a:ext>
+            </a:extLst>
+          </p:cNvPr>
+          <p:cNvCxnSpPr>
+            <a:cxnSpLocks noGrp="1" noRot="1" noChangeAspect="1" noMove="1" noResize="1" noEditPoints="1" noAdjustHandles="1" noChangeArrowheads="1" noChangeShapeType="1"/>
+          </p:cNvCxnSpPr>
+          <p:nvPr>
+            <p:extLst>
+              <p:ext uri="{386F3935-93C4-4BCD-93E2-E3B085C9AB24}">
+                <p16:designElem xmlns:p16="http://schemas.microsoft.com/office/powerpoint/2015/main" val="1"/>
+              </p:ext>
+            </p:extLst>
+          </p:nvPr>
+        </p:nvCxnSpPr>
+        <p:spPr>
+          <a:xfrm>
+            <a:off x="1776728" y="5027185"/>
+            <a:ext cx="8643010" cy="0"/>
+          </a:xfrm>
+          <a:prstGeom prst="line">
+            <a:avLst/>
+          </a:prstGeom>
+          <a:ln w="31750"/>
+        </p:spPr>
+        <p:style>
+          <a:lnRef idx="3">
+            <a:schemeClr val="accent1"/>
+          </a:lnRef>
+          <a:fillRef idx="0">
+            <a:schemeClr val="accent1"/>
+          </a:fillRef>
+          <a:effectRef idx="2">
+            <a:schemeClr val="accent1"/>
+          </a:effectRef>
+          <a:fontRef idx="minor">
+            <a:schemeClr val="tx1"/>
+          </a:fontRef>
+        </p:style>
+      </p:cxnSp>
+      <p:sp>
+        <p:nvSpPr>
+          <p:cNvPr id="4" name="Espace réservé de la date 3">
+            <a:extLst>
+              <a:ext uri="{FF2B5EF4-FFF2-40B4-BE49-F238E27FC236}">
+                <a16:creationId xmlns:a16="http://schemas.microsoft.com/office/drawing/2014/main" id="{A2CAF926-F184-9CCD-5E11-8606627640D7}"/>
+              </a:ext>
+            </a:extLst>
+          </p:cNvPr>
+          <p:cNvSpPr>
+            <a:spLocks noGrp="1"/>
+          </p:cNvSpPr>
+          <p:nvPr>
+            <p:ph type="dt" sz="half" idx="10"/>
+          </p:nvPr>
+        </p:nvSpPr>
+        <p:spPr>
+          <a:xfrm>
+            <a:off x="6925692" y="5495006"/>
+            <a:ext cx="3500715" cy="309201"/>
+          </a:xfrm>
+        </p:spPr>
+        <p:txBody>
+          <a:bodyPr vert="horz" lIns="91440" tIns="45720" rIns="91440" bIns="45720" rtlCol="0" anchor="ctr">
+            <a:normAutofit/>
+          </a:bodyPr>
+          <a:lstStyle/>
+          <a:p>
+            <a:pPr>
+              <a:spcAft>
+                <a:spcPts val="600"/>
+              </a:spcAft>
+            </a:pPr>
+            <a:fld id="{802FE938-1586-4780-B61A-DD3B60BAB93C}" type="datetime1">
+              <a:rPr lang="fr-FR" smtClean="0"/>
+              <a:pPr>
+                <a:spcAft>
+                  <a:spcPts val="600"/>
+                </a:spcAft>
+              </a:pPr>
+              <a:t>08/01/2026</a:t>
+            </a:fld>
+            <a:endParaRPr lang="en-US"/>
+          </a:p>
+        </p:txBody>
+      </p:sp>
+      <p:pic>
+        <p:nvPicPr>
+          <p:cNvPr id="38" name="Picture 37">
+            <a:extLst>
+              <a:ext uri="{FF2B5EF4-FFF2-40B4-BE49-F238E27FC236}">
+                <a16:creationId xmlns:a16="http://schemas.microsoft.com/office/drawing/2014/main" id="{D14D7917-2FBC-6837-0E40-6024E90459BC}"/>
+              </a:ext>
+              <a:ext uri="{C183D7F6-B498-43B3-948B-1728B52AA6E4}">
+                <adec:decorative xmlns:adec="http://schemas.microsoft.com/office/drawing/2017/decorative" val="1"/>
+              </a:ext>
+            </a:extLst>
+          </p:cNvPr>
+          <p:cNvPicPr>
+            <a:picLocks noGrp="1" noRot="1" noChangeAspect="1" noMove="1" noResize="1" noEditPoints="1" noAdjustHandles="1" noChangeArrowheads="1" noChangeShapeType="1" noCrop="1"/>
+          </p:cNvPicPr>
+          <p:nvPr>
+            <p:extLst>
+              <p:ext uri="{386F3935-93C4-4BCD-93E2-E3B085C9AB24}">
+                <p16:designElem xmlns:p16="http://schemas.microsoft.com/office/powerpoint/2015/main" val="1"/>
+              </p:ext>
+            </p:extLst>
+          </p:nvPr>
+        </p:nvPicPr>
+        <p:blipFill rotWithShape="1">
+          <a:blip r:embed="rId2">
+            <a:extLst>
+              <a:ext uri="{28A0092B-C50C-407E-A947-70E740481C1C}">
+                <a14:useLocalDpi xmlns:a14="http://schemas.microsoft.com/office/drawing/2010/main" val="0"/>
+              </a:ext>
+            </a:extLst>
+          </a:blip>
+          <a:srcRect t="1538" b="-1538"/>
+          <a:stretch/>
+        </p:blipFill>
+        <p:spPr bwMode="black">
+          <a:xfrm>
+            <a:off x="0" y="6126480"/>
+            <a:ext cx="12192000" cy="742950"/>
+          </a:xfrm>
+          <a:prstGeom prst="rect">
+            <a:avLst/>
+          </a:prstGeom>
+        </p:spPr>
+      </p:pic>
+      <p:cxnSp>
+        <p:nvCxnSpPr>
+          <p:cNvPr id="40" name="Straight Connector 39">
+            <a:extLst>
+              <a:ext uri="{FF2B5EF4-FFF2-40B4-BE49-F238E27FC236}">
+                <a16:creationId xmlns:a16="http://schemas.microsoft.com/office/drawing/2014/main" id="{962B9EE2-4C9F-6B69-8F93-2E741D534298}"/>
+              </a:ext>
+              <a:ext uri="{C183D7F6-B498-43B3-948B-1728B52AA6E4}">
+                <adec:decorative xmlns:adec="http://schemas.microsoft.com/office/drawing/2017/decorative" val="1"/>
+              </a:ext>
+            </a:extLst>
+          </p:cNvPr>
+          <p:cNvCxnSpPr>
+            <a:cxnSpLocks noGrp="1" noRot="1" noChangeAspect="1" noMove="1" noResize="1" noEditPoints="1" noAdjustHandles="1" noChangeArrowheads="1" noChangeShapeType="1"/>
+          </p:cNvCxnSpPr>
+          <p:nvPr>
+            <p:extLst>
+              <p:ext uri="{386F3935-93C4-4BCD-93E2-E3B085C9AB24}">
+                <p16:designElem xmlns:p16="http://schemas.microsoft.com/office/powerpoint/2015/main" val="1"/>
+              </p:ext>
+            </p:extLst>
+          </p:nvPr>
+        </p:nvCxnSpPr>
+        <p:spPr>
+          <a:xfrm>
+            <a:off x="0" y="6128413"/>
+            <a:ext cx="12192000" cy="0"/>
+          </a:xfrm>
+          <a:prstGeom prst="line">
+            <a:avLst/>
+          </a:prstGeom>
+          <a:ln w="12700">
+            <a:solidFill>
+              <a:srgbClr val="000001">
+                <a:alpha val="20000"/>
+              </a:srgbClr>
+            </a:solidFill>
+          </a:ln>
+        </p:spPr>
+        <p:style>
+          <a:lnRef idx="1">
+            <a:schemeClr val="accent1"/>
+          </a:lnRef>
+          <a:fillRef idx="0">
+            <a:schemeClr val="accent1"/>
+          </a:fillRef>
+          <a:effectRef idx="0">
+            <a:schemeClr val="accent1"/>
+          </a:effectRef>
+          <a:fontRef idx="minor">
+            <a:schemeClr val="tx1"/>
+          </a:fontRef>
+        </p:style>
+      </p:cxnSp>
+      <p:sp>
+        <p:nvSpPr>
+          <p:cNvPr id="19" name="ZoneTexte 18">
+            <a:extLst>
+              <a:ext uri="{FF2B5EF4-FFF2-40B4-BE49-F238E27FC236}">
+                <a16:creationId xmlns:a16="http://schemas.microsoft.com/office/drawing/2014/main" id="{7BBCF70D-0BA1-365D-96A8-A9B9C255A438}"/>
+              </a:ext>
+            </a:extLst>
+          </p:cNvPr>
+          <p:cNvSpPr txBox="1"/>
+          <p:nvPr/>
+        </p:nvSpPr>
+        <p:spPr>
+          <a:xfrm>
+            <a:off x="11523216" y="73146"/>
+            <a:ext cx="595035" cy="369332"/>
+          </a:xfrm>
+          <a:prstGeom prst="rect">
+            <a:avLst/>
+          </a:prstGeom>
+          <a:noFill/>
+        </p:spPr>
+        <p:txBody>
+          <a:bodyPr wrap="none" rtlCol="0">
+            <a:spAutoFit/>
+          </a:bodyPr>
+          <a:lstStyle/>
+          <a:p>
+            <a:r>
+              <a:rPr lang="fr-FR" dirty="0"/>
+              <a:t>4/26</a:t>
+            </a:r>
+          </a:p>
+        </p:txBody>
+      </p:sp>
+      <p:pic>
+        <p:nvPicPr>
+          <p:cNvPr id="7" name="Image 6" descr="Une image contenant capture d’écran, conception&#10;&#10;Le contenu généré par l’IA peut être incorrect.">
+            <a:extLst>
+              <a:ext uri="{FF2B5EF4-FFF2-40B4-BE49-F238E27FC236}">
+                <a16:creationId xmlns:a16="http://schemas.microsoft.com/office/drawing/2014/main" id="{5B6EEA32-6782-9D1A-CCBE-90F50EC76A50}"/>
+              </a:ext>
+            </a:extLst>
+          </p:cNvPr>
+          <p:cNvPicPr>
+            <a:picLocks noChangeAspect="1"/>
+          </p:cNvPicPr>
+          <p:nvPr/>
+        </p:nvPicPr>
+        <p:blipFill>
+          <a:blip r:embed="rId3"/>
+          <a:stretch>
+            <a:fillRect/>
+          </a:stretch>
+        </p:blipFill>
+        <p:spPr>
+          <a:xfrm>
+            <a:off x="6085913" y="873264"/>
+            <a:ext cx="3943225" cy="2328306"/>
+          </a:xfrm>
+          <a:prstGeom prst="rect">
+            <a:avLst/>
+          </a:prstGeom>
+        </p:spPr>
+      </p:pic>
+      <p:pic>
+        <p:nvPicPr>
+          <p:cNvPr id="8" name="Image 7">
+            <a:extLst>
+              <a:ext uri="{FF2B5EF4-FFF2-40B4-BE49-F238E27FC236}">
+                <a16:creationId xmlns:a16="http://schemas.microsoft.com/office/drawing/2014/main" id="{4AC1F14A-90DE-9A7B-D1AD-2A50630A8042}"/>
+              </a:ext>
+            </a:extLst>
+          </p:cNvPr>
+          <p:cNvPicPr>
+            <a:picLocks noChangeAspect="1"/>
+          </p:cNvPicPr>
+          <p:nvPr/>
+        </p:nvPicPr>
+        <p:blipFill>
+          <a:blip r:embed="rId4"/>
+          <a:stretch>
+            <a:fillRect/>
+          </a:stretch>
+        </p:blipFill>
+        <p:spPr>
+          <a:xfrm>
+            <a:off x="2142509" y="873264"/>
+            <a:ext cx="3943101" cy="2328306"/>
+          </a:xfrm>
+          <a:prstGeom prst="rect">
+            <a:avLst/>
+          </a:prstGeom>
+        </p:spPr>
+      </p:pic>
+      <p:pic>
+        <p:nvPicPr>
+          <p:cNvPr id="9" name="Image 8" descr="Une image contenant capture d’écran, conception&#10;&#10;Le contenu généré par l’IA peut être incorrect.">
+            <a:extLst>
+              <a:ext uri="{FF2B5EF4-FFF2-40B4-BE49-F238E27FC236}">
+                <a16:creationId xmlns:a16="http://schemas.microsoft.com/office/drawing/2014/main" id="{B0E1B845-FF97-9A82-77A4-64399C47A859}"/>
+              </a:ext>
+            </a:extLst>
+          </p:cNvPr>
+          <p:cNvPicPr>
+            <a:picLocks noChangeAspect="1"/>
+          </p:cNvPicPr>
+          <p:nvPr/>
+        </p:nvPicPr>
+        <p:blipFill>
+          <a:blip r:embed="rId3"/>
+          <a:stretch>
+            <a:fillRect/>
+          </a:stretch>
+        </p:blipFill>
+        <p:spPr>
+          <a:xfrm>
+            <a:off x="6126882" y="873264"/>
+            <a:ext cx="3943225" cy="2328306"/>
+          </a:xfrm>
+          <a:prstGeom prst="rect">
+            <a:avLst/>
+          </a:prstGeom>
+        </p:spPr>
+      </p:pic>
+    </p:spTree>
+    <p:extLst>
+      <p:ext uri="{BB962C8B-B14F-4D97-AF65-F5344CB8AC3E}">
+        <p14:creationId xmlns:p14="http://schemas.microsoft.com/office/powerpoint/2010/main" val="3190534502"/>
+      </p:ext>
+    </p:extLst>
+  </p:cSld>
+  <p:clrMapOvr>
+    <a:masterClrMapping/>
+  </p:clrMapOvr>
+</p:sld>
+</file>
+
+<file path=ppt/slides/slide6.xml><?xml version="1.0" encoding="utf-8"?>
+<p:sld xmlns:a="http://schemas.openxmlformats.org/drawingml/2006/main" xmlns:r="http://schemas.openxmlformats.org/officeDocument/2006/relationships" xmlns:p="http://schemas.openxmlformats.org/presentationml/2006/main">
+  <p:cSld>
+    <p:bg>
+      <p:bgPr>
+        <a:gradFill rotWithShape="1">
+          <a:gsLst>
+            <a:gs pos="0">
+              <a:schemeClr val="bg2">
+                <a:tint val="94000"/>
+                <a:satMod val="80000"/>
+                <a:lumMod val="106000"/>
+              </a:schemeClr>
+            </a:gs>
+            <a:gs pos="100000">
+              <a:schemeClr val="bg2">
+                <a:shade val="80000"/>
+              </a:schemeClr>
+            </a:gs>
+          </a:gsLst>
+          <a:path path="circle">
+            <a:fillToRect l="43000" r="43000" b="100000"/>
+          </a:path>
+        </a:gradFill>
+        <a:effectLst/>
+      </p:bgPr>
+    </p:bg>
+    <p:spTree>
+      <p:nvGrpSpPr>
+        <p:cNvPr id="1" name="">
+          <a:extLst>
+            <a:ext uri="{FF2B5EF4-FFF2-40B4-BE49-F238E27FC236}">
+              <a16:creationId xmlns:a16="http://schemas.microsoft.com/office/drawing/2014/main" id="{D76582F5-AB9A-198E-4273-FD7A08EEA8A3}"/>
+            </a:ext>
+          </a:extLst>
+        </p:cNvPr>
+        <p:cNvGrpSpPr/>
+        <p:nvPr/>
+      </p:nvGrpSpPr>
+      <p:grpSpPr>
+        <a:xfrm>
+          <a:off x="0" y="0"/>
+          <a:ext cx="0" cy="0"/>
+          <a:chOff x="0" y="0"/>
+          <a:chExt cx="0" cy="0"/>
+        </a:xfrm>
+      </p:grpSpPr>
+      <p:sp>
+        <p:nvSpPr>
+          <p:cNvPr id="22" name="Rectangle 21">
+            <a:extLst>
+              <a:ext uri="{FF2B5EF4-FFF2-40B4-BE49-F238E27FC236}">
+                <a16:creationId xmlns:a16="http://schemas.microsoft.com/office/drawing/2014/main" id="{5A14EC38-9B54-5676-1D0E-90D3D284F4F9}"/>
+              </a:ext>
+              <a:ext uri="{C183D7F6-B498-43B3-948B-1728B52AA6E4}">
+                <adec:decorative xmlns:adec="http://schemas.microsoft.com/office/drawing/2017/decorative" val="1"/>
+              </a:ext>
+            </a:extLst>
+          </p:cNvPr>
+          <p:cNvSpPr>
+            <a:spLocks noGrp="1" noRot="1" noChangeAspect="1" noMove="1" noResize="1" noEditPoints="1" noAdjustHandles="1" noChangeArrowheads="1" noChangeShapeType="1" noTextEdit="1"/>
+          </p:cNvSpPr>
+          <p:nvPr>
+            <p:extLst>
+              <p:ext uri="{386F3935-93C4-4BCD-93E2-E3B085C9AB24}">
+                <p16:designElem xmlns:p16="http://schemas.microsoft.com/office/powerpoint/2015/main" val="1"/>
+              </p:ext>
+            </p:extLst>
+          </p:nvPr>
+        </p:nvSpPr>
+        <p:spPr>
+          <a:xfrm>
+            <a:off x="0" y="2019476"/>
+            <a:ext cx="12192000" cy="4105941"/>
+          </a:xfrm>
+          <a:prstGeom prst="rect">
+            <a:avLst/>
+          </a:prstGeom>
+          <a:gradFill flip="none" rotWithShape="1">
+            <a:gsLst>
+              <a:gs pos="0">
+                <a:schemeClr val="bg2">
+                  <a:alpha val="0"/>
+                </a:schemeClr>
+              </a:gs>
+              <a:gs pos="100000">
+                <a:schemeClr val="bg2"/>
+              </a:gs>
+            </a:gsLst>
+            <a:lin ang="5400000" scaled="0"/>
+            <a:tileRect/>
+          </a:gradFill>
+          <a:ln>
+            <a:noFill/>
+          </a:ln>
+        </p:spPr>
+        <p:style>
+          <a:lnRef idx="2">
+            <a:schemeClr val="accent1">
+              <a:shade val="50000"/>
+            </a:schemeClr>
+          </a:lnRef>
+          <a:fillRef idx="1">
+            <a:schemeClr val="accent1"/>
+          </a:fillRef>
+          <a:effectRef idx="0">
+            <a:schemeClr val="accent1"/>
+          </a:effectRef>
+          <a:fontRef idx="minor">
+            <a:schemeClr val="lt1"/>
+          </a:fontRef>
+        </p:style>
+        <p:txBody>
+          <a:bodyPr/>
+          <a:lstStyle/>
+          <a:p>
+            <a:endParaRPr lang="fr-FR"/>
+          </a:p>
+        </p:txBody>
+      </p:sp>
+      <p:pic>
+        <p:nvPicPr>
+          <p:cNvPr id="24" name="Picture 23">
+            <a:extLst>
+              <a:ext uri="{FF2B5EF4-FFF2-40B4-BE49-F238E27FC236}">
+                <a16:creationId xmlns:a16="http://schemas.microsoft.com/office/drawing/2014/main" id="{80115E79-42DB-7323-F6B3-2776C76E75F9}"/>
+              </a:ext>
+              <a:ext uri="{C183D7F6-B498-43B3-948B-1728B52AA6E4}">
+                <adec:decorative xmlns:adec="http://schemas.microsoft.com/office/drawing/2017/decorative" val="1"/>
+              </a:ext>
+            </a:extLst>
+          </p:cNvPr>
+          <p:cNvPicPr>
+            <a:picLocks noGrp="1" noRot="1" noChangeAspect="1" noMove="1" noResize="1" noEditPoints="1" noAdjustHandles="1" noChangeArrowheads="1" noChangeShapeType="1" noCrop="1"/>
+          </p:cNvPicPr>
+          <p:nvPr>
+            <p:extLst>
+              <p:ext uri="{386F3935-93C4-4BCD-93E2-E3B085C9AB24}">
+                <p16:designElem xmlns:p16="http://schemas.microsoft.com/office/powerpoint/2015/main" val="1"/>
+              </p:ext>
+            </p:extLst>
+          </p:nvPr>
+        </p:nvPicPr>
+        <p:blipFill rotWithShape="1">
+          <a:blip r:embed="rId2">
+            <a:extLst>
+              <a:ext uri="{28A0092B-C50C-407E-A947-70E740481C1C}">
+                <a14:useLocalDpi xmlns:a14="http://schemas.microsoft.com/office/drawing/2010/main" val="0"/>
+              </a:ext>
+            </a:extLst>
+          </a:blip>
+          <a:srcRect t="1538" b="-1538"/>
+          <a:stretch/>
+        </p:blipFill>
+        <p:spPr bwMode="black">
+          <a:xfrm>
+            <a:off x="0" y="6126480"/>
+            <a:ext cx="12192000" cy="742950"/>
+          </a:xfrm>
+          <a:prstGeom prst="rect">
+            <a:avLst/>
+          </a:prstGeom>
+        </p:spPr>
+      </p:pic>
+      <p:cxnSp>
+        <p:nvCxnSpPr>
+          <p:cNvPr id="26" name="Straight Connector 25">
+            <a:extLst>
+              <a:ext uri="{FF2B5EF4-FFF2-40B4-BE49-F238E27FC236}">
+                <a16:creationId xmlns:a16="http://schemas.microsoft.com/office/drawing/2014/main" id="{464C7CE9-2EED-40BF-6D0B-CACAC48895E5}"/>
+              </a:ext>
+              <a:ext uri="{C183D7F6-B498-43B3-948B-1728B52AA6E4}">
+                <adec:decorative xmlns:adec="http://schemas.microsoft.com/office/drawing/2017/decorative" val="1"/>
+              </a:ext>
+            </a:extLst>
+          </p:cNvPr>
+          <p:cNvCxnSpPr>
+            <a:cxnSpLocks noGrp="1" noRot="1" noChangeAspect="1" noMove="1" noResize="1" noEditPoints="1" noAdjustHandles="1" noChangeArrowheads="1" noChangeShapeType="1"/>
+          </p:cNvCxnSpPr>
+          <p:nvPr>
+            <p:extLst>
+              <p:ext uri="{386F3935-93C4-4BCD-93E2-E3B085C9AB24}">
+                <p16:designElem xmlns:p16="http://schemas.microsoft.com/office/powerpoint/2015/main" val="1"/>
+              </p:ext>
+            </p:extLst>
+          </p:nvPr>
+        </p:nvCxnSpPr>
+        <p:spPr>
+          <a:xfrm>
+            <a:off x="0" y="6128413"/>
+            <a:ext cx="12192000" cy="0"/>
+          </a:xfrm>
+          <a:prstGeom prst="line">
+            <a:avLst/>
+          </a:prstGeom>
+          <a:ln w="12700">
+            <a:solidFill>
+              <a:srgbClr val="000001">
+                <a:alpha val="20000"/>
+              </a:srgbClr>
+            </a:solidFill>
+          </a:ln>
+        </p:spPr>
+        <p:style>
+          <a:lnRef idx="1">
+            <a:schemeClr val="accent1"/>
+          </a:lnRef>
+          <a:fillRef idx="0">
+            <a:schemeClr val="accent1"/>
+          </a:fillRef>
+          <a:effectRef idx="0">
+            <a:schemeClr val="accent1"/>
+          </a:effectRef>
+          <a:fontRef idx="minor">
+            <a:schemeClr val="tx1"/>
+          </a:fontRef>
+        </p:style>
+      </p:cxnSp>
+      <p:cxnSp>
+        <p:nvCxnSpPr>
+          <p:cNvPr id="28" name="Straight Connector 27">
+            <a:extLst>
+              <a:ext uri="{FF2B5EF4-FFF2-40B4-BE49-F238E27FC236}">
+                <a16:creationId xmlns:a16="http://schemas.microsoft.com/office/drawing/2014/main" id="{76ADCA1E-5644-28F0-29CE-A950FA8D7133}"/>
+              </a:ext>
+              <a:ext uri="{C183D7F6-B498-43B3-948B-1728B52AA6E4}">
+                <adec:decorative xmlns:adec="http://schemas.microsoft.com/office/drawing/2017/decorative" val="1"/>
+              </a:ext>
+            </a:extLst>
+          </p:cNvPr>
+          <p:cNvCxnSpPr>
+            <a:cxnSpLocks noGrp="1" noRot="1" noChangeAspect="1" noMove="1" noResize="1" noEditPoints="1" noAdjustHandles="1" noChangeArrowheads="1" noChangeShapeType="1"/>
+          </p:cNvCxnSpPr>
+          <p:nvPr>
+            <p:extLst>
+              <p:ext uri="{386F3935-93C4-4BCD-93E2-E3B085C9AB24}">
+                <p16:designElem xmlns:p16="http://schemas.microsoft.com/office/powerpoint/2015/main" val="1"/>
+              </p:ext>
+            </p:extLst>
+          </p:nvPr>
+        </p:nvCxnSpPr>
+        <p:spPr>
+          <a:xfrm>
+            <a:off x="2417780" y="3528542"/>
+            <a:ext cx="8637072" cy="0"/>
+          </a:xfrm>
+          <a:prstGeom prst="line">
+            <a:avLst/>
+          </a:prstGeom>
+          <a:ln w="31750"/>
+        </p:spPr>
+        <p:style>
+          <a:lnRef idx="3">
+            <a:schemeClr val="accent1"/>
+          </a:lnRef>
+          <a:fillRef idx="0">
+            <a:schemeClr val="accent1"/>
+          </a:fillRef>
+          <a:effectRef idx="2">
+            <a:schemeClr val="accent1"/>
+          </a:effectRef>
+          <a:fontRef idx="minor">
+            <a:schemeClr val="tx1"/>
+          </a:fontRef>
+        </p:style>
+      </p:cxnSp>
+      <p:sp useBgFill="1">
+        <p:nvSpPr>
+          <p:cNvPr id="30" name="Rectangle 29">
+            <a:extLst>
+              <a:ext uri="{FF2B5EF4-FFF2-40B4-BE49-F238E27FC236}">
+                <a16:creationId xmlns:a16="http://schemas.microsoft.com/office/drawing/2014/main" id="{A3323B4E-9545-A1E8-9914-1C123CE3CD8C}"/>
+              </a:ext>
+              <a:ext uri="{C183D7F6-B498-43B3-948B-1728B52AA6E4}">
+                <adec:decorative xmlns:adec="http://schemas.microsoft.com/office/drawing/2017/decorative" val="1"/>
+              </a:ext>
+            </a:extLst>
+          </p:cNvPr>
+          <p:cNvSpPr>
+            <a:spLocks noGrp="1" noRot="1" noChangeAspect="1" noMove="1" noResize="1" noEditPoints="1" noAdjustHandles="1" noChangeArrowheads="1" noChangeShapeType="1" noTextEdit="1"/>
+          </p:cNvSpPr>
+          <p:nvPr>
+            <p:extLst>
+              <p:ext uri="{386F3935-93C4-4BCD-93E2-E3B085C9AB24}">
+                <p16:designElem xmlns:p16="http://schemas.microsoft.com/office/powerpoint/2015/main" val="1"/>
+              </p:ext>
+            </p:extLst>
+          </p:nvPr>
+        </p:nvSpPr>
+        <p:spPr>
+          <a:xfrm>
+            <a:off x="2" y="0"/>
+            <a:ext cx="12191695" cy="6858000"/>
+          </a:xfrm>
+          <a:prstGeom prst="rect">
+            <a:avLst/>
+          </a:prstGeom>
+          <a:ln>
+            <a:noFill/>
+          </a:ln>
+        </p:spPr>
+        <p:style>
+          <a:lnRef idx="2">
+            <a:schemeClr val="accent1">
+              <a:shade val="50000"/>
+            </a:schemeClr>
+          </a:lnRef>
+          <a:fillRef idx="1">
+            <a:schemeClr val="accent1"/>
+          </a:fillRef>
+          <a:effectRef idx="0">
+            <a:schemeClr val="accent1"/>
+          </a:effectRef>
+          <a:fontRef idx="minor">
+            <a:schemeClr val="lt1"/>
+          </a:fontRef>
+        </p:style>
+        <p:txBody>
+          <a:bodyPr rtlCol="0" anchor="ctr"/>
+          <a:lstStyle/>
+          <a:p>
+            <a:pPr algn="ctr"/>
+            <a:endParaRPr lang="en-US"/>
+          </a:p>
+        </p:txBody>
+      </p:sp>
+      <p:sp>
+        <p:nvSpPr>
+          <p:cNvPr id="32" name="Rectangle 31">
+            <a:extLst>
+              <a:ext uri="{FF2B5EF4-FFF2-40B4-BE49-F238E27FC236}">
+                <a16:creationId xmlns:a16="http://schemas.microsoft.com/office/drawing/2014/main" id="{4F25DE47-F337-FB8D-0299-9C4BB16C46F9}"/>
+              </a:ext>
+              <a:ext uri="{C183D7F6-B498-43B3-948B-1728B52AA6E4}">
+                <adec:decorative xmlns:adec="http://schemas.microsoft.com/office/drawing/2017/decorative" val="1"/>
+              </a:ext>
+            </a:extLst>
+          </p:cNvPr>
+          <p:cNvSpPr>
+            <a:spLocks noGrp="1" noRot="1" noChangeAspect="1" noMove="1" noResize="1" noEditPoints="1" noAdjustHandles="1" noChangeArrowheads="1" noChangeShapeType="1" noTextEdit="1"/>
+          </p:cNvSpPr>
+          <p:nvPr>
+            <p:extLst>
+              <p:ext uri="{386F3935-93C4-4BCD-93E2-E3B085C9AB24}">
+                <p16:designElem xmlns:p16="http://schemas.microsoft.com/office/powerpoint/2015/main" val="1"/>
+              </p:ext>
+            </p:extLst>
+          </p:nvPr>
+        </p:nvSpPr>
+        <p:spPr>
+          <a:xfrm>
+            <a:off x="0" y="2019476"/>
+            <a:ext cx="12192000" cy="4105941"/>
+          </a:xfrm>
+          <a:prstGeom prst="rect">
+            <a:avLst/>
+          </a:prstGeom>
+          <a:gradFill flip="none" rotWithShape="1">
+            <a:gsLst>
+              <a:gs pos="0">
+                <a:schemeClr val="bg2">
+                  <a:alpha val="0"/>
+                </a:schemeClr>
+              </a:gs>
+              <a:gs pos="100000">
+                <a:schemeClr val="bg2"/>
+              </a:gs>
+            </a:gsLst>
+            <a:lin ang="5400000" scaled="0"/>
+            <a:tileRect/>
+          </a:gradFill>
+          <a:ln>
+            <a:noFill/>
+          </a:ln>
+        </p:spPr>
+        <p:style>
+          <a:lnRef idx="2">
+            <a:schemeClr val="accent1">
+              <a:shade val="50000"/>
+            </a:schemeClr>
+          </a:lnRef>
+          <a:fillRef idx="1">
+            <a:schemeClr val="accent1"/>
+          </a:fillRef>
+          <a:effectRef idx="0">
+            <a:schemeClr val="accent1"/>
+          </a:effectRef>
+          <a:fontRef idx="minor">
+            <a:schemeClr val="lt1"/>
+          </a:fontRef>
+        </p:style>
+        <p:txBody>
+          <a:bodyPr rtlCol="0" anchor="ctr"/>
+          <a:lstStyle/>
+          <a:p>
+            <a:pPr lvl="0" algn="ctr"/>
+            <a:endParaRPr lang="en-US"/>
+          </a:p>
+        </p:txBody>
+      </p:sp>
+      <p:sp>
+        <p:nvSpPr>
+          <p:cNvPr id="2" name="Titre 1">
+            <a:extLst>
+              <a:ext uri="{FF2B5EF4-FFF2-40B4-BE49-F238E27FC236}">
+                <a16:creationId xmlns:a16="http://schemas.microsoft.com/office/drawing/2014/main" id="{12D8CF2C-E24A-A447-8C6C-A1B2FD949E14}"/>
               </a:ext>
             </a:extLst>
           </p:cNvPr>
@@ -14142,7 +15444,7 @@
           <a:p>
             <a:r>
               <a:rPr lang="en-US" sz="3600" dirty="0"/>
-              <a:t>LISTE DES POSSIBILITES</a:t>
+              <a:t>LIST OF POSSIBILITIES</a:t>
             </a:r>
           </a:p>
         </p:txBody>
@@ -14152,7 +15454,7 @@
           <p:cNvPr id="34" name="Group 33">
             <a:extLst>
               <a:ext uri="{FF2B5EF4-FFF2-40B4-BE49-F238E27FC236}">
-                <a16:creationId xmlns:a16="http://schemas.microsoft.com/office/drawing/2014/main" id="{D7A9E343-E53F-4F6E-9FA9-240D9038A476}"/>
+                <a16:creationId xmlns:a16="http://schemas.microsoft.com/office/drawing/2014/main" id="{B1600A0A-38D0-9C2B-43DA-5ADDD2D5A285}"/>
               </a:ext>
               <a:ext uri="{C183D7F6-B498-43B3-948B-1728B52AA6E4}">
                 <adec:decorative xmlns:adec="http://schemas.microsoft.com/office/drawing/2017/decorative" val="1"/>
@@ -14183,7 +15485,7 @@
             <p:cNvPr id="35" name="Rectangle 34">
               <a:extLst>
                 <a:ext uri="{FF2B5EF4-FFF2-40B4-BE49-F238E27FC236}">
-                  <a16:creationId xmlns:a16="http://schemas.microsoft.com/office/drawing/2014/main" id="{E6D251D5-B5F7-44F0-94F8-B57FF58AEE61}"/>
+                  <a16:creationId xmlns:a16="http://schemas.microsoft.com/office/drawing/2014/main" id="{D0B7D407-A4C0-EE0B-069D-3CB066D13477}"/>
                 </a:ext>
                 <a:ext uri="{C183D7F6-B498-43B3-948B-1728B52AA6E4}">
                   <adec:decorative xmlns:adec="http://schemas.microsoft.com/office/drawing/2017/decorative" val="1"/>
@@ -14264,7 +15566,7 @@
             <p:cNvPr id="36" name="Rectangle 35">
               <a:extLst>
                 <a:ext uri="{FF2B5EF4-FFF2-40B4-BE49-F238E27FC236}">
-                  <a16:creationId xmlns:a16="http://schemas.microsoft.com/office/drawing/2014/main" id="{D8019CAD-1C08-4495-BA4D-A724D067DBC3}"/>
+                  <a16:creationId xmlns:a16="http://schemas.microsoft.com/office/drawing/2014/main" id="{8E762E8D-1CE9-7477-5F39-813E10124FE0}"/>
                 </a:ext>
                 <a:ext uri="{C183D7F6-B498-43B3-948B-1728B52AA6E4}">
                   <adec:decorative xmlns:adec="http://schemas.microsoft.com/office/drawing/2017/decorative" val="1"/>
@@ -14349,7 +15651,7 @@
           <p:cNvPr id="38" name="Rectangle 37">
             <a:extLst>
               <a:ext uri="{FF2B5EF4-FFF2-40B4-BE49-F238E27FC236}">
-                <a16:creationId xmlns:a16="http://schemas.microsoft.com/office/drawing/2014/main" id="{CD5934C1-F335-44A5-9FFD-F30F50C53DFB}"/>
+                <a16:creationId xmlns:a16="http://schemas.microsoft.com/office/drawing/2014/main" id="{0E68D294-6DA5-D09B-3510-9E3CEBB6009F}"/>
               </a:ext>
               <a:ext uri="{C183D7F6-B498-43B3-948B-1728B52AA6E4}">
                 <adec:decorative xmlns:adec="http://schemas.microsoft.com/office/drawing/2017/decorative" val="1"/>
@@ -14414,7 +15716,7 @@
           <p:cNvPr id="40" name="Rectangle 39">
             <a:extLst>
               <a:ext uri="{FF2B5EF4-FFF2-40B4-BE49-F238E27FC236}">
-                <a16:creationId xmlns:a16="http://schemas.microsoft.com/office/drawing/2014/main" id="{3880DDAB-9144-4784-B4B1-47CD6BBDE16E}"/>
+                <a16:creationId xmlns:a16="http://schemas.microsoft.com/office/drawing/2014/main" id="{049C9FB3-894F-6AE5-7916-EBE298A3A824}"/>
               </a:ext>
               <a:ext uri="{C183D7F6-B498-43B3-948B-1728B52AA6E4}">
                 <adec:decorative xmlns:adec="http://schemas.microsoft.com/office/drawing/2017/decorative" val="1"/>
@@ -14479,7 +15781,7 @@
           <p:cNvPr id="11" name="Image 10">
             <a:extLst>
               <a:ext uri="{FF2B5EF4-FFF2-40B4-BE49-F238E27FC236}">
-                <a16:creationId xmlns:a16="http://schemas.microsoft.com/office/drawing/2014/main" id="{CF026964-2DA7-4038-BFB6-560D87151EDF}"/>
+                <a16:creationId xmlns:a16="http://schemas.microsoft.com/office/drawing/2014/main" id="{86D595D5-FC22-11F6-3C66-D1EA17BFC241}"/>
               </a:ext>
             </a:extLst>
           </p:cNvPr>
@@ -14515,7 +15817,7 @@
           <p:cNvPr id="42" name="Straight Connector 41">
             <a:extLst>
               <a:ext uri="{FF2B5EF4-FFF2-40B4-BE49-F238E27FC236}">
-                <a16:creationId xmlns:a16="http://schemas.microsoft.com/office/drawing/2014/main" id="{A5CD9AAF-0A3D-47F5-9996-BE4B58D16A13}"/>
+                <a16:creationId xmlns:a16="http://schemas.microsoft.com/office/drawing/2014/main" id="{5FEB8303-9D11-F5FD-B863-57C8015B3C13}"/>
               </a:ext>
               <a:ext uri="{C183D7F6-B498-43B3-948B-1728B52AA6E4}">
                 <adec:decorative xmlns:adec="http://schemas.microsoft.com/office/drawing/2017/decorative" val="1"/>
@@ -14563,7 +15865,7 @@
           <p:cNvPr id="17" name="Image 16" descr="Une image contenant horloge&#10;&#10;Description générée automatiquement">
             <a:extLst>
               <a:ext uri="{FF2B5EF4-FFF2-40B4-BE49-F238E27FC236}">
-                <a16:creationId xmlns:a16="http://schemas.microsoft.com/office/drawing/2014/main" id="{34F6742D-D748-4018-862C-80A5223E12D2}"/>
+                <a16:creationId xmlns:a16="http://schemas.microsoft.com/office/drawing/2014/main" id="{594FE2A7-7C3A-A65E-01BA-0FFC1892D6C1}"/>
               </a:ext>
             </a:extLst>
           </p:cNvPr>
@@ -14599,7 +15901,7 @@
           <p:cNvPr id="44" name="Rectangle 43">
             <a:extLst>
               <a:ext uri="{FF2B5EF4-FFF2-40B4-BE49-F238E27FC236}">
-                <a16:creationId xmlns:a16="http://schemas.microsoft.com/office/drawing/2014/main" id="{4DAAB089-AC72-4164-8E52-BA1048DFDF74}"/>
+                <a16:creationId xmlns:a16="http://schemas.microsoft.com/office/drawing/2014/main" id="{9651F595-9603-0BAA-0F70-AE034BE8BF28}"/>
               </a:ext>
               <a:ext uri="{C183D7F6-B498-43B3-948B-1728B52AA6E4}">
                 <adec:decorative xmlns:adec="http://schemas.microsoft.com/office/drawing/2017/decorative" val="1"/>
@@ -14659,7 +15961,7 @@
           <p:cNvPr id="4" name="Espace réservé de la date 3">
             <a:extLst>
               <a:ext uri="{FF2B5EF4-FFF2-40B4-BE49-F238E27FC236}">
-                <a16:creationId xmlns:a16="http://schemas.microsoft.com/office/drawing/2014/main" id="{C5A186FE-C9E8-4218-A152-89E6EA71618A}"/>
+                <a16:creationId xmlns:a16="http://schemas.microsoft.com/office/drawing/2014/main" id="{581037AE-CB37-93A4-1BCB-43B1BB3A1F77}"/>
               </a:ext>
             </a:extLst>
           </p:cNvPr>
@@ -14694,7 +15996,7 @@
                   <a:spcPts val="600"/>
                 </a:spcAft>
               </a:pPr>
-              <a:t>28/10/2020</a:t>
+              <a:t>08/01/2026</a:t>
             </a:fld>
             <a:endParaRPr lang="en-US"/>
           </a:p>
@@ -14705,7 +16007,7 @@
           <p:cNvPr id="46" name="Picture 45">
             <a:extLst>
               <a:ext uri="{FF2B5EF4-FFF2-40B4-BE49-F238E27FC236}">
-                <a16:creationId xmlns:a16="http://schemas.microsoft.com/office/drawing/2014/main" id="{40E4C9E3-2C41-442C-9ECE-1827D02A0F38}"/>
+                <a16:creationId xmlns:a16="http://schemas.microsoft.com/office/drawing/2014/main" id="{853813B4-013C-64E9-552B-D873F8117E96}"/>
               </a:ext>
               <a:ext uri="{C183D7F6-B498-43B3-948B-1728B52AA6E4}">
                 <adec:decorative xmlns:adec="http://schemas.microsoft.com/office/drawing/2017/decorative" val="1"/>
@@ -14749,7 +16051,7 @@
           <p:cNvPr id="48" name="Straight Connector 47">
             <a:extLst>
               <a:ext uri="{FF2B5EF4-FFF2-40B4-BE49-F238E27FC236}">
-                <a16:creationId xmlns:a16="http://schemas.microsoft.com/office/drawing/2014/main" id="{9E5A1B93-F7E4-418B-95B7-575D94DB34D7}"/>
+                <a16:creationId xmlns:a16="http://schemas.microsoft.com/office/drawing/2014/main" id="{A08A7EAC-EEAA-EABF-4442-577015D98E46}"/>
               </a:ext>
               <a:ext uri="{C183D7F6-B498-43B3-948B-1728B52AA6E4}">
                 <adec:decorative xmlns:adec="http://schemas.microsoft.com/office/drawing/2017/decorative" val="1"/>
@@ -14803,7 +16105,7 @@
           <p:cNvPr id="21" name="ZoneTexte 20">
             <a:extLst>
               <a:ext uri="{FF2B5EF4-FFF2-40B4-BE49-F238E27FC236}">
-                <a16:creationId xmlns:a16="http://schemas.microsoft.com/office/drawing/2014/main" id="{289A3FF1-14BB-498C-8B20-03CC8CB72E41}"/>
+                <a16:creationId xmlns:a16="http://schemas.microsoft.com/office/drawing/2014/main" id="{D3B9FD9C-A58E-7438-B60E-34FC17023EEA}"/>
               </a:ext>
             </a:extLst>
           </p:cNvPr>
@@ -14836,7 +16138,7 @@
     </p:spTree>
     <p:extLst>
       <p:ext uri="{BB962C8B-B14F-4D97-AF65-F5344CB8AC3E}">
-        <p14:creationId xmlns:p14="http://schemas.microsoft.com/office/powerpoint/2010/main" val="2819745225"/>
+        <p14:creationId xmlns:p14="http://schemas.microsoft.com/office/powerpoint/2010/main" val="862914217"/>
       </p:ext>
     </p:extLst>
   </p:cSld>
@@ -14846,7 +16148,7 @@
 </p:sld>
 </file>
 
-<file path=ppt/slides/slide6.xml><?xml version="1.0" encoding="utf-8"?>
+<file path=ppt/slides/slide7.xml><?xml version="1.0" encoding="utf-8"?>
 <p:sld xmlns:a="http://schemas.openxmlformats.org/drawingml/2006/main" xmlns:r="http://schemas.openxmlformats.org/officeDocument/2006/relationships" xmlns:p="http://schemas.openxmlformats.org/presentationml/2006/main">
   <p:cSld>
     <p:bg>
@@ -14952,6 +16254,13 @@
             <a:schemeClr val="lt1"/>
           </a:fontRef>
         </p:style>
+        <p:txBody>
+          <a:bodyPr/>
+          <a:lstStyle/>
+          <a:p>
+            <a:endParaRPr lang="fr-FR"/>
+          </a:p>
+        </p:txBody>
       </p:sp>
       <p:pic>
         <p:nvPicPr>
@@ -15263,7 +16572,7 @@
           <a:p>
             <a:r>
               <a:rPr lang="en-US" sz="3600" dirty="0"/>
-              <a:t>LISTE DES POSSIBILITES</a:t>
+              <a:t>LIST OF POSSIBILITIES</a:t>
             </a:r>
           </a:p>
         </p:txBody>
@@ -15815,7 +17124,7 @@
                   <a:spcPts val="600"/>
                 </a:spcAft>
               </a:pPr>
-              <a:t>28/10/2020</a:t>
+              <a:t>08/01/2026</a:t>
             </a:fld>
             <a:endParaRPr lang="en-US"/>
           </a:p>
@@ -15967,7 +17276,7 @@
 </p:sld>
 </file>
 
-<file path=ppt/slides/slide7.xml><?xml version="1.0" encoding="utf-8"?>
+<file path=ppt/slides/slide8.xml><?xml version="1.0" encoding="utf-8"?>
 <p:sld xmlns:a="http://schemas.openxmlformats.org/drawingml/2006/main" xmlns:r="http://schemas.openxmlformats.org/officeDocument/2006/relationships" xmlns:p="http://schemas.openxmlformats.org/presentationml/2006/main">
   <p:cSld>
     <p:bg>
@@ -16073,6 +17382,13 @@
             <a:schemeClr val="lt1"/>
           </a:fontRef>
         </p:style>
+        <p:txBody>
+          <a:bodyPr/>
+          <a:lstStyle/>
+          <a:p>
+            <a:endParaRPr lang="fr-FR"/>
+          </a:p>
+        </p:txBody>
       </p:sp>
       <p:pic>
         <p:nvPicPr>
@@ -16938,7 +18254,7 @@
                   <a:spcPts val="600"/>
                 </a:spcAft>
               </a:pPr>
-              <a:t>28/10/2020</a:t>
+              <a:t>08/01/2026</a:t>
             </a:fld>
             <a:endParaRPr lang="en-US"/>
           </a:p>
@@ -17090,7 +18406,7 @@
 </p:sld>
 </file>
 
-<file path=ppt/slides/slide8.xml><?xml version="1.0" encoding="utf-8"?>
+<file path=ppt/slides/slide9.xml><?xml version="1.0" encoding="utf-8"?>
 <p:sld xmlns:a="http://schemas.openxmlformats.org/drawingml/2006/main" xmlns:r="http://schemas.openxmlformats.org/officeDocument/2006/relationships" xmlns:p="http://schemas.openxmlformats.org/presentationml/2006/main">
   <p:cSld>
     <p:bg>
@@ -17196,6 +18512,13 @@
             <a:schemeClr val="lt1"/>
           </a:fontRef>
         </p:style>
+        <p:txBody>
+          <a:bodyPr/>
+          <a:lstStyle/>
+          <a:p>
+            <a:endParaRPr lang="fr-FR"/>
+          </a:p>
+        </p:txBody>
       </p:sp>
       <p:pic>
         <p:nvPicPr>
@@ -17507,7 +18830,7 @@
           <a:p>
             <a:r>
               <a:rPr lang="en-US" sz="3600" dirty="0"/>
-              <a:t>LISTE DES POSSIBILITES</a:t>
+              <a:t>LIST OF POSSIBILITIES</a:t>
             </a:r>
           </a:p>
         </p:txBody>
@@ -18059,7 +19382,7 @@
                   <a:spcPts val="600"/>
                 </a:spcAft>
               </a:pPr>
-              <a:t>28/10/2020</a:t>
+              <a:t>08/01/2026</a:t>
             </a:fld>
             <a:endParaRPr lang="en-US"/>
           </a:p>
@@ -18202,301 +19525,6 @@
     <p:extLst>
       <p:ext uri="{BB962C8B-B14F-4D97-AF65-F5344CB8AC3E}">
         <p14:creationId xmlns:p14="http://schemas.microsoft.com/office/powerpoint/2010/main" val="1074068377"/>
-      </p:ext>
-    </p:extLst>
-  </p:cSld>
-  <p:clrMapOvr>
-    <a:masterClrMapping/>
-  </p:clrMapOvr>
-</p:sld>
-</file>
-
-<file path=ppt/slides/slide9.xml><?xml version="1.0" encoding="utf-8"?>
-<p:sld xmlns:a="http://schemas.openxmlformats.org/drawingml/2006/main" xmlns:r="http://schemas.openxmlformats.org/officeDocument/2006/relationships" xmlns:p="http://schemas.openxmlformats.org/presentationml/2006/main">
-  <p:cSld>
-    <p:spTree>
-      <p:nvGrpSpPr>
-        <p:cNvPr id="1" name=""/>
-        <p:cNvGrpSpPr/>
-        <p:nvPr/>
-      </p:nvGrpSpPr>
-      <p:grpSpPr>
-        <a:xfrm>
-          <a:off x="0" y="0"/>
-          <a:ext cx="0" cy="0"/>
-          <a:chOff x="0" y="0"/>
-          <a:chExt cx="0" cy="0"/>
-        </a:xfrm>
-      </p:grpSpPr>
-      <p:sp>
-        <p:nvSpPr>
-          <p:cNvPr id="2" name="Titre 1">
-            <a:extLst>
-              <a:ext uri="{FF2B5EF4-FFF2-40B4-BE49-F238E27FC236}">
-                <a16:creationId xmlns:a16="http://schemas.microsoft.com/office/drawing/2014/main" id="{3828A403-6528-4DCF-AF3C-ED7DACF94EA6}"/>
-              </a:ext>
-            </a:extLst>
-          </p:cNvPr>
-          <p:cNvSpPr>
-            <a:spLocks noGrp="1"/>
-          </p:cNvSpPr>
-          <p:nvPr>
-            <p:ph type="title"/>
-          </p:nvPr>
-        </p:nvSpPr>
-        <p:spPr>
-          <a:xfrm>
-            <a:off x="1451577" y="204444"/>
-            <a:ext cx="9603275" cy="1049235"/>
-          </a:xfrm>
-        </p:spPr>
-        <p:txBody>
-          <a:bodyPr/>
-          <a:lstStyle/>
-          <a:p>
-            <a:r>
-              <a:rPr lang="fr-FR" dirty="0"/>
-              <a:t>PARCOURS DES POSSIBILITES :</a:t>
-            </a:r>
-          </a:p>
-        </p:txBody>
-      </p:sp>
-      <p:sp>
-        <p:nvSpPr>
-          <p:cNvPr id="4" name="Espace réservé de la date 3">
-            <a:extLst>
-              <a:ext uri="{FF2B5EF4-FFF2-40B4-BE49-F238E27FC236}">
-                <a16:creationId xmlns:a16="http://schemas.microsoft.com/office/drawing/2014/main" id="{665FEA36-3891-456D-AF15-9C0E5226D650}"/>
-              </a:ext>
-            </a:extLst>
-          </p:cNvPr>
-          <p:cNvSpPr>
-            <a:spLocks noGrp="1"/>
-          </p:cNvSpPr>
-          <p:nvPr>
-            <p:ph type="dt" sz="half" idx="10"/>
-          </p:nvPr>
-        </p:nvSpPr>
-        <p:spPr/>
-        <p:txBody>
-          <a:bodyPr/>
-          <a:lstStyle/>
-          <a:p>
-            <a:pPr rtl="0"/>
-            <a:fld id="{802FE938-1586-4780-B61A-DD3B60BAB93C}" type="datetime1">
-              <a:rPr lang="fr-FR" smtClean="0"/>
-              <a:t>28/10/2020</a:t>
-            </a:fld>
-            <a:endParaRPr lang="en-US"/>
-          </a:p>
-        </p:txBody>
-      </p:sp>
-      <p:pic>
-        <p:nvPicPr>
-          <p:cNvPr id="6" name="Image 5">
-            <a:extLst>
-              <a:ext uri="{FF2B5EF4-FFF2-40B4-BE49-F238E27FC236}">
-                <a16:creationId xmlns:a16="http://schemas.microsoft.com/office/drawing/2014/main" id="{0E5F30A4-1D92-4259-B737-5735CCC945AF}"/>
-              </a:ext>
-            </a:extLst>
-          </p:cNvPr>
-          <p:cNvPicPr>
-            <a:picLocks noChangeAspect="1"/>
-          </p:cNvPicPr>
-          <p:nvPr/>
-        </p:nvPicPr>
-        <p:blipFill>
-          <a:blip r:embed="rId2"/>
-          <a:stretch>
-            <a:fillRect/>
-          </a:stretch>
-        </p:blipFill>
-        <p:spPr>
-          <a:xfrm>
-            <a:off x="585926" y="2353987"/>
-            <a:ext cx="1462629" cy="2642170"/>
-          </a:xfrm>
-          <a:prstGeom prst="rect">
-            <a:avLst/>
-          </a:prstGeom>
-        </p:spPr>
-      </p:pic>
-      <p:pic>
-        <p:nvPicPr>
-          <p:cNvPr id="7" name="Image 6">
-            <a:extLst>
-              <a:ext uri="{FF2B5EF4-FFF2-40B4-BE49-F238E27FC236}">
-                <a16:creationId xmlns:a16="http://schemas.microsoft.com/office/drawing/2014/main" id="{B3107A6A-5DE1-421A-9DC9-725A172859E9}"/>
-              </a:ext>
-            </a:extLst>
-          </p:cNvPr>
-          <p:cNvPicPr>
-            <a:picLocks noChangeAspect="1"/>
-          </p:cNvPicPr>
-          <p:nvPr/>
-        </p:nvPicPr>
-        <p:blipFill>
-          <a:blip r:embed="rId3"/>
-          <a:stretch>
-            <a:fillRect/>
-          </a:stretch>
-        </p:blipFill>
-        <p:spPr>
-          <a:xfrm>
-            <a:off x="2825660" y="2122316"/>
-            <a:ext cx="6540680" cy="3737531"/>
-          </a:xfrm>
-          <a:prstGeom prst="rect">
-            <a:avLst/>
-          </a:prstGeom>
-        </p:spPr>
-      </p:pic>
-      <p:sp>
-        <p:nvSpPr>
-          <p:cNvPr id="8" name="ZoneTexte 7">
-            <a:extLst>
-              <a:ext uri="{FF2B5EF4-FFF2-40B4-BE49-F238E27FC236}">
-                <a16:creationId xmlns:a16="http://schemas.microsoft.com/office/drawing/2014/main" id="{8B78BB34-4B22-4F6C-A5D7-9F5EDC3F12A3}"/>
-              </a:ext>
-            </a:extLst>
-          </p:cNvPr>
-          <p:cNvSpPr txBox="1"/>
-          <p:nvPr/>
-        </p:nvSpPr>
-        <p:spPr>
-          <a:xfrm>
-            <a:off x="585926" y="771384"/>
-            <a:ext cx="10468926" cy="1015663"/>
-          </a:xfrm>
-          <a:prstGeom prst="rect">
-            <a:avLst/>
-          </a:prstGeom>
-          <a:noFill/>
-        </p:spPr>
-        <p:txBody>
-          <a:bodyPr wrap="square" rtlCol="0">
-            <a:spAutoFit/>
-          </a:bodyPr>
-          <a:lstStyle/>
-          <a:p>
-            <a:pPr marL="342900" indent="-342900">
-              <a:buFontTx/>
-              <a:buChar char="-"/>
-            </a:pPr>
-            <a:r>
-              <a:rPr lang="fr-FR" sz="2000" dirty="0">
-                <a:solidFill>
-                  <a:schemeClr val="accent6">
-                    <a:lumMod val="50000"/>
-                  </a:schemeClr>
-                </a:solidFill>
-              </a:rPr>
-              <a:t>Si sur une ligne ou une colonne il y a autant de possibilités que de ‘-’ manquant : </a:t>
-            </a:r>
-            <a:r>
-              <a:rPr lang="fr-FR" sz="2000" b="1" dirty="0">
-                <a:solidFill>
-                  <a:schemeClr val="accent6">
-                    <a:lumMod val="50000"/>
-                  </a:schemeClr>
-                </a:solidFill>
-              </a:rPr>
-              <a:t>On remplace </a:t>
-            </a:r>
-          </a:p>
-          <a:p>
-            <a:pPr marL="342900" indent="-342900">
-              <a:buFontTx/>
-              <a:buChar char="-"/>
-            </a:pPr>
-            <a:r>
-              <a:rPr lang="fr-FR" sz="2000" dirty="0">
-                <a:solidFill>
-                  <a:schemeClr val="accent6">
-                    <a:lumMod val="50000"/>
-                  </a:schemeClr>
-                </a:solidFill>
-              </a:rPr>
-              <a:t>Si une possibilités n’est plus possible : </a:t>
-            </a:r>
-            <a:r>
-              <a:rPr lang="fr-FR" sz="2000" b="1" dirty="0">
-                <a:solidFill>
-                  <a:schemeClr val="accent6">
-                    <a:lumMod val="50000"/>
-                  </a:schemeClr>
-                </a:solidFill>
-              </a:rPr>
-              <a:t>On la supprime</a:t>
-            </a:r>
-          </a:p>
-          <a:p>
-            <a:pPr marL="342900" indent="-342900">
-              <a:buFontTx/>
-              <a:buChar char="-"/>
-            </a:pPr>
-            <a:r>
-              <a:rPr lang="fr-FR" sz="2000" dirty="0">
-                <a:solidFill>
-                  <a:schemeClr val="accent6">
-                    <a:lumMod val="50000"/>
-                  </a:schemeClr>
-                </a:solidFill>
-              </a:rPr>
-              <a:t>Si aucune simplification possible : </a:t>
-            </a:r>
-            <a:r>
-              <a:rPr lang="fr-FR" sz="2000" b="1" dirty="0">
-                <a:solidFill>
-                  <a:schemeClr val="accent6">
-                    <a:lumMod val="50000"/>
-                  </a:schemeClr>
-                </a:solidFill>
-              </a:rPr>
-              <a:t>On renvoie « NON »</a:t>
-            </a:r>
-          </a:p>
-        </p:txBody>
-      </p:sp>
-      <p:sp>
-        <p:nvSpPr>
-          <p:cNvPr id="9" name="ZoneTexte 8">
-            <a:extLst>
-              <a:ext uri="{FF2B5EF4-FFF2-40B4-BE49-F238E27FC236}">
-                <a16:creationId xmlns:a16="http://schemas.microsoft.com/office/drawing/2014/main" id="{839BBF7B-C81D-476D-87A3-313631D31D33}"/>
-              </a:ext>
-            </a:extLst>
-          </p:cNvPr>
-          <p:cNvSpPr txBox="1"/>
-          <p:nvPr/>
-        </p:nvSpPr>
-        <p:spPr>
-          <a:xfrm>
-            <a:off x="11523216" y="73146"/>
-            <a:ext cx="595035" cy="369332"/>
-          </a:xfrm>
-          <a:prstGeom prst="rect">
-            <a:avLst/>
-          </a:prstGeom>
-          <a:noFill/>
-        </p:spPr>
-        <p:txBody>
-          <a:bodyPr wrap="none" rtlCol="0">
-            <a:spAutoFit/>
-          </a:bodyPr>
-          <a:lstStyle/>
-          <a:p>
-            <a:r>
-              <a:rPr lang="fr-FR" dirty="0"/>
-              <a:t>9/26</a:t>
-            </a:r>
-          </a:p>
-        </p:txBody>
-      </p:sp>
-    </p:spTree>
-    <p:extLst>
-      <p:ext uri="{BB962C8B-B14F-4D97-AF65-F5344CB8AC3E}">
-        <p14:creationId xmlns:p14="http://schemas.microsoft.com/office/powerpoint/2010/main" val="1709982247"/>
       </p:ext>
     </p:extLst>
   </p:cSld>
